--- a/Downloads/Seminario_Interativo_Cascudo.pptx
+++ b/Downloads/Seminario_Interativo_Cascudo.pptx
@@ -2,17 +2,20 @@
 <file path=ppt/presentation.xml><?xml version="1.0" encoding="utf-8"?>
 <p:presentation xmlns:a="http://schemas.openxmlformats.org/drawingml/2006/main" xmlns:r="http://schemas.openxmlformats.org/officeDocument/2006/relationships" xmlns:p="http://schemas.openxmlformats.org/presentationml/2006/main" saveSubsetFonts="1" autoCompressPictures="0">
   <p:sldMasterIdLst>
-    <p:sldMasterId id="2147483648" r:id="rId1"/>
+    <p:sldMasterId id="2147483660" r:id="rId1"/>
   </p:sldMasterIdLst>
   <p:sldIdLst>
-    <p:sldId id="256" r:id="rId7"/>
-    <p:sldId id="257" r:id="rId8"/>
-    <p:sldId id="258" r:id="rId9"/>
-    <p:sldId id="259" r:id="rId10"/>
-    <p:sldId id="260" r:id="rId11"/>
-    <p:sldId id="261" r:id="rId12"/>
-    <p:sldId id="262" r:id="rId13"/>
-    <p:sldId id="263" r:id="rId14"/>
+    <p:sldId id="256" r:id="rId2"/>
+    <p:sldId id="258" r:id="rId3"/>
+    <p:sldId id="259" r:id="rId4"/>
+    <p:sldId id="260" r:id="rId5"/>
+    <p:sldId id="261" r:id="rId6"/>
+    <p:sldId id="262" r:id="rId7"/>
+    <p:sldId id="263" r:id="rId8"/>
+    <p:sldId id="264" r:id="rId9"/>
+    <p:sldId id="265" r:id="rId10"/>
+    <p:sldId id="266" r:id="rId11"/>
+    <p:sldId id="267" r:id="rId12"/>
   </p:sldIdLst>
   <p:sldSz cx="9144000" cy="6858000" type="screen4x3"/>
   <p:notesSz cx="6858000" cy="9144000"/>
@@ -111,7 +114,31 @@
       </a:defRPr>
     </a:lvl9pPr>
   </p:defaultTextStyle>
+  <p:extLst>
+    <p:ext uri="{EFAFB233-063F-42B5-8137-9DF3F51BA10A}">
+      <p15:sldGuideLst xmlns:p15="http://schemas.microsoft.com/office/powerpoint/2012/main">
+        <p15:guide id="1" orient="horz" pos="2160" userDrawn="1">
+          <p15:clr>
+            <a:srgbClr val="A4A3A4"/>
+          </p15:clr>
+        </p15:guide>
+        <p15:guide id="2" pos="2880" userDrawn="1">
+          <p15:clr>
+            <a:srgbClr val="A4A3A4"/>
+          </p15:clr>
+        </p15:guide>
+      </p15:sldGuideLst>
+    </p:ext>
+  </p:extLst>
 </p:presentation>
+</file>
+
+<file path=ppt/revisionInfo.xml><?xml version="1.0" encoding="utf-8"?>
+<p1510:revInfo xmlns:a="http://schemas.openxmlformats.org/drawingml/2006/main" xmlns:r="http://schemas.openxmlformats.org/officeDocument/2006/relationships" xmlns:p1510="http://schemas.microsoft.com/office/powerpoint/2015/10/main">
+  <p1510:revLst>
+    <p1510:client id="{ADBEAC01-E6FB-44AF-A60F-577E03D89DE7}" v="190" dt="2025-10-10T08:34:45.355"/>
+  </p1510:revLst>
+</p1510:revInfo>
 </file>
 
 <file path=ppt/slideLayouts/slideLayout1.xml><?xml version="1.0" encoding="utf-8"?>
@@ -133,7 +160,13 @@
       </p:grpSpPr>
       <p:sp>
         <p:nvSpPr>
-          <p:cNvPr id="2" name="Title 1"/>
+          <p:cNvPr id="2" name="Title 1">
+            <a:extLst>
+              <a:ext uri="{FF2B5EF4-FFF2-40B4-BE49-F238E27FC236}">
+                <a16:creationId xmlns:a16="http://schemas.microsoft.com/office/drawing/2014/main" id="{E0EB8136-4330-4480-80D9-0F6FD970617C}"/>
+              </a:ext>
+            </a:extLst>
+          </p:cNvPr>
           <p:cNvSpPr>
             <a:spLocks noGrp="1"/>
           </p:cNvSpPr>
@@ -143,25 +176,36 @@
         </p:nvSpPr>
         <p:spPr>
           <a:xfrm>
-            <a:off x="685800" y="2130425"/>
-            <a:ext cx="7772400" cy="1470025"/>
-          </a:xfrm>
-        </p:spPr>
-        <p:txBody>
-          <a:bodyPr/>
-          <a:lstStyle/>
-          <a:p>
-            <a:r>
-              <a:rPr lang="en-US" smtClean="0"/>
+            <a:off x="432054" y="1124712"/>
+            <a:ext cx="8277606" cy="3172968"/>
+          </a:xfrm>
+        </p:spPr>
+        <p:txBody>
+          <a:bodyPr anchor="b">
+            <a:normAutofit/>
+          </a:bodyPr>
+          <a:lstStyle>
+            <a:lvl1pPr algn="l">
+              <a:defRPr sz="10666"/>
+            </a:lvl1pPr>
+          </a:lstStyle>
+          <a:p>
+            <a:r>
+              <a:rPr lang="en-US" dirty="0"/>
               <a:t>Click to edit Master title style</a:t>
             </a:r>
-            <a:endParaRPr lang="en-US"/>
-          </a:p>
-        </p:txBody>
-      </p:sp>
-      <p:sp>
-        <p:nvSpPr>
-          <p:cNvPr id="3" name="Subtitle 2"/>
+          </a:p>
+        </p:txBody>
+      </p:sp>
+      <p:sp>
+        <p:nvSpPr>
+          <p:cNvPr id="3" name="Subtitle 2">
+            <a:extLst>
+              <a:ext uri="{FF2B5EF4-FFF2-40B4-BE49-F238E27FC236}">
+                <a16:creationId xmlns:a16="http://schemas.microsoft.com/office/drawing/2014/main" id="{566E5739-DD96-45FB-B609-3E3447A52FED}"/>
+              </a:ext>
+            </a:extLst>
+          </p:cNvPr>
           <p:cNvSpPr>
             <a:spLocks noGrp="1"/>
           </p:cNvSpPr>
@@ -171,116 +215,69 @@
         </p:nvSpPr>
         <p:spPr>
           <a:xfrm>
-            <a:off x="1371600" y="3886200"/>
-            <a:ext cx="6400800" cy="1752600"/>
-          </a:xfrm>
-        </p:spPr>
-        <p:txBody>
-          <a:bodyPr/>
+            <a:off x="432054" y="4727448"/>
+            <a:ext cx="8277606" cy="1481328"/>
+          </a:xfrm>
+        </p:spPr>
+        <p:txBody>
+          <a:bodyPr>
+            <a:normAutofit/>
+          </a:bodyPr>
           <a:lstStyle>
-            <a:lvl1pPr marL="0" indent="0" algn="ctr">
+            <a:lvl1pPr marL="0" indent="0" algn="l">
               <a:buNone/>
-              <a:defRPr>
-                <a:solidFill>
-                  <a:schemeClr val="tx1">
-                    <a:tint val="75000"/>
-                  </a:schemeClr>
-                </a:solidFill>
-              </a:defRPr>
+              <a:defRPr sz="3733"/>
             </a:lvl1pPr>
-            <a:lvl2pPr marL="457200" indent="0" algn="ctr">
+            <a:lvl2pPr marL="609585" indent="0" algn="ctr">
               <a:buNone/>
-              <a:defRPr>
-                <a:solidFill>
-                  <a:schemeClr val="tx1">
-                    <a:tint val="75000"/>
-                  </a:schemeClr>
-                </a:solidFill>
-              </a:defRPr>
+              <a:defRPr sz="2667"/>
             </a:lvl2pPr>
-            <a:lvl3pPr marL="914400" indent="0" algn="ctr">
+            <a:lvl3pPr marL="1219170" indent="0" algn="ctr">
               <a:buNone/>
-              <a:defRPr>
-                <a:solidFill>
-                  <a:schemeClr val="tx1">
-                    <a:tint val="75000"/>
-                  </a:schemeClr>
-                </a:solidFill>
-              </a:defRPr>
+              <a:defRPr sz="2400"/>
             </a:lvl3pPr>
-            <a:lvl4pPr marL="1371600" indent="0" algn="ctr">
+            <a:lvl4pPr marL="1828754" indent="0" algn="ctr">
               <a:buNone/>
-              <a:defRPr>
-                <a:solidFill>
-                  <a:schemeClr val="tx1">
-                    <a:tint val="75000"/>
-                  </a:schemeClr>
-                </a:solidFill>
-              </a:defRPr>
+              <a:defRPr sz="2133"/>
             </a:lvl4pPr>
-            <a:lvl5pPr marL="1828800" indent="0" algn="ctr">
+            <a:lvl5pPr marL="2438339" indent="0" algn="ctr">
               <a:buNone/>
-              <a:defRPr>
-                <a:solidFill>
-                  <a:schemeClr val="tx1">
-                    <a:tint val="75000"/>
-                  </a:schemeClr>
-                </a:solidFill>
-              </a:defRPr>
+              <a:defRPr sz="2133"/>
             </a:lvl5pPr>
-            <a:lvl6pPr marL="2286000" indent="0" algn="ctr">
+            <a:lvl6pPr marL="3047924" indent="0" algn="ctr">
               <a:buNone/>
-              <a:defRPr>
-                <a:solidFill>
-                  <a:schemeClr val="tx1">
-                    <a:tint val="75000"/>
-                  </a:schemeClr>
-                </a:solidFill>
-              </a:defRPr>
+              <a:defRPr sz="2133"/>
             </a:lvl6pPr>
-            <a:lvl7pPr marL="2743200" indent="0" algn="ctr">
+            <a:lvl7pPr marL="3657509" indent="0" algn="ctr">
               <a:buNone/>
-              <a:defRPr>
-                <a:solidFill>
-                  <a:schemeClr val="tx1">
-                    <a:tint val="75000"/>
-                  </a:schemeClr>
-                </a:solidFill>
-              </a:defRPr>
+              <a:defRPr sz="2133"/>
             </a:lvl7pPr>
-            <a:lvl8pPr marL="3200400" indent="0" algn="ctr">
+            <a:lvl8pPr marL="4267093" indent="0" algn="ctr">
               <a:buNone/>
-              <a:defRPr>
-                <a:solidFill>
-                  <a:schemeClr val="tx1">
-                    <a:tint val="75000"/>
-                  </a:schemeClr>
-                </a:solidFill>
-              </a:defRPr>
+              <a:defRPr sz="2133"/>
             </a:lvl8pPr>
-            <a:lvl9pPr marL="3657600" indent="0" algn="ctr">
+            <a:lvl9pPr marL="4876678" indent="0" algn="ctr">
               <a:buNone/>
-              <a:defRPr>
-                <a:solidFill>
-                  <a:schemeClr val="tx1">
-                    <a:tint val="75000"/>
-                  </a:schemeClr>
-                </a:solidFill>
-              </a:defRPr>
+              <a:defRPr sz="2133"/>
             </a:lvl9pPr>
           </a:lstStyle>
           <a:p>
             <a:r>
-              <a:rPr lang="en-US" smtClean="0"/>
+              <a:rPr lang="en-US" dirty="0"/>
               <a:t>Click to edit Master subtitle style</a:t>
             </a:r>
-            <a:endParaRPr lang="en-US"/>
-          </a:p>
-        </p:txBody>
-      </p:sp>
-      <p:sp>
-        <p:nvSpPr>
-          <p:cNvPr id="4" name="Date Placeholder 3"/>
+          </a:p>
+        </p:txBody>
+      </p:sp>
+      <p:sp>
+        <p:nvSpPr>
+          <p:cNvPr id="4" name="Date Placeholder 3">
+            <a:extLst>
+              <a:ext uri="{FF2B5EF4-FFF2-40B4-BE49-F238E27FC236}">
+                <a16:creationId xmlns:a16="http://schemas.microsoft.com/office/drawing/2014/main" id="{1B9FF558-51F9-42A2-9944-DBE23DA8B224}"/>
+              </a:ext>
+            </a:extLst>
+          </p:cNvPr>
           <p:cNvSpPr>
             <a:spLocks noGrp="1"/>
           </p:cNvSpPr>
@@ -288,65 +285,179 @@
             <p:ph type="dt" sz="half" idx="10"/>
           </p:nvPr>
         </p:nvSpPr>
+        <p:spPr>
+          <a:xfrm>
+            <a:off x="432054" y="6356351"/>
+            <a:ext cx="2057400" cy="365125"/>
+          </a:xfrm>
+        </p:spPr>
+        <p:txBody>
+          <a:bodyPr/>
+          <a:lstStyle/>
+          <a:p>
+            <a:fld id="{965A7A7B-B71A-428D-833F-0F3507A6DB13}" type="datetimeFigureOut">
+              <a:rPr lang="en-US" dirty="0"/>
+              <a:t>10/10/2025</a:t>
+            </a:fld>
+            <a:endParaRPr lang="en-US" dirty="0"/>
+          </a:p>
+        </p:txBody>
+      </p:sp>
+      <p:sp>
+        <p:nvSpPr>
+          <p:cNvPr id="5" name="Footer Placeholder 4">
+            <a:extLst>
+              <a:ext uri="{FF2B5EF4-FFF2-40B4-BE49-F238E27FC236}">
+                <a16:creationId xmlns:a16="http://schemas.microsoft.com/office/drawing/2014/main" id="{8B8C0E86-A7F7-4BDC-A637-254E5252DED5}"/>
+              </a:ext>
+            </a:extLst>
+          </p:cNvPr>
+          <p:cNvSpPr>
+            <a:spLocks noGrp="1"/>
+          </p:cNvSpPr>
+          <p:nvPr>
+            <p:ph type="ftr" sz="quarter" idx="11"/>
+          </p:nvPr>
+        </p:nvSpPr>
         <p:spPr/>
         <p:txBody>
           <a:bodyPr/>
           <a:lstStyle/>
           <a:p>
-            <a:fld id="{5BCAD085-E8A6-8845-BD4E-CB4CCA059FC4}" type="datetimeFigureOut">
-              <a:rPr lang="en-US" smtClean="0"/>
-              <a:t>1/27/13</a:t>
+            <a:endParaRPr lang="en-US" dirty="0"/>
+          </a:p>
+        </p:txBody>
+      </p:sp>
+      <p:sp>
+        <p:nvSpPr>
+          <p:cNvPr id="6" name="Slide Number Placeholder 5">
+            <a:extLst>
+              <a:ext uri="{FF2B5EF4-FFF2-40B4-BE49-F238E27FC236}">
+                <a16:creationId xmlns:a16="http://schemas.microsoft.com/office/drawing/2014/main" id="{C3D10ADE-E9DA-4E57-BF57-1CCB65219839}"/>
+              </a:ext>
+            </a:extLst>
+          </p:cNvPr>
+          <p:cNvSpPr>
+            <a:spLocks noGrp="1"/>
+          </p:cNvSpPr>
+          <p:nvPr>
+            <p:ph type="sldNum" sz="quarter" idx="12"/>
+          </p:nvPr>
+        </p:nvSpPr>
+        <p:spPr>
+          <a:xfrm>
+            <a:off x="6652260" y="6356351"/>
+            <a:ext cx="2057400" cy="365125"/>
+          </a:xfrm>
+        </p:spPr>
+        <p:txBody>
+          <a:bodyPr/>
+          <a:lstStyle/>
+          <a:p>
+            <a:fld id="{A65A5C87-DF58-40C8-B092-1DE63DB4547E}" type="slidenum">
+              <a:rPr lang="en-US" dirty="0"/>
+              <a:t>‹nº›</a:t>
             </a:fld>
-            <a:endParaRPr lang="en-US"/>
-          </a:p>
-        </p:txBody>
-      </p:sp>
-      <p:sp>
-        <p:nvSpPr>
-          <p:cNvPr id="5" name="Footer Placeholder 4"/>
-          <p:cNvSpPr>
-            <a:spLocks noGrp="1"/>
-          </p:cNvSpPr>
-          <p:nvPr>
-            <p:ph type="ftr" sz="quarter" idx="11"/>
-          </p:nvPr>
-        </p:nvSpPr>
-        <p:spPr/>
-        <p:txBody>
-          <a:bodyPr/>
-          <a:lstStyle/>
-          <a:p>
-            <a:endParaRPr lang="en-US"/>
-          </a:p>
-        </p:txBody>
-      </p:sp>
-      <p:sp>
-        <p:nvSpPr>
-          <p:cNvPr id="6" name="Slide Number Placeholder 5"/>
-          <p:cNvSpPr>
-            <a:spLocks noGrp="1"/>
-          </p:cNvSpPr>
-          <p:nvPr>
-            <p:ph type="sldNum" sz="quarter" idx="12"/>
-          </p:nvPr>
-        </p:nvSpPr>
-        <p:spPr/>
-        <p:txBody>
-          <a:bodyPr/>
-          <a:lstStyle/>
-          <a:p>
-            <a:fld id="{C1FF6DA9-008F-8B48-92A6-B652298478BF}" type="slidenum">
-              <a:rPr lang="en-US" smtClean="0"/>
-              <a:t>‹#›</a:t>
-            </a:fld>
-            <a:endParaRPr lang="en-US"/>
-          </a:p>
-        </p:txBody>
+            <a:endParaRPr lang="en-US" dirty="0"/>
+          </a:p>
+        </p:txBody>
+      </p:sp>
+      <p:sp>
+        <p:nvSpPr>
+          <p:cNvPr id="8" name="Rectangle 7">
+            <a:extLst>
+              <a:ext uri="{FF2B5EF4-FFF2-40B4-BE49-F238E27FC236}">
+                <a16:creationId xmlns:a16="http://schemas.microsoft.com/office/drawing/2014/main" id="{8D06CE56-3881-4ADA-8CEF-D18B02C242A3}"/>
+              </a:ext>
+            </a:extLst>
+          </p:cNvPr>
+          <p:cNvSpPr/>
+          <p:nvPr/>
+        </p:nvSpPr>
+        <p:spPr>
+          <a:xfrm rot="5400000">
+            <a:off x="624870" y="434802"/>
+            <a:ext cx="146304" cy="528066"/>
+          </a:xfrm>
+          <a:prstGeom prst="rect">
+            <a:avLst/>
+          </a:prstGeom>
+          <a:solidFill>
+            <a:schemeClr val="accent1"/>
+          </a:solidFill>
+          <a:ln>
+            <a:noFill/>
+          </a:ln>
+        </p:spPr>
+        <p:style>
+          <a:lnRef idx="2">
+            <a:schemeClr val="accent1">
+              <a:shade val="50000"/>
+            </a:schemeClr>
+          </a:lnRef>
+          <a:fillRef idx="1">
+            <a:schemeClr val="accent1"/>
+          </a:fillRef>
+          <a:effectRef idx="0">
+            <a:schemeClr val="accent1"/>
+          </a:effectRef>
+          <a:fontRef idx="minor">
+            <a:schemeClr val="lt1"/>
+          </a:fontRef>
+        </p:style>
+      </p:sp>
+      <p:sp>
+        <p:nvSpPr>
+          <p:cNvPr id="10" name="Rectangle 9">
+            <a:extLst>
+              <a:ext uri="{FF2B5EF4-FFF2-40B4-BE49-F238E27FC236}">
+                <a16:creationId xmlns:a16="http://schemas.microsoft.com/office/drawing/2014/main" id="{79F3C543-62EC-4433-9C93-A2CD8764E9B4}"/>
+              </a:ext>
+            </a:extLst>
+          </p:cNvPr>
+          <p:cNvSpPr/>
+          <p:nvPr/>
+        </p:nvSpPr>
+        <p:spPr>
+          <a:xfrm flipV="1">
+            <a:off x="433989" y="4501201"/>
+            <a:ext cx="8276022" cy="18288"/>
+          </a:xfrm>
+          <a:prstGeom prst="rect">
+            <a:avLst/>
+          </a:prstGeom>
+          <a:solidFill>
+            <a:schemeClr val="tx2">
+              <a:lumMod val="25000"/>
+              <a:lumOff val="75000"/>
+            </a:schemeClr>
+          </a:solidFill>
+          <a:ln w="3175">
+            <a:noFill/>
+          </a:ln>
+          <a:effectLst/>
+        </p:spPr>
+        <p:style>
+          <a:lnRef idx="2">
+            <a:schemeClr val="accent1">
+              <a:shade val="50000"/>
+            </a:schemeClr>
+          </a:lnRef>
+          <a:fillRef idx="1">
+            <a:schemeClr val="accent1"/>
+          </a:fillRef>
+          <a:effectRef idx="0">
+            <a:schemeClr val="accent1"/>
+          </a:effectRef>
+          <a:fontRef idx="minor">
+            <a:schemeClr val="lt1"/>
+          </a:fontRef>
+        </p:style>
       </p:sp>
     </p:spTree>
     <p:extLst>
       <p:ext uri="{BB962C8B-B14F-4D97-AF65-F5344CB8AC3E}">
-        <p14:creationId xmlns:p14="http://schemas.microsoft.com/office/powerpoint/2010/main" val="3168075583"/>
+        <p14:creationId xmlns:p14="http://schemas.microsoft.com/office/powerpoint/2010/main" val="2915101866"/>
       </p:ext>
     </p:extLst>
   </p:cSld>
@@ -375,7 +486,13 @@
       </p:grpSpPr>
       <p:sp>
         <p:nvSpPr>
-          <p:cNvPr id="2" name="Title 1"/>
+          <p:cNvPr id="2" name="Title 1">
+            <a:extLst>
+              <a:ext uri="{FF2B5EF4-FFF2-40B4-BE49-F238E27FC236}">
+                <a16:creationId xmlns:a16="http://schemas.microsoft.com/office/drawing/2014/main" id="{90B32C18-E430-4EC7-BD7C-99D86D012231}"/>
+              </a:ext>
+            </a:extLst>
+          </p:cNvPr>
           <p:cNvSpPr>
             <a:spLocks noGrp="1"/>
           </p:cNvSpPr>
@@ -389,16 +506,21 @@
           <a:lstStyle/>
           <a:p>
             <a:r>
-              <a:rPr lang="en-US" smtClean="0"/>
+              <a:rPr lang="en-US" dirty="0"/>
               <a:t>Click to edit Master title style</a:t>
             </a:r>
-            <a:endParaRPr lang="en-US"/>
-          </a:p>
-        </p:txBody>
-      </p:sp>
-      <p:sp>
-        <p:nvSpPr>
-          <p:cNvPr id="3" name="Vertical Text Placeholder 2"/>
+          </a:p>
+        </p:txBody>
+      </p:sp>
+      <p:sp>
+        <p:nvSpPr>
+          <p:cNvPr id="3" name="Vertical Text Placeholder 2">
+            <a:extLst>
+              <a:ext uri="{FF2B5EF4-FFF2-40B4-BE49-F238E27FC236}">
+                <a16:creationId xmlns:a16="http://schemas.microsoft.com/office/drawing/2014/main" id="{8FC5012F-7119-4D94-9717-3862E1C9384E}"/>
+              </a:ext>
+            </a:extLst>
+          </p:cNvPr>
           <p:cNvSpPr>
             <a:spLocks noGrp="1"/>
           </p:cNvSpPr>
@@ -413,44 +535,49 @@
           <a:p>
             <a:pPr lvl="0"/>
             <a:r>
-              <a:rPr lang="en-US" smtClean="0"/>
+              <a:rPr lang="en-US" dirty="0"/>
               <a:t>Click to edit Master text styles</a:t>
             </a:r>
           </a:p>
           <a:p>
             <a:pPr lvl="1"/>
             <a:r>
-              <a:rPr lang="en-US" smtClean="0"/>
+              <a:rPr lang="en-US" dirty="0"/>
               <a:t>Second level</a:t>
             </a:r>
           </a:p>
           <a:p>
             <a:pPr lvl="2"/>
             <a:r>
-              <a:rPr lang="en-US" smtClean="0"/>
+              <a:rPr lang="en-US" dirty="0"/>
               <a:t>Third level</a:t>
             </a:r>
           </a:p>
           <a:p>
             <a:pPr lvl="3"/>
             <a:r>
-              <a:rPr lang="en-US" smtClean="0"/>
+              <a:rPr lang="en-US" dirty="0"/>
               <a:t>Fourth level</a:t>
             </a:r>
           </a:p>
           <a:p>
             <a:pPr lvl="4"/>
             <a:r>
-              <a:rPr lang="en-US" smtClean="0"/>
+              <a:rPr lang="en-US" dirty="0"/>
               <a:t>Fifth level</a:t>
             </a:r>
-            <a:endParaRPr lang="en-US"/>
-          </a:p>
-        </p:txBody>
-      </p:sp>
-      <p:sp>
-        <p:nvSpPr>
-          <p:cNvPr id="4" name="Date Placeholder 3"/>
+          </a:p>
+        </p:txBody>
+      </p:sp>
+      <p:sp>
+        <p:nvSpPr>
+          <p:cNvPr id="4" name="Date Placeholder 3">
+            <a:extLst>
+              <a:ext uri="{FF2B5EF4-FFF2-40B4-BE49-F238E27FC236}">
+                <a16:creationId xmlns:a16="http://schemas.microsoft.com/office/drawing/2014/main" id="{19ED9A4A-D287-4207-9037-70DB007A1707}"/>
+              </a:ext>
+            </a:extLst>
+          </p:cNvPr>
           <p:cNvSpPr>
             <a:spLocks noGrp="1"/>
           </p:cNvSpPr>
@@ -463,17 +590,23 @@
           <a:bodyPr/>
           <a:lstStyle/>
           <a:p>
-            <a:fld id="{5BCAD085-E8A6-8845-BD4E-CB4CCA059FC4}" type="datetimeFigureOut">
-              <a:rPr lang="en-US" smtClean="0"/>
-              <a:t>1/27/13</a:t>
+            <a:fld id="{F248F9EB-9D34-4B41-B66C-5FAF50876D2D}" type="datetimeFigureOut">
+              <a:rPr lang="en-US" dirty="0"/>
+              <a:t>10/10/2025</a:t>
             </a:fld>
-            <a:endParaRPr lang="en-US"/>
-          </a:p>
-        </p:txBody>
-      </p:sp>
-      <p:sp>
-        <p:nvSpPr>
-          <p:cNvPr id="5" name="Footer Placeholder 4"/>
+            <a:endParaRPr lang="en-US" dirty="0"/>
+          </a:p>
+        </p:txBody>
+      </p:sp>
+      <p:sp>
+        <p:nvSpPr>
+          <p:cNvPr id="5" name="Footer Placeholder 4">
+            <a:extLst>
+              <a:ext uri="{FF2B5EF4-FFF2-40B4-BE49-F238E27FC236}">
+                <a16:creationId xmlns:a16="http://schemas.microsoft.com/office/drawing/2014/main" id="{61ECFCAC-80DB-43BB-B3F1-AC22BACEE360}"/>
+              </a:ext>
+            </a:extLst>
+          </p:cNvPr>
           <p:cNvSpPr>
             <a:spLocks noGrp="1"/>
           </p:cNvSpPr>
@@ -486,13 +619,19 @@
           <a:bodyPr/>
           <a:lstStyle/>
           <a:p>
-            <a:endParaRPr lang="en-US"/>
-          </a:p>
-        </p:txBody>
-      </p:sp>
-      <p:sp>
-        <p:nvSpPr>
-          <p:cNvPr id="6" name="Slide Number Placeholder 5"/>
+            <a:endParaRPr lang="en-US" dirty="0"/>
+          </a:p>
+        </p:txBody>
+      </p:sp>
+      <p:sp>
+        <p:nvSpPr>
+          <p:cNvPr id="6" name="Slide Number Placeholder 5">
+            <a:extLst>
+              <a:ext uri="{FF2B5EF4-FFF2-40B4-BE49-F238E27FC236}">
+                <a16:creationId xmlns:a16="http://schemas.microsoft.com/office/drawing/2014/main" id="{D7679730-3487-4D94-A0DC-C21684963AB3}"/>
+              </a:ext>
+            </a:extLst>
+          </p:cNvPr>
           <p:cNvSpPr>
             <a:spLocks noGrp="1"/>
           </p:cNvSpPr>
@@ -505,18 +644,18 @@
           <a:bodyPr/>
           <a:lstStyle/>
           <a:p>
-            <a:fld id="{C1FF6DA9-008F-8B48-92A6-B652298478BF}" type="slidenum">
-              <a:rPr lang="en-US" smtClean="0"/>
-              <a:t>‹#›</a:t>
+            <a:fld id="{A65A5C87-DF58-40C8-B092-1DE63DB4547E}" type="slidenum">
+              <a:rPr lang="en-US" dirty="0"/>
+              <a:t>‹nº›</a:t>
             </a:fld>
-            <a:endParaRPr lang="en-US"/>
+            <a:endParaRPr lang="en-US" dirty="0"/>
           </a:p>
         </p:txBody>
       </p:sp>
     </p:spTree>
     <p:extLst>
       <p:ext uri="{BB962C8B-B14F-4D97-AF65-F5344CB8AC3E}">
-        <p14:creationId xmlns:p14="http://schemas.microsoft.com/office/powerpoint/2010/main" val="2910927964"/>
+        <p14:creationId xmlns:p14="http://schemas.microsoft.com/office/powerpoint/2010/main" val="1672178766"/>
       </p:ext>
     </p:extLst>
   </p:cSld>
@@ -545,7 +684,13 @@
       </p:grpSpPr>
       <p:sp>
         <p:nvSpPr>
-          <p:cNvPr id="2" name="Vertical Title 1"/>
+          <p:cNvPr id="2" name="Vertical Title 1">
+            <a:extLst>
+              <a:ext uri="{FF2B5EF4-FFF2-40B4-BE49-F238E27FC236}">
+                <a16:creationId xmlns:a16="http://schemas.microsoft.com/office/drawing/2014/main" id="{B543C89D-929E-4CD1-BCCC-72A14C0335D6}"/>
+              </a:ext>
+            </a:extLst>
+          </p:cNvPr>
           <p:cNvSpPr>
             <a:spLocks noGrp="1"/>
           </p:cNvSpPr>
@@ -555,8 +700,8 @@
         </p:nvSpPr>
         <p:spPr>
           <a:xfrm>
-            <a:off x="6629400" y="274638"/>
-            <a:ext cx="2057400" cy="5851525"/>
+            <a:off x="6543675" y="365125"/>
+            <a:ext cx="1971675" cy="5811838"/>
           </a:xfrm>
         </p:spPr>
         <p:txBody>
@@ -564,16 +709,21 @@
           <a:lstStyle/>
           <a:p>
             <a:r>
-              <a:rPr lang="en-US" smtClean="0"/>
+              <a:rPr lang="en-US" dirty="0"/>
               <a:t>Click to edit Master title style</a:t>
             </a:r>
-            <a:endParaRPr lang="en-US"/>
-          </a:p>
-        </p:txBody>
-      </p:sp>
-      <p:sp>
-        <p:nvSpPr>
-          <p:cNvPr id="3" name="Vertical Text Placeholder 2"/>
+          </a:p>
+        </p:txBody>
+      </p:sp>
+      <p:sp>
+        <p:nvSpPr>
+          <p:cNvPr id="3" name="Vertical Text Placeholder 2">
+            <a:extLst>
+              <a:ext uri="{FF2B5EF4-FFF2-40B4-BE49-F238E27FC236}">
+                <a16:creationId xmlns:a16="http://schemas.microsoft.com/office/drawing/2014/main" id="{FED450EA-A577-4B76-A12F-650BEB20FD8D}"/>
+              </a:ext>
+            </a:extLst>
+          </p:cNvPr>
           <p:cNvSpPr>
             <a:spLocks noGrp="1"/>
           </p:cNvSpPr>
@@ -583,8 +733,8 @@
         </p:nvSpPr>
         <p:spPr>
           <a:xfrm>
-            <a:off x="457200" y="274638"/>
-            <a:ext cx="6019800" cy="5851525"/>
+            <a:off x="628650" y="365125"/>
+            <a:ext cx="5800725" cy="5811838"/>
           </a:xfrm>
         </p:spPr>
         <p:txBody>
@@ -593,44 +743,49 @@
           <a:p>
             <a:pPr lvl="0"/>
             <a:r>
-              <a:rPr lang="en-US" smtClean="0"/>
+              <a:rPr lang="en-US" dirty="0"/>
               <a:t>Click to edit Master text styles</a:t>
             </a:r>
           </a:p>
           <a:p>
             <a:pPr lvl="1"/>
             <a:r>
-              <a:rPr lang="en-US" smtClean="0"/>
+              <a:rPr lang="en-US" dirty="0"/>
               <a:t>Second level</a:t>
             </a:r>
           </a:p>
           <a:p>
             <a:pPr lvl="2"/>
             <a:r>
-              <a:rPr lang="en-US" smtClean="0"/>
+              <a:rPr lang="en-US" dirty="0"/>
               <a:t>Third level</a:t>
             </a:r>
           </a:p>
           <a:p>
             <a:pPr lvl="3"/>
             <a:r>
-              <a:rPr lang="en-US" smtClean="0"/>
+              <a:rPr lang="en-US" dirty="0"/>
               <a:t>Fourth level</a:t>
             </a:r>
           </a:p>
           <a:p>
             <a:pPr lvl="4"/>
             <a:r>
-              <a:rPr lang="en-US" smtClean="0"/>
+              <a:rPr lang="en-US" dirty="0"/>
               <a:t>Fifth level</a:t>
             </a:r>
-            <a:endParaRPr lang="en-US"/>
-          </a:p>
-        </p:txBody>
-      </p:sp>
-      <p:sp>
-        <p:nvSpPr>
-          <p:cNvPr id="4" name="Date Placeholder 3"/>
+          </a:p>
+        </p:txBody>
+      </p:sp>
+      <p:sp>
+        <p:nvSpPr>
+          <p:cNvPr id="4" name="Date Placeholder 3">
+            <a:extLst>
+              <a:ext uri="{FF2B5EF4-FFF2-40B4-BE49-F238E27FC236}">
+                <a16:creationId xmlns:a16="http://schemas.microsoft.com/office/drawing/2014/main" id="{41D2603B-9ACE-4FA9-805B-9B91EB63DF7D}"/>
+              </a:ext>
+            </a:extLst>
+          </p:cNvPr>
           <p:cNvSpPr>
             <a:spLocks noGrp="1"/>
           </p:cNvSpPr>
@@ -643,17 +798,23 @@
           <a:bodyPr/>
           <a:lstStyle/>
           <a:p>
-            <a:fld id="{5BCAD085-E8A6-8845-BD4E-CB4CCA059FC4}" type="datetimeFigureOut">
-              <a:rPr lang="en-US" smtClean="0"/>
-              <a:t>1/27/13</a:t>
+            <a:fld id="{34489A26-CAA1-4690-8C1F-1641B1B97745}" type="datetimeFigureOut">
+              <a:rPr lang="en-US" dirty="0"/>
+              <a:t>10/10/2025</a:t>
             </a:fld>
-            <a:endParaRPr lang="en-US"/>
-          </a:p>
-        </p:txBody>
-      </p:sp>
-      <p:sp>
-        <p:nvSpPr>
-          <p:cNvPr id="5" name="Footer Placeholder 4"/>
+            <a:endParaRPr lang="en-US" dirty="0"/>
+          </a:p>
+        </p:txBody>
+      </p:sp>
+      <p:sp>
+        <p:nvSpPr>
+          <p:cNvPr id="5" name="Footer Placeholder 4">
+            <a:extLst>
+              <a:ext uri="{FF2B5EF4-FFF2-40B4-BE49-F238E27FC236}">
+                <a16:creationId xmlns:a16="http://schemas.microsoft.com/office/drawing/2014/main" id="{7ECE18AC-D6A9-4A61-885D-68E2B684A438}"/>
+              </a:ext>
+            </a:extLst>
+          </p:cNvPr>
           <p:cNvSpPr>
             <a:spLocks noGrp="1"/>
           </p:cNvSpPr>
@@ -666,13 +827,19 @@
           <a:bodyPr/>
           <a:lstStyle/>
           <a:p>
-            <a:endParaRPr lang="en-US"/>
-          </a:p>
-        </p:txBody>
-      </p:sp>
-      <p:sp>
-        <p:nvSpPr>
-          <p:cNvPr id="6" name="Slide Number Placeholder 5"/>
+            <a:endParaRPr lang="en-US" dirty="0"/>
+          </a:p>
+        </p:txBody>
+      </p:sp>
+      <p:sp>
+        <p:nvSpPr>
+          <p:cNvPr id="6" name="Slide Number Placeholder 5">
+            <a:extLst>
+              <a:ext uri="{FF2B5EF4-FFF2-40B4-BE49-F238E27FC236}">
+                <a16:creationId xmlns:a16="http://schemas.microsoft.com/office/drawing/2014/main" id="{75197AE4-AA47-4E14-8FFE-171FAE47F49E}"/>
+              </a:ext>
+            </a:extLst>
+          </p:cNvPr>
           <p:cNvSpPr>
             <a:spLocks noGrp="1"/>
           </p:cNvSpPr>
@@ -685,18 +852,18 @@
           <a:bodyPr/>
           <a:lstStyle/>
           <a:p>
-            <a:fld id="{C1FF6DA9-008F-8B48-92A6-B652298478BF}" type="slidenum">
-              <a:rPr lang="en-US" smtClean="0"/>
-              <a:t>‹#›</a:t>
+            <a:fld id="{A65A5C87-DF58-40C8-B092-1DE63DB4547E}" type="slidenum">
+              <a:rPr lang="en-US" dirty="0"/>
+              <a:t>‹nº›</a:t>
             </a:fld>
-            <a:endParaRPr lang="en-US"/>
+            <a:endParaRPr lang="en-US" dirty="0"/>
           </a:p>
         </p:txBody>
       </p:sp>
     </p:spTree>
     <p:extLst>
       <p:ext uri="{BB962C8B-B14F-4D97-AF65-F5344CB8AC3E}">
-        <p14:creationId xmlns:p14="http://schemas.microsoft.com/office/powerpoint/2010/main" val="3612223792"/>
+        <p14:creationId xmlns:p14="http://schemas.microsoft.com/office/powerpoint/2010/main" val="3947670548"/>
       </p:ext>
     </p:extLst>
   </p:cSld>
@@ -723,9 +890,155 @@
           <a:chExt cx="0" cy="0"/>
         </a:xfrm>
       </p:grpSpPr>
-      <p:sp>
-        <p:nvSpPr>
-          <p:cNvPr id="2" name="Title 1"/>
+      <p:sp useBgFill="1">
+        <p:nvSpPr>
+          <p:cNvPr id="8" name="Rectangle 7">
+            <a:extLst>
+              <a:ext uri="{FF2B5EF4-FFF2-40B4-BE49-F238E27FC236}">
+                <a16:creationId xmlns:a16="http://schemas.microsoft.com/office/drawing/2014/main" id="{2D6FBB9D-1CAA-4D05-AB33-BABDFE17B843}"/>
+              </a:ext>
+            </a:extLst>
+          </p:cNvPr>
+          <p:cNvSpPr/>
+          <p:nvPr/>
+        </p:nvSpPr>
+        <p:spPr>
+          <a:xfrm>
+            <a:off x="418657" y="0"/>
+            <a:ext cx="8375585" cy="2018806"/>
+          </a:xfrm>
+          <a:prstGeom prst="rect">
+            <a:avLst/>
+          </a:prstGeom>
+          <a:ln w="9525">
+            <a:solidFill>
+              <a:schemeClr val="tx2">
+                <a:lumMod val="10000"/>
+                <a:lumOff val="90000"/>
+              </a:schemeClr>
+            </a:solidFill>
+          </a:ln>
+          <a:effectLst>
+            <a:outerShdw blurRad="50800" dist="38100" dir="2700000" algn="tl" rotWithShape="0">
+              <a:schemeClr val="bg1">
+                <a:lumMod val="85000"/>
+                <a:alpha val="30000"/>
+              </a:schemeClr>
+            </a:outerShdw>
+          </a:effectLst>
+        </p:spPr>
+        <p:style>
+          <a:lnRef idx="2">
+            <a:schemeClr val="accent1">
+              <a:shade val="50000"/>
+            </a:schemeClr>
+          </a:lnRef>
+          <a:fillRef idx="1">
+            <a:schemeClr val="accent1"/>
+          </a:fillRef>
+          <a:effectRef idx="0">
+            <a:schemeClr val="accent1"/>
+          </a:effectRef>
+          <a:fontRef idx="minor">
+            <a:schemeClr val="lt1"/>
+          </a:fontRef>
+        </p:style>
+      </p:sp>
+      <p:sp useBgFill="1">
+        <p:nvSpPr>
+          <p:cNvPr id="10" name="Rectangle 9">
+            <a:extLst>
+              <a:ext uri="{FF2B5EF4-FFF2-40B4-BE49-F238E27FC236}">
+                <a16:creationId xmlns:a16="http://schemas.microsoft.com/office/drawing/2014/main" id="{04727B71-B4B6-4823-80A1-68C40B475118}"/>
+              </a:ext>
+            </a:extLst>
+          </p:cNvPr>
+          <p:cNvSpPr/>
+          <p:nvPr/>
+        </p:nvSpPr>
+        <p:spPr>
+          <a:xfrm>
+            <a:off x="425196" y="0"/>
+            <a:ext cx="8366760" cy="2011680"/>
+          </a:xfrm>
+          <a:prstGeom prst="rect">
+            <a:avLst/>
+          </a:prstGeom>
+          <a:ln w="9525">
+            <a:noFill/>
+          </a:ln>
+          <a:effectLst/>
+        </p:spPr>
+        <p:style>
+          <a:lnRef idx="2">
+            <a:schemeClr val="accent1">
+              <a:shade val="50000"/>
+            </a:schemeClr>
+          </a:lnRef>
+          <a:fillRef idx="1">
+            <a:schemeClr val="accent1"/>
+          </a:fillRef>
+          <a:effectRef idx="0">
+            <a:schemeClr val="accent1"/>
+          </a:effectRef>
+          <a:fontRef idx="minor">
+            <a:schemeClr val="lt1"/>
+          </a:fontRef>
+        </p:style>
+      </p:sp>
+      <p:sp>
+        <p:nvSpPr>
+          <p:cNvPr id="12" name="Rectangle 11">
+            <a:extLst>
+              <a:ext uri="{FF2B5EF4-FFF2-40B4-BE49-F238E27FC236}">
+                <a16:creationId xmlns:a16="http://schemas.microsoft.com/office/drawing/2014/main" id="{79A6DB05-9FB5-4B07-8675-74C23D4FD89D}"/>
+              </a:ext>
+            </a:extLst>
+          </p:cNvPr>
+          <p:cNvSpPr/>
+          <p:nvPr/>
+        </p:nvSpPr>
+        <p:spPr>
+          <a:xfrm>
+            <a:off x="374126" y="787352"/>
+            <a:ext cx="96012" cy="704088"/>
+          </a:xfrm>
+          <a:prstGeom prst="rect">
+            <a:avLst/>
+          </a:prstGeom>
+          <a:solidFill>
+            <a:schemeClr val="accent1"/>
+          </a:solidFill>
+          <a:ln>
+            <a:noFill/>
+          </a:ln>
+        </p:spPr>
+        <p:style>
+          <a:lnRef idx="2">
+            <a:schemeClr val="accent1">
+              <a:shade val="50000"/>
+            </a:schemeClr>
+          </a:lnRef>
+          <a:fillRef idx="1">
+            <a:schemeClr val="accent1"/>
+          </a:fillRef>
+          <a:effectRef idx="0">
+            <a:schemeClr val="accent1"/>
+          </a:effectRef>
+          <a:fontRef idx="minor">
+            <a:schemeClr val="lt1"/>
+          </a:fontRef>
+        </p:style>
+      </p:sp>
+      <p:sp>
+        <p:nvSpPr>
+          <p:cNvPr id="2" name="Title 1">
+            <a:extLst>
+              <a:ext uri="{FF2B5EF4-FFF2-40B4-BE49-F238E27FC236}">
+                <a16:creationId xmlns:a16="http://schemas.microsoft.com/office/drawing/2014/main" id="{48D358CF-0758-490A-A084-C46443B9ABE8}"/>
+              </a:ext>
+            </a:extLst>
+          </p:cNvPr>
           <p:cNvSpPr>
             <a:spLocks noGrp="1"/>
           </p:cNvSpPr>
@@ -733,140 +1046,188 @@
             <p:ph type="title"/>
           </p:nvPr>
         </p:nvSpPr>
+        <p:spPr>
+          <a:xfrm>
+            <a:off x="836676" y="548640"/>
+            <a:ext cx="7626096" cy="1179576"/>
+          </a:xfrm>
+        </p:spPr>
+        <p:txBody>
+          <a:bodyPr>
+            <a:normAutofit/>
+          </a:bodyPr>
+          <a:lstStyle>
+            <a:lvl1pPr>
+              <a:defRPr sz="5333"/>
+            </a:lvl1pPr>
+          </a:lstStyle>
+          <a:p>
+            <a:r>
+              <a:rPr lang="en-US" dirty="0"/>
+              <a:t>Click to edit Master title style</a:t>
+            </a:r>
+          </a:p>
+        </p:txBody>
+      </p:sp>
+      <p:sp>
+        <p:nvSpPr>
+          <p:cNvPr id="3" name="Content Placeholder 2">
+            <a:extLst>
+              <a:ext uri="{FF2B5EF4-FFF2-40B4-BE49-F238E27FC236}">
+                <a16:creationId xmlns:a16="http://schemas.microsoft.com/office/drawing/2014/main" id="{21671183-B3CE-4F45-92FB-98290CA0E2CA}"/>
+              </a:ext>
+            </a:extLst>
+          </p:cNvPr>
+          <p:cNvSpPr>
+            <a:spLocks noGrp="1"/>
+          </p:cNvSpPr>
+          <p:nvPr>
+            <p:ph idx="1"/>
+          </p:nvPr>
+        </p:nvSpPr>
+        <p:spPr>
+          <a:xfrm>
+            <a:off x="836676" y="2478024"/>
+            <a:ext cx="7626096" cy="3694176"/>
+          </a:xfrm>
+        </p:spPr>
+        <p:txBody>
+          <a:bodyPr/>
+          <a:lstStyle/>
+          <a:p>
+            <a:pPr lvl="0"/>
+            <a:r>
+              <a:rPr lang="en-US" dirty="0"/>
+              <a:t>Click to edit Master text styles</a:t>
+            </a:r>
+          </a:p>
+          <a:p>
+            <a:pPr lvl="1"/>
+            <a:r>
+              <a:rPr lang="en-US" dirty="0"/>
+              <a:t>Second level</a:t>
+            </a:r>
+          </a:p>
+          <a:p>
+            <a:pPr lvl="2"/>
+            <a:r>
+              <a:rPr lang="en-US" dirty="0"/>
+              <a:t>Third level</a:t>
+            </a:r>
+          </a:p>
+          <a:p>
+            <a:pPr lvl="3"/>
+            <a:r>
+              <a:rPr lang="en-US" dirty="0"/>
+              <a:t>Fourth level</a:t>
+            </a:r>
+          </a:p>
+          <a:p>
+            <a:pPr lvl="4"/>
+            <a:r>
+              <a:rPr lang="en-US" dirty="0"/>
+              <a:t>Fifth level</a:t>
+            </a:r>
+          </a:p>
+        </p:txBody>
+      </p:sp>
+      <p:sp>
+        <p:nvSpPr>
+          <p:cNvPr id="4" name="Date Placeholder 3">
+            <a:extLst>
+              <a:ext uri="{FF2B5EF4-FFF2-40B4-BE49-F238E27FC236}">
+                <a16:creationId xmlns:a16="http://schemas.microsoft.com/office/drawing/2014/main" id="{3D7DED67-27EC-4D43-A21C-093C1DB04813}"/>
+              </a:ext>
+            </a:extLst>
+          </p:cNvPr>
+          <p:cNvSpPr>
+            <a:spLocks noGrp="1"/>
+          </p:cNvSpPr>
+          <p:nvPr>
+            <p:ph type="dt" sz="half" idx="10"/>
+          </p:nvPr>
+        </p:nvSpPr>
+        <p:spPr>
+          <a:xfrm>
+            <a:off x="836676" y="6356351"/>
+            <a:ext cx="2057400" cy="365125"/>
+          </a:xfrm>
+        </p:spPr>
+        <p:txBody>
+          <a:bodyPr/>
+          <a:lstStyle/>
+          <a:p>
+            <a:fld id="{5CF65307-640F-4AE7-B0BE-50C709AD86C5}" type="datetimeFigureOut">
+              <a:rPr lang="en-US" dirty="0"/>
+              <a:t>10/10/2025</a:t>
+            </a:fld>
+            <a:endParaRPr lang="en-US" dirty="0"/>
+          </a:p>
+        </p:txBody>
+      </p:sp>
+      <p:sp>
+        <p:nvSpPr>
+          <p:cNvPr id="5" name="Footer Placeholder 4">
+            <a:extLst>
+              <a:ext uri="{FF2B5EF4-FFF2-40B4-BE49-F238E27FC236}">
+                <a16:creationId xmlns:a16="http://schemas.microsoft.com/office/drawing/2014/main" id="{36747CE3-4890-4BC1-94DB-5D49D02C9933}"/>
+              </a:ext>
+            </a:extLst>
+          </p:cNvPr>
+          <p:cNvSpPr>
+            <a:spLocks noGrp="1"/>
+          </p:cNvSpPr>
+          <p:nvPr>
+            <p:ph type="ftr" sz="quarter" idx="11"/>
+          </p:nvPr>
+        </p:nvSpPr>
         <p:spPr/>
         <p:txBody>
           <a:bodyPr/>
           <a:lstStyle/>
           <a:p>
-            <a:r>
-              <a:rPr lang="en-US" smtClean="0"/>
-              <a:t>Click to edit Master title style</a:t>
-            </a:r>
-            <a:endParaRPr lang="en-US"/>
-          </a:p>
-        </p:txBody>
-      </p:sp>
-      <p:sp>
-        <p:nvSpPr>
-          <p:cNvPr id="3" name="Content Placeholder 2"/>
-          <p:cNvSpPr>
-            <a:spLocks noGrp="1"/>
-          </p:cNvSpPr>
-          <p:nvPr>
-            <p:ph idx="1"/>
-          </p:nvPr>
-        </p:nvSpPr>
-        <p:spPr/>
+            <a:endParaRPr lang="en-US" dirty="0"/>
+          </a:p>
+        </p:txBody>
+      </p:sp>
+      <p:sp>
+        <p:nvSpPr>
+          <p:cNvPr id="6" name="Slide Number Placeholder 5">
+            <a:extLst>
+              <a:ext uri="{FF2B5EF4-FFF2-40B4-BE49-F238E27FC236}">
+                <a16:creationId xmlns:a16="http://schemas.microsoft.com/office/drawing/2014/main" id="{093C5AD3-D79A-4D46-B25B-822FE0252511}"/>
+              </a:ext>
+            </a:extLst>
+          </p:cNvPr>
+          <p:cNvSpPr>
+            <a:spLocks noGrp="1"/>
+          </p:cNvSpPr>
+          <p:nvPr>
+            <p:ph type="sldNum" sz="quarter" idx="12"/>
+          </p:nvPr>
+        </p:nvSpPr>
+        <p:spPr>
+          <a:xfrm>
+            <a:off x="6405372" y="6356351"/>
+            <a:ext cx="2057400" cy="365125"/>
+          </a:xfrm>
+        </p:spPr>
         <p:txBody>
           <a:bodyPr/>
           <a:lstStyle/>
           <a:p>
-            <a:pPr lvl="0"/>
-            <a:r>
-              <a:rPr lang="en-US" smtClean="0"/>
-              <a:t>Click to edit Master text styles</a:t>
-            </a:r>
-          </a:p>
-          <a:p>
-            <a:pPr lvl="1"/>
-            <a:r>
-              <a:rPr lang="en-US" smtClean="0"/>
-              <a:t>Second level</a:t>
-            </a:r>
-          </a:p>
-          <a:p>
-            <a:pPr lvl="2"/>
-            <a:r>
-              <a:rPr lang="en-US" smtClean="0"/>
-              <a:t>Third level</a:t>
-            </a:r>
-          </a:p>
-          <a:p>
-            <a:pPr lvl="3"/>
-            <a:r>
-              <a:rPr lang="en-US" smtClean="0"/>
-              <a:t>Fourth level</a:t>
-            </a:r>
-          </a:p>
-          <a:p>
-            <a:pPr lvl="4"/>
-            <a:r>
-              <a:rPr lang="en-US" smtClean="0"/>
-              <a:t>Fifth level</a:t>
-            </a:r>
-            <a:endParaRPr lang="en-US"/>
-          </a:p>
-        </p:txBody>
-      </p:sp>
-      <p:sp>
-        <p:nvSpPr>
-          <p:cNvPr id="4" name="Date Placeholder 3"/>
-          <p:cNvSpPr>
-            <a:spLocks noGrp="1"/>
-          </p:cNvSpPr>
-          <p:nvPr>
-            <p:ph type="dt" sz="half" idx="10"/>
-          </p:nvPr>
-        </p:nvSpPr>
-        <p:spPr/>
-        <p:txBody>
-          <a:bodyPr/>
-          <a:lstStyle/>
-          <a:p>
-            <a:fld id="{5BCAD085-E8A6-8845-BD4E-CB4CCA059FC4}" type="datetimeFigureOut">
-              <a:rPr lang="en-US" smtClean="0"/>
-              <a:t>1/27/13</a:t>
+            <a:fld id="{A65A5C87-DF58-40C8-B092-1DE63DB4547E}" type="slidenum">
+              <a:rPr lang="en-US" dirty="0"/>
+              <a:t>‹nº›</a:t>
             </a:fld>
-            <a:endParaRPr lang="en-US"/>
-          </a:p>
-        </p:txBody>
-      </p:sp>
-      <p:sp>
-        <p:nvSpPr>
-          <p:cNvPr id="5" name="Footer Placeholder 4"/>
-          <p:cNvSpPr>
-            <a:spLocks noGrp="1"/>
-          </p:cNvSpPr>
-          <p:nvPr>
-            <p:ph type="ftr" sz="quarter" idx="11"/>
-          </p:nvPr>
-        </p:nvSpPr>
-        <p:spPr/>
-        <p:txBody>
-          <a:bodyPr/>
-          <a:lstStyle/>
-          <a:p>
-            <a:endParaRPr lang="en-US"/>
-          </a:p>
-        </p:txBody>
-      </p:sp>
-      <p:sp>
-        <p:nvSpPr>
-          <p:cNvPr id="6" name="Slide Number Placeholder 5"/>
-          <p:cNvSpPr>
-            <a:spLocks noGrp="1"/>
-          </p:cNvSpPr>
-          <p:nvPr>
-            <p:ph type="sldNum" sz="quarter" idx="12"/>
-          </p:nvPr>
-        </p:nvSpPr>
-        <p:spPr/>
-        <p:txBody>
-          <a:bodyPr/>
-          <a:lstStyle/>
-          <a:p>
-            <a:fld id="{C1FF6DA9-008F-8B48-92A6-B652298478BF}" type="slidenum">
-              <a:rPr lang="en-US" smtClean="0"/>
-              <a:t>‹#›</a:t>
-            </a:fld>
-            <a:endParaRPr lang="en-US"/>
+            <a:endParaRPr lang="en-US" dirty="0"/>
           </a:p>
         </p:txBody>
       </p:sp>
     </p:spTree>
     <p:extLst>
       <p:ext uri="{BB962C8B-B14F-4D97-AF65-F5344CB8AC3E}">
-        <p14:creationId xmlns:p14="http://schemas.microsoft.com/office/powerpoint/2010/main" val="2614314258"/>
+        <p14:creationId xmlns:p14="http://schemas.microsoft.com/office/powerpoint/2010/main" val="1312415322"/>
       </p:ext>
     </p:extLst>
   </p:cSld>
@@ -893,9 +1254,113 @@
           <a:chExt cx="0" cy="0"/>
         </a:xfrm>
       </p:grpSpPr>
-      <p:sp>
-        <p:nvSpPr>
-          <p:cNvPr id="2" name="Title 1"/>
+      <p:sp useBgFill="1">
+        <p:nvSpPr>
+          <p:cNvPr id="8" name="Rectangle 7">
+            <a:extLst>
+              <a:ext uri="{FF2B5EF4-FFF2-40B4-BE49-F238E27FC236}">
+                <a16:creationId xmlns:a16="http://schemas.microsoft.com/office/drawing/2014/main" id="{85AEDC5C-2E87-49C6-AB07-A95E5F39ED8E}"/>
+              </a:ext>
+            </a:extLst>
+          </p:cNvPr>
+          <p:cNvSpPr/>
+          <p:nvPr/>
+        </p:nvSpPr>
+        <p:spPr>
+          <a:xfrm>
+            <a:off x="418658" y="4981421"/>
+            <a:ext cx="8351217" cy="822960"/>
+          </a:xfrm>
+          <a:prstGeom prst="rect">
+            <a:avLst/>
+          </a:prstGeom>
+          <a:ln w="12700">
+            <a:solidFill>
+              <a:schemeClr val="tx2">
+                <a:lumMod val="10000"/>
+                <a:lumOff val="90000"/>
+              </a:schemeClr>
+            </a:solidFill>
+          </a:ln>
+          <a:effectLst>
+            <a:outerShdw blurRad="50800" dist="38100" dir="2700000" algn="tl" rotWithShape="0">
+              <a:schemeClr val="bg1">
+                <a:lumMod val="85000"/>
+                <a:alpha val="30000"/>
+              </a:schemeClr>
+            </a:outerShdw>
+          </a:effectLst>
+        </p:spPr>
+        <p:style>
+          <a:lnRef idx="2">
+            <a:schemeClr val="accent1">
+              <a:shade val="50000"/>
+            </a:schemeClr>
+          </a:lnRef>
+          <a:fillRef idx="1">
+            <a:schemeClr val="accent1"/>
+          </a:fillRef>
+          <a:effectRef idx="0">
+            <a:schemeClr val="accent1"/>
+          </a:effectRef>
+          <a:fontRef idx="minor">
+            <a:schemeClr val="lt1"/>
+          </a:fontRef>
+        </p:style>
+      </p:sp>
+      <p:sp>
+        <p:nvSpPr>
+          <p:cNvPr id="10" name="Rectangle 9">
+            <a:extLst>
+              <a:ext uri="{FF2B5EF4-FFF2-40B4-BE49-F238E27FC236}">
+                <a16:creationId xmlns:a16="http://schemas.microsoft.com/office/drawing/2014/main" id="{A57D88DE-E462-4C8A-BF99-609390DFB781}"/>
+              </a:ext>
+            </a:extLst>
+          </p:cNvPr>
+          <p:cNvSpPr/>
+          <p:nvPr/>
+        </p:nvSpPr>
+        <p:spPr>
+          <a:xfrm>
+            <a:off x="374126" y="5118581"/>
+            <a:ext cx="109728" cy="548640"/>
+          </a:xfrm>
+          <a:prstGeom prst="rect">
+            <a:avLst/>
+          </a:prstGeom>
+          <a:solidFill>
+            <a:schemeClr val="accent1"/>
+          </a:solidFill>
+          <a:ln>
+            <a:noFill/>
+          </a:ln>
+        </p:spPr>
+        <p:style>
+          <a:lnRef idx="2">
+            <a:schemeClr val="accent1">
+              <a:shade val="50000"/>
+            </a:schemeClr>
+          </a:lnRef>
+          <a:fillRef idx="1">
+            <a:schemeClr val="accent1"/>
+          </a:fillRef>
+          <a:effectRef idx="0">
+            <a:schemeClr val="accent1"/>
+          </a:effectRef>
+          <a:fontRef idx="minor">
+            <a:schemeClr val="lt1"/>
+          </a:fontRef>
+        </p:style>
+      </p:sp>
+      <p:sp>
+        <p:nvSpPr>
+          <p:cNvPr id="2" name="Title 1">
+            <a:extLst>
+              <a:ext uri="{FF2B5EF4-FFF2-40B4-BE49-F238E27FC236}">
+                <a16:creationId xmlns:a16="http://schemas.microsoft.com/office/drawing/2014/main" id="{B8E44900-E8BF-4B12-8BCB-41076E2B68C7}"/>
+              </a:ext>
+            </a:extLst>
+          </p:cNvPr>
           <p:cNvSpPr>
             <a:spLocks noGrp="1"/>
           </p:cNvSpPr>
@@ -905,29 +1370,36 @@
         </p:nvSpPr>
         <p:spPr>
           <a:xfrm>
-            <a:off x="722313" y="4406900"/>
-            <a:ext cx="7772400" cy="1362075"/>
-          </a:xfrm>
-        </p:spPr>
-        <p:txBody>
-          <a:bodyPr anchor="t"/>
+            <a:off x="418338" y="640080"/>
+            <a:ext cx="8167878" cy="4114800"/>
+          </a:xfrm>
+        </p:spPr>
+        <p:txBody>
+          <a:bodyPr anchor="b">
+            <a:normAutofit/>
+          </a:bodyPr>
           <a:lstStyle>
-            <a:lvl1pPr algn="l">
-              <a:defRPr sz="4000" b="1" cap="all"/>
+            <a:lvl1pPr>
+              <a:defRPr sz="8800"/>
             </a:lvl1pPr>
           </a:lstStyle>
           <a:p>
             <a:r>
-              <a:rPr lang="en-US" smtClean="0"/>
+              <a:rPr lang="en-US" dirty="0"/>
               <a:t>Click to edit Master title style</a:t>
             </a:r>
-            <a:endParaRPr lang="en-US"/>
-          </a:p>
-        </p:txBody>
-      </p:sp>
-      <p:sp>
-        <p:nvSpPr>
-          <p:cNvPr id="3" name="Text Placeholder 2"/>
+          </a:p>
+        </p:txBody>
+      </p:sp>
+      <p:sp>
+        <p:nvSpPr>
+          <p:cNvPr id="3" name="Text Placeholder 2">
+            <a:extLst>
+              <a:ext uri="{FF2B5EF4-FFF2-40B4-BE49-F238E27FC236}">
+                <a16:creationId xmlns:a16="http://schemas.microsoft.com/office/drawing/2014/main" id="{917741F9-B00F-4463-A257-6B66DABD9B4E}"/>
+              </a:ext>
+            </a:extLst>
+          </p:cNvPr>
           <p:cNvSpPr>
             <a:spLocks noGrp="1"/>
           </p:cNvSpPr>
@@ -937,108 +1409,108 @@
         </p:nvSpPr>
         <p:spPr>
           <a:xfrm>
-            <a:off x="722313" y="2906713"/>
-            <a:ext cx="7772400" cy="1500187"/>
-          </a:xfrm>
-        </p:spPr>
-        <p:txBody>
-          <a:bodyPr anchor="b"/>
+            <a:off x="630936" y="5102352"/>
+            <a:ext cx="7955280" cy="585216"/>
+          </a:xfrm>
+        </p:spPr>
+        <p:txBody>
+          <a:bodyPr anchor="ctr">
+            <a:normAutofit/>
+          </a:bodyPr>
           <a:lstStyle>
             <a:lvl1pPr marL="0" indent="0">
               <a:buNone/>
-              <a:defRPr sz="2000">
+              <a:defRPr sz="2667">
+                <a:solidFill>
+                  <a:schemeClr val="tx1"/>
+                </a:solidFill>
+              </a:defRPr>
+            </a:lvl1pPr>
+            <a:lvl2pPr marL="609585" indent="0">
+              <a:buNone/>
+              <a:defRPr sz="2667">
                 <a:solidFill>
                   <a:schemeClr val="tx1">
                     <a:tint val="75000"/>
                   </a:schemeClr>
                 </a:solidFill>
               </a:defRPr>
-            </a:lvl1pPr>
-            <a:lvl2pPr marL="457200" indent="0">
+            </a:lvl2pPr>
+            <a:lvl3pPr marL="1219170" indent="0">
               <a:buNone/>
-              <a:defRPr sz="1800">
+              <a:defRPr sz="2400">
                 <a:solidFill>
                   <a:schemeClr val="tx1">
                     <a:tint val="75000"/>
                   </a:schemeClr>
                 </a:solidFill>
               </a:defRPr>
-            </a:lvl2pPr>
-            <a:lvl3pPr marL="914400" indent="0">
+            </a:lvl3pPr>
+            <a:lvl4pPr marL="1828754" indent="0">
               <a:buNone/>
-              <a:defRPr sz="1600">
+              <a:defRPr sz="2133">
                 <a:solidFill>
                   <a:schemeClr val="tx1">
                     <a:tint val="75000"/>
                   </a:schemeClr>
                 </a:solidFill>
               </a:defRPr>
-            </a:lvl3pPr>
-            <a:lvl4pPr marL="1371600" indent="0">
+            </a:lvl4pPr>
+            <a:lvl5pPr marL="2438339" indent="0">
               <a:buNone/>
-              <a:defRPr sz="1400">
+              <a:defRPr sz="2133">
                 <a:solidFill>
                   <a:schemeClr val="tx1">
                     <a:tint val="75000"/>
                   </a:schemeClr>
                 </a:solidFill>
               </a:defRPr>
-            </a:lvl4pPr>
-            <a:lvl5pPr marL="1828800" indent="0">
+            </a:lvl5pPr>
+            <a:lvl6pPr marL="3047924" indent="0">
               <a:buNone/>
-              <a:defRPr sz="1400">
+              <a:defRPr sz="2133">
                 <a:solidFill>
                   <a:schemeClr val="tx1">
                     <a:tint val="75000"/>
                   </a:schemeClr>
                 </a:solidFill>
               </a:defRPr>
-            </a:lvl5pPr>
-            <a:lvl6pPr marL="2286000" indent="0">
+            </a:lvl6pPr>
+            <a:lvl7pPr marL="3657509" indent="0">
               <a:buNone/>
-              <a:defRPr sz="1400">
+              <a:defRPr sz="2133">
                 <a:solidFill>
                   <a:schemeClr val="tx1">
                     <a:tint val="75000"/>
                   </a:schemeClr>
                 </a:solidFill>
               </a:defRPr>
-            </a:lvl6pPr>
-            <a:lvl7pPr marL="2743200" indent="0">
+            </a:lvl7pPr>
+            <a:lvl8pPr marL="4267093" indent="0">
               <a:buNone/>
-              <a:defRPr sz="1400">
+              <a:defRPr sz="2133">
                 <a:solidFill>
                   <a:schemeClr val="tx1">
                     <a:tint val="75000"/>
                   </a:schemeClr>
                 </a:solidFill>
               </a:defRPr>
-            </a:lvl7pPr>
-            <a:lvl8pPr marL="3200400" indent="0">
+            </a:lvl8pPr>
+            <a:lvl9pPr marL="4876678" indent="0">
               <a:buNone/>
-              <a:defRPr sz="1400">
+              <a:defRPr sz="2133">
                 <a:solidFill>
                   <a:schemeClr val="tx1">
                     <a:tint val="75000"/>
                   </a:schemeClr>
                 </a:solidFill>
               </a:defRPr>
-            </a:lvl8pPr>
-            <a:lvl9pPr marL="3657600" indent="0">
-              <a:buNone/>
-              <a:defRPr sz="1400">
-                <a:solidFill>
-                  <a:schemeClr val="tx1">
-                    <a:tint val="75000"/>
-                  </a:schemeClr>
-                </a:solidFill>
-              </a:defRPr>
             </a:lvl9pPr>
           </a:lstStyle>
           <a:p>
             <a:pPr lvl="0"/>
             <a:r>
-              <a:rPr lang="en-US" smtClean="0"/>
+              <a:rPr lang="en-US" dirty="0"/>
               <a:t>Click to edit Master text styles</a:t>
             </a:r>
           </a:p>
@@ -1046,7 +1518,13 @@
       </p:sp>
       <p:sp>
         <p:nvSpPr>
-          <p:cNvPr id="4" name="Date Placeholder 3"/>
+          <p:cNvPr id="4" name="Date Placeholder 3">
+            <a:extLst>
+              <a:ext uri="{FF2B5EF4-FFF2-40B4-BE49-F238E27FC236}">
+                <a16:creationId xmlns:a16="http://schemas.microsoft.com/office/drawing/2014/main" id="{D48BFA7D-4401-4285-802B-1579165F0D6D}"/>
+              </a:ext>
+            </a:extLst>
+          </p:cNvPr>
           <p:cNvSpPr>
             <a:spLocks noGrp="1"/>
           </p:cNvSpPr>
@@ -1059,17 +1537,23 @@
           <a:bodyPr/>
           <a:lstStyle/>
           <a:p>
-            <a:fld id="{5BCAD085-E8A6-8845-BD4E-CB4CCA059FC4}" type="datetimeFigureOut">
-              <a:rPr lang="en-US" smtClean="0"/>
-              <a:t>1/27/13</a:t>
+            <a:fld id="{F77EA1F9-1F0F-4C65-8F6E-9729B924AAAC}" type="datetimeFigureOut">
+              <a:rPr lang="en-US" dirty="0"/>
+              <a:t>10/10/2025</a:t>
             </a:fld>
-            <a:endParaRPr lang="en-US"/>
-          </a:p>
-        </p:txBody>
-      </p:sp>
-      <p:sp>
-        <p:nvSpPr>
-          <p:cNvPr id="5" name="Footer Placeholder 4"/>
+            <a:endParaRPr lang="en-US" dirty="0"/>
+          </a:p>
+        </p:txBody>
+      </p:sp>
+      <p:sp>
+        <p:nvSpPr>
+          <p:cNvPr id="5" name="Footer Placeholder 4">
+            <a:extLst>
+              <a:ext uri="{FF2B5EF4-FFF2-40B4-BE49-F238E27FC236}">
+                <a16:creationId xmlns:a16="http://schemas.microsoft.com/office/drawing/2014/main" id="{49A909C5-AA19-4195-8376-9002D5DF4651}"/>
+              </a:ext>
+            </a:extLst>
+          </p:cNvPr>
           <p:cNvSpPr>
             <a:spLocks noGrp="1"/>
           </p:cNvSpPr>
@@ -1082,13 +1566,19 @@
           <a:bodyPr/>
           <a:lstStyle/>
           <a:p>
-            <a:endParaRPr lang="en-US"/>
-          </a:p>
-        </p:txBody>
-      </p:sp>
-      <p:sp>
-        <p:nvSpPr>
-          <p:cNvPr id="6" name="Slide Number Placeholder 5"/>
+            <a:endParaRPr lang="en-US" dirty="0"/>
+          </a:p>
+        </p:txBody>
+      </p:sp>
+      <p:sp>
+        <p:nvSpPr>
+          <p:cNvPr id="6" name="Slide Number Placeholder 5">
+            <a:extLst>
+              <a:ext uri="{FF2B5EF4-FFF2-40B4-BE49-F238E27FC236}">
+                <a16:creationId xmlns:a16="http://schemas.microsoft.com/office/drawing/2014/main" id="{53AC3F32-46E0-47C8-8565-5969A475FDB0}"/>
+              </a:ext>
+            </a:extLst>
+          </p:cNvPr>
           <p:cNvSpPr>
             <a:spLocks noGrp="1"/>
           </p:cNvSpPr>
@@ -1101,18 +1591,18 @@
           <a:bodyPr/>
           <a:lstStyle/>
           <a:p>
-            <a:fld id="{C1FF6DA9-008F-8B48-92A6-B652298478BF}" type="slidenum">
-              <a:rPr lang="en-US" smtClean="0"/>
-              <a:t>‹#›</a:t>
+            <a:fld id="{A65A5C87-DF58-40C8-B092-1DE63DB4547E}" type="slidenum">
+              <a:rPr lang="en-US" dirty="0"/>
+              <a:t>‹nº›</a:t>
             </a:fld>
-            <a:endParaRPr lang="en-US"/>
+            <a:endParaRPr lang="en-US" dirty="0"/>
           </a:p>
         </p:txBody>
       </p:sp>
     </p:spTree>
     <p:extLst>
       <p:ext uri="{BB962C8B-B14F-4D97-AF65-F5344CB8AC3E}">
-        <p14:creationId xmlns:p14="http://schemas.microsoft.com/office/powerpoint/2010/main" val="960648375"/>
+        <p14:creationId xmlns:p14="http://schemas.microsoft.com/office/powerpoint/2010/main" val="4210727991"/>
       </p:ext>
     </p:extLst>
   </p:cSld>
@@ -1139,9 +1629,155 @@
           <a:chExt cx="0" cy="0"/>
         </a:xfrm>
       </p:grpSpPr>
-      <p:sp>
-        <p:nvSpPr>
-          <p:cNvPr id="2" name="Title 1"/>
+      <p:sp useBgFill="1">
+        <p:nvSpPr>
+          <p:cNvPr id="9" name="Rectangle 8">
+            <a:extLst>
+              <a:ext uri="{FF2B5EF4-FFF2-40B4-BE49-F238E27FC236}">
+                <a16:creationId xmlns:a16="http://schemas.microsoft.com/office/drawing/2014/main" id="{2076262E-36A0-40C6-ADE6-90CD9FB9B9EA}"/>
+              </a:ext>
+            </a:extLst>
+          </p:cNvPr>
+          <p:cNvSpPr/>
+          <p:nvPr/>
+        </p:nvSpPr>
+        <p:spPr>
+          <a:xfrm>
+            <a:off x="418657" y="0"/>
+            <a:ext cx="8375585" cy="2018806"/>
+          </a:xfrm>
+          <a:prstGeom prst="rect">
+            <a:avLst/>
+          </a:prstGeom>
+          <a:ln w="9525">
+            <a:solidFill>
+              <a:schemeClr val="tx2">
+                <a:lumMod val="10000"/>
+                <a:lumOff val="90000"/>
+              </a:schemeClr>
+            </a:solidFill>
+          </a:ln>
+          <a:effectLst>
+            <a:outerShdw blurRad="50800" dist="38100" dir="2700000" algn="tl" rotWithShape="0">
+              <a:schemeClr val="bg1">
+                <a:lumMod val="85000"/>
+                <a:alpha val="30000"/>
+              </a:schemeClr>
+            </a:outerShdw>
+          </a:effectLst>
+        </p:spPr>
+        <p:style>
+          <a:lnRef idx="2">
+            <a:schemeClr val="accent1">
+              <a:shade val="50000"/>
+            </a:schemeClr>
+          </a:lnRef>
+          <a:fillRef idx="1">
+            <a:schemeClr val="accent1"/>
+          </a:fillRef>
+          <a:effectRef idx="0">
+            <a:schemeClr val="accent1"/>
+          </a:effectRef>
+          <a:fontRef idx="minor">
+            <a:schemeClr val="lt1"/>
+          </a:fontRef>
+        </p:style>
+      </p:sp>
+      <p:sp useBgFill="1">
+        <p:nvSpPr>
+          <p:cNvPr id="11" name="Rectangle 10">
+            <a:extLst>
+              <a:ext uri="{FF2B5EF4-FFF2-40B4-BE49-F238E27FC236}">
+                <a16:creationId xmlns:a16="http://schemas.microsoft.com/office/drawing/2014/main" id="{42677A9B-4D1D-4D80-912C-24570140A650}"/>
+              </a:ext>
+            </a:extLst>
+          </p:cNvPr>
+          <p:cNvSpPr/>
+          <p:nvPr/>
+        </p:nvSpPr>
+        <p:spPr>
+          <a:xfrm>
+            <a:off x="425196" y="0"/>
+            <a:ext cx="8366760" cy="2011680"/>
+          </a:xfrm>
+          <a:prstGeom prst="rect">
+            <a:avLst/>
+          </a:prstGeom>
+          <a:ln w="9525">
+            <a:noFill/>
+          </a:ln>
+          <a:effectLst/>
+        </p:spPr>
+        <p:style>
+          <a:lnRef idx="2">
+            <a:schemeClr val="accent1">
+              <a:shade val="50000"/>
+            </a:schemeClr>
+          </a:lnRef>
+          <a:fillRef idx="1">
+            <a:schemeClr val="accent1"/>
+          </a:fillRef>
+          <a:effectRef idx="0">
+            <a:schemeClr val="accent1"/>
+          </a:effectRef>
+          <a:fontRef idx="minor">
+            <a:schemeClr val="lt1"/>
+          </a:fontRef>
+        </p:style>
+      </p:sp>
+      <p:sp>
+        <p:nvSpPr>
+          <p:cNvPr id="13" name="Rectangle 12">
+            <a:extLst>
+              <a:ext uri="{FF2B5EF4-FFF2-40B4-BE49-F238E27FC236}">
+                <a16:creationId xmlns:a16="http://schemas.microsoft.com/office/drawing/2014/main" id="{03DC8C98-510F-48C9-82B2-9E4F760A68DF}"/>
+              </a:ext>
+            </a:extLst>
+          </p:cNvPr>
+          <p:cNvSpPr/>
+          <p:nvPr/>
+        </p:nvSpPr>
+        <p:spPr>
+          <a:xfrm>
+            <a:off x="374126" y="787352"/>
+            <a:ext cx="96012" cy="704088"/>
+          </a:xfrm>
+          <a:prstGeom prst="rect">
+            <a:avLst/>
+          </a:prstGeom>
+          <a:solidFill>
+            <a:schemeClr val="accent1"/>
+          </a:solidFill>
+          <a:ln>
+            <a:noFill/>
+          </a:ln>
+        </p:spPr>
+        <p:style>
+          <a:lnRef idx="2">
+            <a:schemeClr val="accent1">
+              <a:shade val="50000"/>
+            </a:schemeClr>
+          </a:lnRef>
+          <a:fillRef idx="1">
+            <a:schemeClr val="accent1"/>
+          </a:fillRef>
+          <a:effectRef idx="0">
+            <a:schemeClr val="accent1"/>
+          </a:effectRef>
+          <a:fontRef idx="minor">
+            <a:schemeClr val="lt1"/>
+          </a:fontRef>
+        </p:style>
+      </p:sp>
+      <p:sp>
+        <p:nvSpPr>
+          <p:cNvPr id="2" name="Title 1">
+            <a:extLst>
+              <a:ext uri="{FF2B5EF4-FFF2-40B4-BE49-F238E27FC236}">
+                <a16:creationId xmlns:a16="http://schemas.microsoft.com/office/drawing/2014/main" id="{17A078AE-0BC3-48F9-87EC-2DB0CCE7E2AE}"/>
+              </a:ext>
+            </a:extLst>
+          </p:cNvPr>
           <p:cNvSpPr>
             <a:spLocks noGrp="1"/>
           </p:cNvSpPr>
@@ -1149,107 +1785,100 @@
             <p:ph type="title"/>
           </p:nvPr>
         </p:nvSpPr>
-        <p:spPr/>
-        <p:txBody>
-          <a:bodyPr/>
-          <a:lstStyle/>
-          <a:p>
-            <a:r>
-              <a:rPr lang="en-US" smtClean="0"/>
-              <a:t>Click to edit Master title style</a:t>
-            </a:r>
-            <a:endParaRPr lang="en-US"/>
-          </a:p>
-        </p:txBody>
-      </p:sp>
-      <p:sp>
-        <p:nvSpPr>
-          <p:cNvPr id="3" name="Content Placeholder 2"/>
-          <p:cNvSpPr>
-            <a:spLocks noGrp="1"/>
-          </p:cNvSpPr>
-          <p:nvPr>
-            <p:ph sz="half" idx="1"/>
-          </p:nvPr>
-        </p:nvSpPr>
         <p:spPr>
           <a:xfrm>
-            <a:off x="457200" y="1600200"/>
-            <a:ext cx="4038600" cy="4525963"/>
-          </a:xfrm>
-        </p:spPr>
-        <p:txBody>
-          <a:bodyPr/>
+            <a:off x="836676" y="548640"/>
+            <a:ext cx="7626096" cy="1179576"/>
+          </a:xfrm>
+        </p:spPr>
+        <p:txBody>
+          <a:bodyPr>
+            <a:normAutofit/>
+          </a:bodyPr>
           <a:lstStyle>
             <a:lvl1pPr>
-              <a:defRPr sz="2800"/>
+              <a:defRPr sz="5333"/>
             </a:lvl1pPr>
-            <a:lvl2pPr>
-              <a:defRPr sz="2400"/>
-            </a:lvl2pPr>
-            <a:lvl3pPr>
-              <a:defRPr sz="2000"/>
-            </a:lvl3pPr>
-            <a:lvl4pPr>
-              <a:defRPr sz="1800"/>
-            </a:lvl4pPr>
-            <a:lvl5pPr>
-              <a:defRPr sz="1800"/>
-            </a:lvl5pPr>
-            <a:lvl6pPr>
-              <a:defRPr sz="1800"/>
-            </a:lvl6pPr>
-            <a:lvl7pPr>
-              <a:defRPr sz="1800"/>
-            </a:lvl7pPr>
-            <a:lvl8pPr>
-              <a:defRPr sz="1800"/>
-            </a:lvl8pPr>
-            <a:lvl9pPr>
-              <a:defRPr sz="1800"/>
-            </a:lvl9pPr>
           </a:lstStyle>
           <a:p>
+            <a:r>
+              <a:rPr lang="en-US" dirty="0"/>
+              <a:t>Click to edit Master title style</a:t>
+            </a:r>
+          </a:p>
+        </p:txBody>
+      </p:sp>
+      <p:sp>
+        <p:nvSpPr>
+          <p:cNvPr id="3" name="Content Placeholder 2">
+            <a:extLst>
+              <a:ext uri="{FF2B5EF4-FFF2-40B4-BE49-F238E27FC236}">
+                <a16:creationId xmlns:a16="http://schemas.microsoft.com/office/drawing/2014/main" id="{292A20DF-0829-4336-B59F-FF9D7AA9D8B6}"/>
+              </a:ext>
+            </a:extLst>
+          </p:cNvPr>
+          <p:cNvSpPr>
+            <a:spLocks noGrp="1"/>
+          </p:cNvSpPr>
+          <p:nvPr>
+            <p:ph sz="half" idx="1"/>
+          </p:nvPr>
+        </p:nvSpPr>
+        <p:spPr>
+          <a:xfrm>
+            <a:off x="836676" y="2478024"/>
+            <a:ext cx="3703320" cy="3694176"/>
+          </a:xfrm>
+        </p:spPr>
+        <p:txBody>
+          <a:bodyPr/>
+          <a:lstStyle/>
+          <a:p>
             <a:pPr lvl="0"/>
             <a:r>
-              <a:rPr lang="en-US" smtClean="0"/>
+              <a:rPr lang="en-US" dirty="0"/>
               <a:t>Click to edit Master text styles</a:t>
             </a:r>
           </a:p>
           <a:p>
             <a:pPr lvl="1"/>
             <a:r>
-              <a:rPr lang="en-US" smtClean="0"/>
+              <a:rPr lang="en-US" dirty="0"/>
               <a:t>Second level</a:t>
             </a:r>
           </a:p>
           <a:p>
             <a:pPr lvl="2"/>
             <a:r>
-              <a:rPr lang="en-US" smtClean="0"/>
+              <a:rPr lang="en-US" dirty="0"/>
               <a:t>Third level</a:t>
             </a:r>
           </a:p>
           <a:p>
             <a:pPr lvl="3"/>
             <a:r>
-              <a:rPr lang="en-US" smtClean="0"/>
+              <a:rPr lang="en-US" dirty="0"/>
               <a:t>Fourth level</a:t>
             </a:r>
           </a:p>
           <a:p>
             <a:pPr lvl="4"/>
             <a:r>
-              <a:rPr lang="en-US" smtClean="0"/>
+              <a:rPr lang="en-US" dirty="0"/>
               <a:t>Fifth level</a:t>
             </a:r>
-            <a:endParaRPr lang="en-US"/>
-          </a:p>
-        </p:txBody>
-      </p:sp>
-      <p:sp>
-        <p:nvSpPr>
-          <p:cNvPr id="4" name="Content Placeholder 3"/>
+          </a:p>
+        </p:txBody>
+      </p:sp>
+      <p:sp>
+        <p:nvSpPr>
+          <p:cNvPr id="4" name="Content Placeholder 3">
+            <a:extLst>
+              <a:ext uri="{FF2B5EF4-FFF2-40B4-BE49-F238E27FC236}">
+                <a16:creationId xmlns:a16="http://schemas.microsoft.com/office/drawing/2014/main" id="{7935D01C-CF67-4DF6-B96C-FFC9D5BF847B}"/>
+              </a:ext>
+            </a:extLst>
+          </p:cNvPr>
           <p:cNvSpPr>
             <a:spLocks noGrp="1"/>
           </p:cNvSpPr>
@@ -1259,82 +1888,59 @@
         </p:nvSpPr>
         <p:spPr>
           <a:xfrm>
-            <a:off x="4648200" y="1600200"/>
-            <a:ext cx="4038600" cy="4525963"/>
+            <a:off x="4759452" y="2478024"/>
+            <a:ext cx="3703320" cy="3694176"/>
           </a:xfrm>
         </p:spPr>
         <p:txBody>
           <a:bodyPr/>
-          <a:lstStyle>
-            <a:lvl1pPr>
-              <a:defRPr sz="2800"/>
-            </a:lvl1pPr>
-            <a:lvl2pPr>
-              <a:defRPr sz="2400"/>
-            </a:lvl2pPr>
-            <a:lvl3pPr>
-              <a:defRPr sz="2000"/>
-            </a:lvl3pPr>
-            <a:lvl4pPr>
-              <a:defRPr sz="1800"/>
-            </a:lvl4pPr>
-            <a:lvl5pPr>
-              <a:defRPr sz="1800"/>
-            </a:lvl5pPr>
-            <a:lvl6pPr>
-              <a:defRPr sz="1800"/>
-            </a:lvl6pPr>
-            <a:lvl7pPr>
-              <a:defRPr sz="1800"/>
-            </a:lvl7pPr>
-            <a:lvl8pPr>
-              <a:defRPr sz="1800"/>
-            </a:lvl8pPr>
-            <a:lvl9pPr>
-              <a:defRPr sz="1800"/>
-            </a:lvl9pPr>
-          </a:lstStyle>
+          <a:lstStyle/>
           <a:p>
             <a:pPr lvl="0"/>
             <a:r>
-              <a:rPr lang="en-US" smtClean="0"/>
+              <a:rPr lang="en-US" dirty="0"/>
               <a:t>Click to edit Master text styles</a:t>
             </a:r>
           </a:p>
           <a:p>
             <a:pPr lvl="1"/>
             <a:r>
-              <a:rPr lang="en-US" smtClean="0"/>
+              <a:rPr lang="en-US" dirty="0"/>
               <a:t>Second level</a:t>
             </a:r>
           </a:p>
           <a:p>
             <a:pPr lvl="2"/>
             <a:r>
-              <a:rPr lang="en-US" smtClean="0"/>
+              <a:rPr lang="en-US" dirty="0"/>
               <a:t>Third level</a:t>
             </a:r>
           </a:p>
           <a:p>
             <a:pPr lvl="3"/>
             <a:r>
-              <a:rPr lang="en-US" smtClean="0"/>
+              <a:rPr lang="en-US" dirty="0"/>
               <a:t>Fourth level</a:t>
             </a:r>
           </a:p>
           <a:p>
             <a:pPr lvl="4"/>
             <a:r>
-              <a:rPr lang="en-US" smtClean="0"/>
+              <a:rPr lang="en-US" dirty="0"/>
               <a:t>Fifth level</a:t>
             </a:r>
-            <a:endParaRPr lang="en-US"/>
-          </a:p>
-        </p:txBody>
-      </p:sp>
-      <p:sp>
-        <p:nvSpPr>
-          <p:cNvPr id="5" name="Date Placeholder 4"/>
+          </a:p>
+        </p:txBody>
+      </p:sp>
+      <p:sp>
+        <p:nvSpPr>
+          <p:cNvPr id="5" name="Date Placeholder 4">
+            <a:extLst>
+              <a:ext uri="{FF2B5EF4-FFF2-40B4-BE49-F238E27FC236}">
+                <a16:creationId xmlns:a16="http://schemas.microsoft.com/office/drawing/2014/main" id="{29BBD797-6031-4F82-8726-EAB757027FF5}"/>
+              </a:ext>
+            </a:extLst>
+          </p:cNvPr>
           <p:cNvSpPr>
             <a:spLocks noGrp="1"/>
           </p:cNvSpPr>
@@ -1342,65 +1948,87 @@
             <p:ph type="dt" sz="half" idx="10"/>
           </p:nvPr>
         </p:nvSpPr>
+        <p:spPr>
+          <a:xfrm>
+            <a:off x="836676" y="6356351"/>
+            <a:ext cx="2057400" cy="365125"/>
+          </a:xfrm>
+        </p:spPr>
+        <p:txBody>
+          <a:bodyPr/>
+          <a:lstStyle/>
+          <a:p>
+            <a:fld id="{202278E8-5F4B-47D5-A617-8CCDF75D6A33}" type="datetimeFigureOut">
+              <a:rPr lang="en-US" dirty="0"/>
+              <a:t>10/10/2025</a:t>
+            </a:fld>
+            <a:endParaRPr lang="en-US" dirty="0"/>
+          </a:p>
+        </p:txBody>
+      </p:sp>
+      <p:sp>
+        <p:nvSpPr>
+          <p:cNvPr id="6" name="Footer Placeholder 5">
+            <a:extLst>
+              <a:ext uri="{FF2B5EF4-FFF2-40B4-BE49-F238E27FC236}">
+                <a16:creationId xmlns:a16="http://schemas.microsoft.com/office/drawing/2014/main" id="{76B3F71C-B897-4909-A75E-8716AD49C156}"/>
+              </a:ext>
+            </a:extLst>
+          </p:cNvPr>
+          <p:cNvSpPr>
+            <a:spLocks noGrp="1"/>
+          </p:cNvSpPr>
+          <p:nvPr>
+            <p:ph type="ftr" sz="quarter" idx="11"/>
+          </p:nvPr>
+        </p:nvSpPr>
         <p:spPr/>
         <p:txBody>
           <a:bodyPr/>
           <a:lstStyle/>
           <a:p>
-            <a:fld id="{5BCAD085-E8A6-8845-BD4E-CB4CCA059FC4}" type="datetimeFigureOut">
-              <a:rPr lang="en-US" smtClean="0"/>
-              <a:t>1/27/13</a:t>
+            <a:endParaRPr lang="en-US" dirty="0"/>
+          </a:p>
+        </p:txBody>
+      </p:sp>
+      <p:sp>
+        <p:nvSpPr>
+          <p:cNvPr id="7" name="Slide Number Placeholder 6">
+            <a:extLst>
+              <a:ext uri="{FF2B5EF4-FFF2-40B4-BE49-F238E27FC236}">
+                <a16:creationId xmlns:a16="http://schemas.microsoft.com/office/drawing/2014/main" id="{4F78BC14-5BB1-405F-A6F3-C07230F085C8}"/>
+              </a:ext>
+            </a:extLst>
+          </p:cNvPr>
+          <p:cNvSpPr>
+            <a:spLocks noGrp="1"/>
+          </p:cNvSpPr>
+          <p:nvPr>
+            <p:ph type="sldNum" sz="quarter" idx="12"/>
+          </p:nvPr>
+        </p:nvSpPr>
+        <p:spPr>
+          <a:xfrm>
+            <a:off x="6405372" y="6356351"/>
+            <a:ext cx="2057400" cy="365125"/>
+          </a:xfrm>
+        </p:spPr>
+        <p:txBody>
+          <a:bodyPr/>
+          <a:lstStyle/>
+          <a:p>
+            <a:fld id="{A65A5C87-DF58-40C8-B092-1DE63DB4547E}" type="slidenum">
+              <a:rPr lang="en-US" dirty="0"/>
+              <a:t>‹nº›</a:t>
             </a:fld>
-            <a:endParaRPr lang="en-US"/>
-          </a:p>
-        </p:txBody>
-      </p:sp>
-      <p:sp>
-        <p:nvSpPr>
-          <p:cNvPr id="6" name="Footer Placeholder 5"/>
-          <p:cNvSpPr>
-            <a:spLocks noGrp="1"/>
-          </p:cNvSpPr>
-          <p:nvPr>
-            <p:ph type="ftr" sz="quarter" idx="11"/>
-          </p:nvPr>
-        </p:nvSpPr>
-        <p:spPr/>
-        <p:txBody>
-          <a:bodyPr/>
-          <a:lstStyle/>
-          <a:p>
-            <a:endParaRPr lang="en-US"/>
-          </a:p>
-        </p:txBody>
-      </p:sp>
-      <p:sp>
-        <p:nvSpPr>
-          <p:cNvPr id="7" name="Slide Number Placeholder 6"/>
-          <p:cNvSpPr>
-            <a:spLocks noGrp="1"/>
-          </p:cNvSpPr>
-          <p:nvPr>
-            <p:ph type="sldNum" sz="quarter" idx="12"/>
-          </p:nvPr>
-        </p:nvSpPr>
-        <p:spPr/>
-        <p:txBody>
-          <a:bodyPr/>
-          <a:lstStyle/>
-          <a:p>
-            <a:fld id="{C1FF6DA9-008F-8B48-92A6-B652298478BF}" type="slidenum">
-              <a:rPr lang="en-US" smtClean="0"/>
-              <a:t>‹#›</a:t>
-            </a:fld>
-            <a:endParaRPr lang="en-US"/>
+            <a:endParaRPr lang="en-US" dirty="0"/>
           </a:p>
         </p:txBody>
       </p:sp>
     </p:spTree>
     <p:extLst>
       <p:ext uri="{BB962C8B-B14F-4D97-AF65-F5344CB8AC3E}">
-        <p14:creationId xmlns:p14="http://schemas.microsoft.com/office/powerpoint/2010/main" val="2782244947"/>
+        <p14:creationId xmlns:p14="http://schemas.microsoft.com/office/powerpoint/2010/main" val="1929506595"/>
       </p:ext>
     </p:extLst>
   </p:cSld>
@@ -1427,9 +2055,155 @@
           <a:chExt cx="0" cy="0"/>
         </a:xfrm>
       </p:grpSpPr>
-      <p:sp>
-        <p:nvSpPr>
-          <p:cNvPr id="2" name="Title 1"/>
+      <p:sp useBgFill="1">
+        <p:nvSpPr>
+          <p:cNvPr id="11" name="Rectangle 10">
+            <a:extLst>
+              <a:ext uri="{FF2B5EF4-FFF2-40B4-BE49-F238E27FC236}">
+                <a16:creationId xmlns:a16="http://schemas.microsoft.com/office/drawing/2014/main" id="{6B671BDE-E45C-41A1-9B98-4A607D703855}"/>
+              </a:ext>
+            </a:extLst>
+          </p:cNvPr>
+          <p:cNvSpPr/>
+          <p:nvPr/>
+        </p:nvSpPr>
+        <p:spPr>
+          <a:xfrm>
+            <a:off x="418657" y="0"/>
+            <a:ext cx="8375585" cy="2018806"/>
+          </a:xfrm>
+          <a:prstGeom prst="rect">
+            <a:avLst/>
+          </a:prstGeom>
+          <a:ln w="9525">
+            <a:solidFill>
+              <a:schemeClr val="tx2">
+                <a:lumMod val="10000"/>
+                <a:lumOff val="90000"/>
+              </a:schemeClr>
+            </a:solidFill>
+          </a:ln>
+          <a:effectLst>
+            <a:outerShdw blurRad="50800" dist="38100" dir="2700000" algn="tl" rotWithShape="0">
+              <a:schemeClr val="bg1">
+                <a:lumMod val="85000"/>
+                <a:alpha val="30000"/>
+              </a:schemeClr>
+            </a:outerShdw>
+          </a:effectLst>
+        </p:spPr>
+        <p:style>
+          <a:lnRef idx="2">
+            <a:schemeClr val="accent1">
+              <a:shade val="50000"/>
+            </a:schemeClr>
+          </a:lnRef>
+          <a:fillRef idx="1">
+            <a:schemeClr val="accent1"/>
+          </a:fillRef>
+          <a:effectRef idx="0">
+            <a:schemeClr val="accent1"/>
+          </a:effectRef>
+          <a:fontRef idx="minor">
+            <a:schemeClr val="lt1"/>
+          </a:fontRef>
+        </p:style>
+      </p:sp>
+      <p:sp useBgFill="1">
+        <p:nvSpPr>
+          <p:cNvPr id="13" name="Rectangle 12">
+            <a:extLst>
+              <a:ext uri="{FF2B5EF4-FFF2-40B4-BE49-F238E27FC236}">
+                <a16:creationId xmlns:a16="http://schemas.microsoft.com/office/drawing/2014/main" id="{299500CE-917A-4D03-A7DF-71D8EBBC1537}"/>
+              </a:ext>
+            </a:extLst>
+          </p:cNvPr>
+          <p:cNvSpPr/>
+          <p:nvPr/>
+        </p:nvSpPr>
+        <p:spPr>
+          <a:xfrm>
+            <a:off x="425196" y="0"/>
+            <a:ext cx="8366760" cy="2011680"/>
+          </a:xfrm>
+          <a:prstGeom prst="rect">
+            <a:avLst/>
+          </a:prstGeom>
+          <a:ln w="9525">
+            <a:noFill/>
+          </a:ln>
+          <a:effectLst/>
+        </p:spPr>
+        <p:style>
+          <a:lnRef idx="2">
+            <a:schemeClr val="accent1">
+              <a:shade val="50000"/>
+            </a:schemeClr>
+          </a:lnRef>
+          <a:fillRef idx="1">
+            <a:schemeClr val="accent1"/>
+          </a:fillRef>
+          <a:effectRef idx="0">
+            <a:schemeClr val="accent1"/>
+          </a:effectRef>
+          <a:fontRef idx="minor">
+            <a:schemeClr val="lt1"/>
+          </a:fontRef>
+        </p:style>
+      </p:sp>
+      <p:sp>
+        <p:nvSpPr>
+          <p:cNvPr id="15" name="Rectangle 14">
+            <a:extLst>
+              <a:ext uri="{FF2B5EF4-FFF2-40B4-BE49-F238E27FC236}">
+                <a16:creationId xmlns:a16="http://schemas.microsoft.com/office/drawing/2014/main" id="{C3D0D377-28B0-417D-886B-9483AF064975}"/>
+              </a:ext>
+            </a:extLst>
+          </p:cNvPr>
+          <p:cNvSpPr/>
+          <p:nvPr/>
+        </p:nvSpPr>
+        <p:spPr>
+          <a:xfrm>
+            <a:off x="374126" y="787352"/>
+            <a:ext cx="96012" cy="704088"/>
+          </a:xfrm>
+          <a:prstGeom prst="rect">
+            <a:avLst/>
+          </a:prstGeom>
+          <a:solidFill>
+            <a:schemeClr val="accent1"/>
+          </a:solidFill>
+          <a:ln>
+            <a:noFill/>
+          </a:ln>
+        </p:spPr>
+        <p:style>
+          <a:lnRef idx="2">
+            <a:schemeClr val="accent1">
+              <a:shade val="50000"/>
+            </a:schemeClr>
+          </a:lnRef>
+          <a:fillRef idx="1">
+            <a:schemeClr val="accent1"/>
+          </a:fillRef>
+          <a:effectRef idx="0">
+            <a:schemeClr val="accent1"/>
+          </a:effectRef>
+          <a:fontRef idx="minor">
+            <a:schemeClr val="lt1"/>
+          </a:fontRef>
+        </p:style>
+      </p:sp>
+      <p:sp>
+        <p:nvSpPr>
+          <p:cNvPr id="2" name="Title 1">
+            <a:extLst>
+              <a:ext uri="{FF2B5EF4-FFF2-40B4-BE49-F238E27FC236}">
+                <a16:creationId xmlns:a16="http://schemas.microsoft.com/office/drawing/2014/main" id="{0F8F91F8-0767-40B5-A3AA-72931FC192EA}"/>
+              </a:ext>
+            </a:extLst>
+          </p:cNvPr>
           <p:cNvSpPr>
             <a:spLocks noGrp="1"/>
           </p:cNvSpPr>
@@ -1437,26 +2211,38 @@
             <p:ph type="title"/>
           </p:nvPr>
         </p:nvSpPr>
-        <p:spPr/>
-        <p:txBody>
-          <a:bodyPr/>
+        <p:spPr>
+          <a:xfrm>
+            <a:off x="836676" y="548640"/>
+            <a:ext cx="7626096" cy="1179576"/>
+          </a:xfrm>
+        </p:spPr>
+        <p:txBody>
+          <a:bodyPr>
+            <a:normAutofit/>
+          </a:bodyPr>
           <a:lstStyle>
             <a:lvl1pPr>
-              <a:defRPr/>
+              <a:defRPr sz="5333"/>
             </a:lvl1pPr>
           </a:lstStyle>
           <a:p>
             <a:r>
-              <a:rPr lang="en-US" smtClean="0"/>
+              <a:rPr lang="en-US" dirty="0"/>
               <a:t>Click to edit Master title style</a:t>
             </a:r>
-            <a:endParaRPr lang="en-US"/>
-          </a:p>
-        </p:txBody>
-      </p:sp>
-      <p:sp>
-        <p:nvSpPr>
-          <p:cNvPr id="3" name="Text Placeholder 2"/>
+          </a:p>
+        </p:txBody>
+      </p:sp>
+      <p:sp>
+        <p:nvSpPr>
+          <p:cNvPr id="3" name="Text Placeholder 2">
+            <a:extLst>
+              <a:ext uri="{FF2B5EF4-FFF2-40B4-BE49-F238E27FC236}">
+                <a16:creationId xmlns:a16="http://schemas.microsoft.com/office/drawing/2014/main" id="{AAAE0554-8BEE-4BF6-9519-51B8475D35E1}"/>
+              </a:ext>
+            </a:extLst>
+          </p:cNvPr>
           <p:cNvSpPr>
             <a:spLocks noGrp="1"/>
           </p:cNvSpPr>
@@ -1466,8 +2252,8 @@
         </p:nvSpPr>
         <p:spPr>
           <a:xfrm>
-            <a:off x="457200" y="1535113"/>
-            <a:ext cx="4040188" cy="639762"/>
+            <a:off x="836676" y="2372650"/>
+            <a:ext cx="3703320" cy="823912"/>
           </a:xfrm>
         </p:spPr>
         <p:txBody>
@@ -1475,45 +2261,45 @@
           <a:lstStyle>
             <a:lvl1pPr marL="0" indent="0">
               <a:buNone/>
+              <a:defRPr sz="3200" b="1" cap="none" baseline="0"/>
+            </a:lvl1pPr>
+            <a:lvl2pPr marL="609585" indent="0">
+              <a:buNone/>
+              <a:defRPr sz="2667" b="1"/>
+            </a:lvl2pPr>
+            <a:lvl3pPr marL="1219170" indent="0">
+              <a:buNone/>
               <a:defRPr sz="2400" b="1"/>
-            </a:lvl1pPr>
-            <a:lvl2pPr marL="457200" indent="0">
+            </a:lvl3pPr>
+            <a:lvl4pPr marL="1828754" indent="0">
               <a:buNone/>
-              <a:defRPr sz="2000" b="1"/>
-            </a:lvl2pPr>
-            <a:lvl3pPr marL="914400" indent="0">
+              <a:defRPr sz="2133" b="1"/>
+            </a:lvl4pPr>
+            <a:lvl5pPr marL="2438339" indent="0">
               <a:buNone/>
-              <a:defRPr sz="1800" b="1"/>
-            </a:lvl3pPr>
-            <a:lvl4pPr marL="1371600" indent="0">
+              <a:defRPr sz="2133" b="1"/>
+            </a:lvl5pPr>
+            <a:lvl6pPr marL="3047924" indent="0">
               <a:buNone/>
-              <a:defRPr sz="1600" b="1"/>
-            </a:lvl4pPr>
-            <a:lvl5pPr marL="1828800" indent="0">
+              <a:defRPr sz="2133" b="1"/>
+            </a:lvl6pPr>
+            <a:lvl7pPr marL="3657509" indent="0">
               <a:buNone/>
-              <a:defRPr sz="1600" b="1"/>
-            </a:lvl5pPr>
-            <a:lvl6pPr marL="2286000" indent="0">
+              <a:defRPr sz="2133" b="1"/>
+            </a:lvl7pPr>
+            <a:lvl8pPr marL="4267093" indent="0">
               <a:buNone/>
-              <a:defRPr sz="1600" b="1"/>
-            </a:lvl6pPr>
-            <a:lvl7pPr marL="2743200" indent="0">
+              <a:defRPr sz="2133" b="1"/>
+            </a:lvl8pPr>
+            <a:lvl9pPr marL="4876678" indent="0">
               <a:buNone/>
-              <a:defRPr sz="1600" b="1"/>
-            </a:lvl7pPr>
-            <a:lvl8pPr marL="3200400" indent="0">
-              <a:buNone/>
-              <a:defRPr sz="1600" b="1"/>
-            </a:lvl8pPr>
-            <a:lvl9pPr marL="3657600" indent="0">
-              <a:buNone/>
-              <a:defRPr sz="1600" b="1"/>
+              <a:defRPr sz="2133" b="1"/>
             </a:lvl9pPr>
           </a:lstStyle>
           <a:p>
             <a:pPr lvl="0"/>
             <a:r>
-              <a:rPr lang="en-US" smtClean="0"/>
+              <a:rPr lang="en-US" dirty="0"/>
               <a:t>Click to edit Master text styles</a:t>
             </a:r>
           </a:p>
@@ -1521,7 +2307,13 @@
       </p:sp>
       <p:sp>
         <p:nvSpPr>
-          <p:cNvPr id="4" name="Content Placeholder 3"/>
+          <p:cNvPr id="4" name="Content Placeholder 3">
+            <a:extLst>
+              <a:ext uri="{FF2B5EF4-FFF2-40B4-BE49-F238E27FC236}">
+                <a16:creationId xmlns:a16="http://schemas.microsoft.com/office/drawing/2014/main" id="{FD4A358D-C930-48E0-B372-06A826B74C47}"/>
+              </a:ext>
+            </a:extLst>
+          </p:cNvPr>
           <p:cNvSpPr>
             <a:spLocks noGrp="1"/>
           </p:cNvSpPr>
@@ -1531,82 +2323,69 @@
         </p:nvSpPr>
         <p:spPr>
           <a:xfrm>
-            <a:off x="457200" y="2174875"/>
-            <a:ext cx="4040188" cy="3951288"/>
+            <a:off x="836676" y="3203688"/>
+            <a:ext cx="3703320" cy="2968512"/>
           </a:xfrm>
         </p:spPr>
         <p:txBody>
           <a:bodyPr/>
           <a:lstStyle>
             <a:lvl1pPr>
-              <a:defRPr sz="2400"/>
+              <a:defRPr sz="3200"/>
             </a:lvl1pPr>
             <a:lvl2pPr>
-              <a:defRPr sz="2000"/>
+              <a:defRPr sz="2667"/>
             </a:lvl2pPr>
             <a:lvl3pPr>
-              <a:defRPr sz="1800"/>
+              <a:defRPr sz="2400"/>
             </a:lvl3pPr>
-            <a:lvl4pPr>
-              <a:defRPr sz="1600"/>
-            </a:lvl4pPr>
-            <a:lvl5pPr>
-              <a:defRPr sz="1600"/>
-            </a:lvl5pPr>
-            <a:lvl6pPr>
-              <a:defRPr sz="1600"/>
-            </a:lvl6pPr>
-            <a:lvl7pPr>
-              <a:defRPr sz="1600"/>
-            </a:lvl7pPr>
-            <a:lvl8pPr>
-              <a:defRPr sz="1600"/>
-            </a:lvl8pPr>
-            <a:lvl9pPr>
-              <a:defRPr sz="1600"/>
-            </a:lvl9pPr>
           </a:lstStyle>
           <a:p>
             <a:pPr lvl="0"/>
             <a:r>
-              <a:rPr lang="en-US" smtClean="0"/>
+              <a:rPr lang="en-US" dirty="0"/>
               <a:t>Click to edit Master text styles</a:t>
             </a:r>
           </a:p>
           <a:p>
             <a:pPr lvl="1"/>
             <a:r>
-              <a:rPr lang="en-US" smtClean="0"/>
+              <a:rPr lang="en-US" dirty="0"/>
               <a:t>Second level</a:t>
             </a:r>
           </a:p>
           <a:p>
             <a:pPr lvl="2"/>
             <a:r>
-              <a:rPr lang="en-US" smtClean="0"/>
+              <a:rPr lang="en-US" dirty="0"/>
               <a:t>Third level</a:t>
             </a:r>
           </a:p>
           <a:p>
             <a:pPr lvl="3"/>
             <a:r>
-              <a:rPr lang="en-US" smtClean="0"/>
+              <a:rPr lang="en-US" dirty="0"/>
               <a:t>Fourth level</a:t>
             </a:r>
           </a:p>
           <a:p>
             <a:pPr lvl="4"/>
             <a:r>
-              <a:rPr lang="en-US" smtClean="0"/>
+              <a:rPr lang="en-US" dirty="0"/>
               <a:t>Fifth level</a:t>
             </a:r>
-            <a:endParaRPr lang="en-US"/>
-          </a:p>
-        </p:txBody>
-      </p:sp>
-      <p:sp>
-        <p:nvSpPr>
-          <p:cNvPr id="5" name="Text Placeholder 4"/>
+          </a:p>
+        </p:txBody>
+      </p:sp>
+      <p:sp>
+        <p:nvSpPr>
+          <p:cNvPr id="5" name="Text Placeholder 4">
+            <a:extLst>
+              <a:ext uri="{FF2B5EF4-FFF2-40B4-BE49-F238E27FC236}">
+                <a16:creationId xmlns:a16="http://schemas.microsoft.com/office/drawing/2014/main" id="{83B6615E-4966-4150-83B6-C47591B36383}"/>
+              </a:ext>
+            </a:extLst>
+          </p:cNvPr>
           <p:cNvSpPr>
             <a:spLocks noGrp="1"/>
           </p:cNvSpPr>
@@ -1616,8 +2395,8 @@
         </p:nvSpPr>
         <p:spPr>
           <a:xfrm>
-            <a:off x="4645025" y="1535113"/>
-            <a:ext cx="4041775" cy="639762"/>
+            <a:off x="4759452" y="2372650"/>
+            <a:ext cx="3703320" cy="823912"/>
           </a:xfrm>
         </p:spPr>
         <p:txBody>
@@ -1625,45 +2404,45 @@
           <a:lstStyle>
             <a:lvl1pPr marL="0" indent="0">
               <a:buNone/>
+              <a:defRPr sz="3200" b="1" cap="none" baseline="0"/>
+            </a:lvl1pPr>
+            <a:lvl2pPr marL="609585" indent="0">
+              <a:buNone/>
+              <a:defRPr sz="2667" b="1"/>
+            </a:lvl2pPr>
+            <a:lvl3pPr marL="1219170" indent="0">
+              <a:buNone/>
               <a:defRPr sz="2400" b="1"/>
-            </a:lvl1pPr>
-            <a:lvl2pPr marL="457200" indent="0">
+            </a:lvl3pPr>
+            <a:lvl4pPr marL="1828754" indent="0">
               <a:buNone/>
-              <a:defRPr sz="2000" b="1"/>
-            </a:lvl2pPr>
-            <a:lvl3pPr marL="914400" indent="0">
+              <a:defRPr sz="2133" b="1"/>
+            </a:lvl4pPr>
+            <a:lvl5pPr marL="2438339" indent="0">
               <a:buNone/>
-              <a:defRPr sz="1800" b="1"/>
-            </a:lvl3pPr>
-            <a:lvl4pPr marL="1371600" indent="0">
+              <a:defRPr sz="2133" b="1"/>
+            </a:lvl5pPr>
+            <a:lvl6pPr marL="3047924" indent="0">
               <a:buNone/>
-              <a:defRPr sz="1600" b="1"/>
-            </a:lvl4pPr>
-            <a:lvl5pPr marL="1828800" indent="0">
+              <a:defRPr sz="2133" b="1"/>
+            </a:lvl6pPr>
+            <a:lvl7pPr marL="3657509" indent="0">
               <a:buNone/>
-              <a:defRPr sz="1600" b="1"/>
-            </a:lvl5pPr>
-            <a:lvl6pPr marL="2286000" indent="0">
+              <a:defRPr sz="2133" b="1"/>
+            </a:lvl7pPr>
+            <a:lvl8pPr marL="4267093" indent="0">
               <a:buNone/>
-              <a:defRPr sz="1600" b="1"/>
-            </a:lvl6pPr>
-            <a:lvl7pPr marL="2743200" indent="0">
+              <a:defRPr sz="2133" b="1"/>
+            </a:lvl8pPr>
+            <a:lvl9pPr marL="4876678" indent="0">
               <a:buNone/>
-              <a:defRPr sz="1600" b="1"/>
-            </a:lvl7pPr>
-            <a:lvl8pPr marL="3200400" indent="0">
-              <a:buNone/>
-              <a:defRPr sz="1600" b="1"/>
-            </a:lvl8pPr>
-            <a:lvl9pPr marL="3657600" indent="0">
-              <a:buNone/>
-              <a:defRPr sz="1600" b="1"/>
+              <a:defRPr sz="2133" b="1"/>
             </a:lvl9pPr>
           </a:lstStyle>
           <a:p>
             <a:pPr lvl="0"/>
             <a:r>
-              <a:rPr lang="en-US" smtClean="0"/>
+              <a:rPr lang="en-US" dirty="0"/>
               <a:t>Click to edit Master text styles</a:t>
             </a:r>
           </a:p>
@@ -1671,7 +2450,13 @@
       </p:sp>
       <p:sp>
         <p:nvSpPr>
-          <p:cNvPr id="6" name="Content Placeholder 5"/>
+          <p:cNvPr id="6" name="Content Placeholder 5">
+            <a:extLst>
+              <a:ext uri="{FF2B5EF4-FFF2-40B4-BE49-F238E27FC236}">
+                <a16:creationId xmlns:a16="http://schemas.microsoft.com/office/drawing/2014/main" id="{BD409F6B-C17B-4B4F-9F35-5068BDC4E2FD}"/>
+              </a:ext>
+            </a:extLst>
+          </p:cNvPr>
           <p:cNvSpPr>
             <a:spLocks noGrp="1"/>
           </p:cNvSpPr>
@@ -1681,82 +2466,69 @@
         </p:nvSpPr>
         <p:spPr>
           <a:xfrm>
-            <a:off x="4645025" y="2174875"/>
-            <a:ext cx="4041775" cy="3951288"/>
+            <a:off x="4759452" y="3203688"/>
+            <a:ext cx="3703320" cy="2968511"/>
           </a:xfrm>
         </p:spPr>
         <p:txBody>
           <a:bodyPr/>
           <a:lstStyle>
             <a:lvl1pPr>
-              <a:defRPr sz="2400"/>
+              <a:defRPr sz="3200"/>
             </a:lvl1pPr>
             <a:lvl2pPr>
-              <a:defRPr sz="2000"/>
+              <a:defRPr sz="2667"/>
             </a:lvl2pPr>
             <a:lvl3pPr>
-              <a:defRPr sz="1800"/>
+              <a:defRPr sz="2400"/>
             </a:lvl3pPr>
-            <a:lvl4pPr>
-              <a:defRPr sz="1600"/>
-            </a:lvl4pPr>
-            <a:lvl5pPr>
-              <a:defRPr sz="1600"/>
-            </a:lvl5pPr>
-            <a:lvl6pPr>
-              <a:defRPr sz="1600"/>
-            </a:lvl6pPr>
-            <a:lvl7pPr>
-              <a:defRPr sz="1600"/>
-            </a:lvl7pPr>
-            <a:lvl8pPr>
-              <a:defRPr sz="1600"/>
-            </a:lvl8pPr>
-            <a:lvl9pPr>
-              <a:defRPr sz="1600"/>
-            </a:lvl9pPr>
           </a:lstStyle>
           <a:p>
             <a:pPr lvl="0"/>
             <a:r>
-              <a:rPr lang="en-US" smtClean="0"/>
+              <a:rPr lang="en-US" dirty="0"/>
               <a:t>Click to edit Master text styles</a:t>
             </a:r>
           </a:p>
           <a:p>
             <a:pPr lvl="1"/>
             <a:r>
-              <a:rPr lang="en-US" smtClean="0"/>
+              <a:rPr lang="en-US" dirty="0"/>
               <a:t>Second level</a:t>
             </a:r>
           </a:p>
           <a:p>
             <a:pPr lvl="2"/>
             <a:r>
-              <a:rPr lang="en-US" smtClean="0"/>
+              <a:rPr lang="en-US" dirty="0"/>
               <a:t>Third level</a:t>
             </a:r>
           </a:p>
           <a:p>
             <a:pPr lvl="3"/>
             <a:r>
-              <a:rPr lang="en-US" smtClean="0"/>
+              <a:rPr lang="en-US" dirty="0"/>
               <a:t>Fourth level</a:t>
             </a:r>
           </a:p>
           <a:p>
             <a:pPr lvl="4"/>
             <a:r>
-              <a:rPr lang="en-US" smtClean="0"/>
+              <a:rPr lang="en-US" dirty="0"/>
               <a:t>Fifth level</a:t>
             </a:r>
-            <a:endParaRPr lang="en-US"/>
-          </a:p>
-        </p:txBody>
-      </p:sp>
-      <p:sp>
-        <p:nvSpPr>
-          <p:cNvPr id="7" name="Date Placeholder 6"/>
+          </a:p>
+        </p:txBody>
+      </p:sp>
+      <p:sp>
+        <p:nvSpPr>
+          <p:cNvPr id="7" name="Date Placeholder 6">
+            <a:extLst>
+              <a:ext uri="{FF2B5EF4-FFF2-40B4-BE49-F238E27FC236}">
+                <a16:creationId xmlns:a16="http://schemas.microsoft.com/office/drawing/2014/main" id="{C8BC356D-052B-4A9B-8B2F-6665FD325AB3}"/>
+              </a:ext>
+            </a:extLst>
+          </p:cNvPr>
           <p:cNvSpPr>
             <a:spLocks noGrp="1"/>
           </p:cNvSpPr>
@@ -1764,65 +2536,87 @@
             <p:ph type="dt" sz="half" idx="10"/>
           </p:nvPr>
         </p:nvSpPr>
+        <p:spPr>
+          <a:xfrm>
+            <a:off x="836676" y="6356351"/>
+            <a:ext cx="2057400" cy="365125"/>
+          </a:xfrm>
+        </p:spPr>
+        <p:txBody>
+          <a:bodyPr/>
+          <a:lstStyle/>
+          <a:p>
+            <a:fld id="{16AAFA52-7A21-407F-8339-40DF182D7460}" type="datetimeFigureOut">
+              <a:rPr lang="en-US" dirty="0"/>
+              <a:t>10/10/2025</a:t>
+            </a:fld>
+            <a:endParaRPr lang="en-US" dirty="0"/>
+          </a:p>
+        </p:txBody>
+      </p:sp>
+      <p:sp>
+        <p:nvSpPr>
+          <p:cNvPr id="8" name="Footer Placeholder 7">
+            <a:extLst>
+              <a:ext uri="{FF2B5EF4-FFF2-40B4-BE49-F238E27FC236}">
+                <a16:creationId xmlns:a16="http://schemas.microsoft.com/office/drawing/2014/main" id="{69C5E5FA-26A9-467C-93E3-8476142D1D46}"/>
+              </a:ext>
+            </a:extLst>
+          </p:cNvPr>
+          <p:cNvSpPr>
+            <a:spLocks noGrp="1"/>
+          </p:cNvSpPr>
+          <p:nvPr>
+            <p:ph type="ftr" sz="quarter" idx="11"/>
+          </p:nvPr>
+        </p:nvSpPr>
         <p:spPr/>
         <p:txBody>
           <a:bodyPr/>
           <a:lstStyle/>
           <a:p>
-            <a:fld id="{5BCAD085-E8A6-8845-BD4E-CB4CCA059FC4}" type="datetimeFigureOut">
-              <a:rPr lang="en-US" smtClean="0"/>
-              <a:t>1/27/13</a:t>
+            <a:endParaRPr lang="en-US" dirty="0"/>
+          </a:p>
+        </p:txBody>
+      </p:sp>
+      <p:sp>
+        <p:nvSpPr>
+          <p:cNvPr id="9" name="Slide Number Placeholder 8">
+            <a:extLst>
+              <a:ext uri="{FF2B5EF4-FFF2-40B4-BE49-F238E27FC236}">
+                <a16:creationId xmlns:a16="http://schemas.microsoft.com/office/drawing/2014/main" id="{D279E50C-1E40-4B48-871B-E392428D20A3}"/>
+              </a:ext>
+            </a:extLst>
+          </p:cNvPr>
+          <p:cNvSpPr>
+            <a:spLocks noGrp="1"/>
+          </p:cNvSpPr>
+          <p:nvPr>
+            <p:ph type="sldNum" sz="quarter" idx="12"/>
+          </p:nvPr>
+        </p:nvSpPr>
+        <p:spPr>
+          <a:xfrm>
+            <a:off x="6405372" y="6356351"/>
+            <a:ext cx="2057400" cy="365125"/>
+          </a:xfrm>
+        </p:spPr>
+        <p:txBody>
+          <a:bodyPr/>
+          <a:lstStyle/>
+          <a:p>
+            <a:fld id="{A65A5C87-DF58-40C8-B092-1DE63DB4547E}" type="slidenum">
+              <a:rPr lang="en-US" dirty="0"/>
+              <a:t>‹nº›</a:t>
             </a:fld>
-            <a:endParaRPr lang="en-US"/>
-          </a:p>
-        </p:txBody>
-      </p:sp>
-      <p:sp>
-        <p:nvSpPr>
-          <p:cNvPr id="8" name="Footer Placeholder 7"/>
-          <p:cNvSpPr>
-            <a:spLocks noGrp="1"/>
-          </p:cNvSpPr>
-          <p:nvPr>
-            <p:ph type="ftr" sz="quarter" idx="11"/>
-          </p:nvPr>
-        </p:nvSpPr>
-        <p:spPr/>
-        <p:txBody>
-          <a:bodyPr/>
-          <a:lstStyle/>
-          <a:p>
-            <a:endParaRPr lang="en-US"/>
-          </a:p>
-        </p:txBody>
-      </p:sp>
-      <p:sp>
-        <p:nvSpPr>
-          <p:cNvPr id="9" name="Slide Number Placeholder 8"/>
-          <p:cNvSpPr>
-            <a:spLocks noGrp="1"/>
-          </p:cNvSpPr>
-          <p:nvPr>
-            <p:ph type="sldNum" sz="quarter" idx="12"/>
-          </p:nvPr>
-        </p:nvSpPr>
-        <p:spPr/>
-        <p:txBody>
-          <a:bodyPr/>
-          <a:lstStyle/>
-          <a:p>
-            <a:fld id="{C1FF6DA9-008F-8B48-92A6-B652298478BF}" type="slidenum">
-              <a:rPr lang="en-US" smtClean="0"/>
-              <a:t>‹#›</a:t>
-            </a:fld>
-            <a:endParaRPr lang="en-US"/>
+            <a:endParaRPr lang="en-US" dirty="0"/>
           </a:p>
         </p:txBody>
       </p:sp>
     </p:spTree>
     <p:extLst>
       <p:ext uri="{BB962C8B-B14F-4D97-AF65-F5344CB8AC3E}">
-        <p14:creationId xmlns:p14="http://schemas.microsoft.com/office/powerpoint/2010/main" val="990158736"/>
+        <p14:creationId xmlns:p14="http://schemas.microsoft.com/office/powerpoint/2010/main" val="1751852200"/>
       </p:ext>
     </p:extLst>
   </p:cSld>
@@ -1849,9 +2643,113 @@
           <a:chExt cx="0" cy="0"/>
         </a:xfrm>
       </p:grpSpPr>
-      <p:sp>
-        <p:nvSpPr>
-          <p:cNvPr id="2" name="Title 1"/>
+      <p:sp useBgFill="1">
+        <p:nvSpPr>
+          <p:cNvPr id="7" name="Rectangle 6">
+            <a:extLst>
+              <a:ext uri="{FF2B5EF4-FFF2-40B4-BE49-F238E27FC236}">
+                <a16:creationId xmlns:a16="http://schemas.microsoft.com/office/drawing/2014/main" id="{8C0689C4-0DB3-408B-A956-40326B4AE4C4}"/>
+              </a:ext>
+            </a:extLst>
+          </p:cNvPr>
+          <p:cNvSpPr/>
+          <p:nvPr/>
+        </p:nvSpPr>
+        <p:spPr>
+          <a:xfrm>
+            <a:off x="499390" y="1533525"/>
+            <a:ext cx="8187797" cy="3790950"/>
+          </a:xfrm>
+          <a:prstGeom prst="rect">
+            <a:avLst/>
+          </a:prstGeom>
+          <a:ln w="12700">
+            <a:solidFill>
+              <a:schemeClr val="tx2">
+                <a:lumMod val="10000"/>
+                <a:lumOff val="90000"/>
+              </a:schemeClr>
+            </a:solidFill>
+          </a:ln>
+          <a:effectLst>
+            <a:outerShdw blurRad="50800" dist="38100" dir="2700000" algn="tl" rotWithShape="0">
+              <a:schemeClr val="bg2">
+                <a:lumMod val="85000"/>
+                <a:alpha val="30000"/>
+              </a:schemeClr>
+            </a:outerShdw>
+          </a:effectLst>
+        </p:spPr>
+        <p:style>
+          <a:lnRef idx="2">
+            <a:schemeClr val="accent1">
+              <a:shade val="50000"/>
+            </a:schemeClr>
+          </a:lnRef>
+          <a:fillRef idx="1">
+            <a:schemeClr val="accent1"/>
+          </a:fillRef>
+          <a:effectRef idx="0">
+            <a:schemeClr val="accent1"/>
+          </a:effectRef>
+          <a:fontRef idx="minor">
+            <a:schemeClr val="lt1"/>
+          </a:fontRef>
+        </p:style>
+      </p:sp>
+      <p:sp>
+        <p:nvSpPr>
+          <p:cNvPr id="9" name="Rectangle 8">
+            <a:extLst>
+              <a:ext uri="{FF2B5EF4-FFF2-40B4-BE49-F238E27FC236}">
+                <a16:creationId xmlns:a16="http://schemas.microsoft.com/office/drawing/2014/main" id="{56E1D10E-1C30-41BF-8C3B-C460C9B5597B}"/>
+              </a:ext>
+            </a:extLst>
+          </p:cNvPr>
+          <p:cNvSpPr/>
+          <p:nvPr/>
+        </p:nvSpPr>
+        <p:spPr>
+          <a:xfrm>
+            <a:off x="456813" y="2971798"/>
+            <a:ext cx="96012" cy="914400"/>
+          </a:xfrm>
+          <a:prstGeom prst="rect">
+            <a:avLst/>
+          </a:prstGeom>
+          <a:solidFill>
+            <a:schemeClr val="accent1"/>
+          </a:solidFill>
+          <a:ln>
+            <a:noFill/>
+          </a:ln>
+        </p:spPr>
+        <p:style>
+          <a:lnRef idx="2">
+            <a:schemeClr val="accent1">
+              <a:shade val="50000"/>
+            </a:schemeClr>
+          </a:lnRef>
+          <a:fillRef idx="1">
+            <a:schemeClr val="accent1"/>
+          </a:fillRef>
+          <a:effectRef idx="0">
+            <a:schemeClr val="accent1"/>
+          </a:effectRef>
+          <a:fontRef idx="minor">
+            <a:schemeClr val="lt1"/>
+          </a:fontRef>
+        </p:style>
+      </p:sp>
+      <p:sp>
+        <p:nvSpPr>
+          <p:cNvPr id="2" name="Title 1">
+            <a:extLst>
+              <a:ext uri="{FF2B5EF4-FFF2-40B4-BE49-F238E27FC236}">
+                <a16:creationId xmlns:a16="http://schemas.microsoft.com/office/drawing/2014/main" id="{779454F2-0EE5-4888-AF4C-82F825E6226E}"/>
+              </a:ext>
+            </a:extLst>
+          </p:cNvPr>
           <p:cNvSpPr>
             <a:spLocks noGrp="1"/>
           </p:cNvSpPr>
@@ -1859,27 +2757,72 @@
             <p:ph type="title"/>
           </p:nvPr>
         </p:nvSpPr>
+        <p:spPr>
+          <a:xfrm>
+            <a:off x="809244" y="1938528"/>
+            <a:ext cx="7632954" cy="2990088"/>
+          </a:xfrm>
+        </p:spPr>
+        <p:txBody>
+          <a:bodyPr>
+            <a:normAutofit/>
+          </a:bodyPr>
+          <a:lstStyle>
+            <a:lvl1pPr>
+              <a:defRPr sz="7200"/>
+            </a:lvl1pPr>
+          </a:lstStyle>
+          <a:p>
+            <a:r>
+              <a:rPr lang="en-US" dirty="0"/>
+              <a:t>Click to edit Master title style</a:t>
+            </a:r>
+          </a:p>
+        </p:txBody>
+      </p:sp>
+      <p:sp>
+        <p:nvSpPr>
+          <p:cNvPr id="3" name="Date Placeholder 2">
+            <a:extLst>
+              <a:ext uri="{FF2B5EF4-FFF2-40B4-BE49-F238E27FC236}">
+                <a16:creationId xmlns:a16="http://schemas.microsoft.com/office/drawing/2014/main" id="{67C91241-A315-4643-91E5-CF2C25CC903A}"/>
+              </a:ext>
+            </a:extLst>
+          </p:cNvPr>
+          <p:cNvSpPr>
+            <a:spLocks noGrp="1"/>
+          </p:cNvSpPr>
+          <p:nvPr>
+            <p:ph type="dt" sz="half" idx="10"/>
+          </p:nvPr>
+        </p:nvSpPr>
         <p:spPr/>
         <p:txBody>
           <a:bodyPr/>
           <a:lstStyle/>
           <a:p>
-            <a:r>
-              <a:rPr lang="en-US" smtClean="0"/>
-              <a:t>Click to edit Master title style</a:t>
-            </a:r>
-            <a:endParaRPr lang="en-US"/>
-          </a:p>
-        </p:txBody>
-      </p:sp>
-      <p:sp>
-        <p:nvSpPr>
-          <p:cNvPr id="3" name="Date Placeholder 2"/>
-          <p:cNvSpPr>
-            <a:spLocks noGrp="1"/>
-          </p:cNvSpPr>
-          <p:nvPr>
-            <p:ph type="dt" sz="half" idx="10"/>
+            <a:fld id="{96770335-1C1A-4243-9BDD-9630C417D284}" type="datetimeFigureOut">
+              <a:rPr lang="en-US" dirty="0"/>
+              <a:t>10/10/2025</a:t>
+            </a:fld>
+            <a:endParaRPr lang="en-US" dirty="0"/>
+          </a:p>
+        </p:txBody>
+      </p:sp>
+      <p:sp>
+        <p:nvSpPr>
+          <p:cNvPr id="4" name="Footer Placeholder 3">
+            <a:extLst>
+              <a:ext uri="{FF2B5EF4-FFF2-40B4-BE49-F238E27FC236}">
+                <a16:creationId xmlns:a16="http://schemas.microsoft.com/office/drawing/2014/main" id="{22706D86-5479-487D-94C8-76093D84F377}"/>
+              </a:ext>
+            </a:extLst>
+          </p:cNvPr>
+          <p:cNvSpPr>
+            <a:spLocks noGrp="1"/>
+          </p:cNvSpPr>
+          <p:nvPr>
+            <p:ph type="ftr" sz="quarter" idx="11"/>
           </p:nvPr>
         </p:nvSpPr>
         <p:spPr/>
@@ -1887,60 +2830,43 @@
           <a:bodyPr/>
           <a:lstStyle/>
           <a:p>
-            <a:fld id="{5BCAD085-E8A6-8845-BD4E-CB4CCA059FC4}" type="datetimeFigureOut">
-              <a:rPr lang="en-US" smtClean="0"/>
-              <a:t>1/27/13</a:t>
+            <a:endParaRPr lang="en-US" dirty="0"/>
+          </a:p>
+        </p:txBody>
+      </p:sp>
+      <p:sp>
+        <p:nvSpPr>
+          <p:cNvPr id="5" name="Slide Number Placeholder 4">
+            <a:extLst>
+              <a:ext uri="{FF2B5EF4-FFF2-40B4-BE49-F238E27FC236}">
+                <a16:creationId xmlns:a16="http://schemas.microsoft.com/office/drawing/2014/main" id="{A7739411-CED6-43D4-868D-A65C4161A72B}"/>
+              </a:ext>
+            </a:extLst>
+          </p:cNvPr>
+          <p:cNvSpPr>
+            <a:spLocks noGrp="1"/>
+          </p:cNvSpPr>
+          <p:nvPr>
+            <p:ph type="sldNum" sz="quarter" idx="12"/>
+          </p:nvPr>
+        </p:nvSpPr>
+        <p:spPr/>
+        <p:txBody>
+          <a:bodyPr/>
+          <a:lstStyle/>
+          <a:p>
+            <a:fld id="{A65A5C87-DF58-40C8-B092-1DE63DB4547E}" type="slidenum">
+              <a:rPr lang="en-US" dirty="0"/>
+              <a:t>‹nº›</a:t>
             </a:fld>
-            <a:endParaRPr lang="en-US"/>
-          </a:p>
-        </p:txBody>
-      </p:sp>
-      <p:sp>
-        <p:nvSpPr>
-          <p:cNvPr id="4" name="Footer Placeholder 3"/>
-          <p:cNvSpPr>
-            <a:spLocks noGrp="1"/>
-          </p:cNvSpPr>
-          <p:nvPr>
-            <p:ph type="ftr" sz="quarter" idx="11"/>
-          </p:nvPr>
-        </p:nvSpPr>
-        <p:spPr/>
-        <p:txBody>
-          <a:bodyPr/>
-          <a:lstStyle/>
-          <a:p>
-            <a:endParaRPr lang="en-US"/>
-          </a:p>
-        </p:txBody>
-      </p:sp>
-      <p:sp>
-        <p:nvSpPr>
-          <p:cNvPr id="5" name="Slide Number Placeholder 4"/>
-          <p:cNvSpPr>
-            <a:spLocks noGrp="1"/>
-          </p:cNvSpPr>
-          <p:nvPr>
-            <p:ph type="sldNum" sz="quarter" idx="12"/>
-          </p:nvPr>
-        </p:nvSpPr>
-        <p:spPr/>
-        <p:txBody>
-          <a:bodyPr/>
-          <a:lstStyle/>
-          <a:p>
-            <a:fld id="{C1FF6DA9-008F-8B48-92A6-B652298478BF}" type="slidenum">
-              <a:rPr lang="en-US" smtClean="0"/>
-              <a:t>‹#›</a:t>
-            </a:fld>
-            <a:endParaRPr lang="en-US"/>
+            <a:endParaRPr lang="en-US" dirty="0"/>
           </a:p>
         </p:txBody>
       </p:sp>
     </p:spTree>
     <p:extLst>
       <p:ext uri="{BB962C8B-B14F-4D97-AF65-F5344CB8AC3E}">
-        <p14:creationId xmlns:p14="http://schemas.microsoft.com/office/powerpoint/2010/main" val="727027711"/>
+        <p14:creationId xmlns:p14="http://schemas.microsoft.com/office/powerpoint/2010/main" val="3343551184"/>
       </p:ext>
     </p:extLst>
   </p:cSld>
@@ -1969,7 +2895,13 @@
       </p:grpSpPr>
       <p:sp>
         <p:nvSpPr>
-          <p:cNvPr id="2" name="Date Placeholder 1"/>
+          <p:cNvPr id="2" name="Date Placeholder 1">
+            <a:extLst>
+              <a:ext uri="{FF2B5EF4-FFF2-40B4-BE49-F238E27FC236}">
+                <a16:creationId xmlns:a16="http://schemas.microsoft.com/office/drawing/2014/main" id="{EAC447E0-1D4D-4EF2-B81B-4B2400EE3EDB}"/>
+              </a:ext>
+            </a:extLst>
+          </p:cNvPr>
           <p:cNvSpPr>
             <a:spLocks noGrp="1"/>
           </p:cNvSpPr>
@@ -1982,17 +2914,23 @@
           <a:bodyPr/>
           <a:lstStyle/>
           <a:p>
-            <a:fld id="{5BCAD085-E8A6-8845-BD4E-CB4CCA059FC4}" type="datetimeFigureOut">
-              <a:rPr lang="en-US" smtClean="0"/>
-              <a:t>1/27/13</a:t>
+            <a:fld id="{0141513F-8EBD-4612-96F4-CC3E309609AF}" type="datetimeFigureOut">
+              <a:rPr lang="en-US" dirty="0"/>
+              <a:t>10/10/2025</a:t>
             </a:fld>
-            <a:endParaRPr lang="en-US"/>
-          </a:p>
-        </p:txBody>
-      </p:sp>
-      <p:sp>
-        <p:nvSpPr>
-          <p:cNvPr id="3" name="Footer Placeholder 2"/>
+            <a:endParaRPr lang="en-US" dirty="0"/>
+          </a:p>
+        </p:txBody>
+      </p:sp>
+      <p:sp>
+        <p:nvSpPr>
+          <p:cNvPr id="3" name="Footer Placeholder 2">
+            <a:extLst>
+              <a:ext uri="{FF2B5EF4-FFF2-40B4-BE49-F238E27FC236}">
+                <a16:creationId xmlns:a16="http://schemas.microsoft.com/office/drawing/2014/main" id="{C9984CA0-2A78-4600-9F3D-19B09E790FE8}"/>
+              </a:ext>
+            </a:extLst>
+          </p:cNvPr>
           <p:cNvSpPr>
             <a:spLocks noGrp="1"/>
           </p:cNvSpPr>
@@ -2005,13 +2943,19 @@
           <a:bodyPr/>
           <a:lstStyle/>
           <a:p>
-            <a:endParaRPr lang="en-US"/>
-          </a:p>
-        </p:txBody>
-      </p:sp>
-      <p:sp>
-        <p:nvSpPr>
-          <p:cNvPr id="4" name="Slide Number Placeholder 3"/>
+            <a:endParaRPr lang="en-US" dirty="0"/>
+          </a:p>
+        </p:txBody>
+      </p:sp>
+      <p:sp>
+        <p:nvSpPr>
+          <p:cNvPr id="4" name="Slide Number Placeholder 3">
+            <a:extLst>
+              <a:ext uri="{FF2B5EF4-FFF2-40B4-BE49-F238E27FC236}">
+                <a16:creationId xmlns:a16="http://schemas.microsoft.com/office/drawing/2014/main" id="{38440955-B18E-49D3-AE7B-B331200E34C5}"/>
+              </a:ext>
+            </a:extLst>
+          </p:cNvPr>
           <p:cNvSpPr>
             <a:spLocks noGrp="1"/>
           </p:cNvSpPr>
@@ -2024,18 +2968,18 @@
           <a:bodyPr/>
           <a:lstStyle/>
           <a:p>
-            <a:fld id="{C1FF6DA9-008F-8B48-92A6-B652298478BF}" type="slidenum">
-              <a:rPr lang="en-US" smtClean="0"/>
-              <a:t>‹#›</a:t>
+            <a:fld id="{A65A5C87-DF58-40C8-B092-1DE63DB4547E}" type="slidenum">
+              <a:rPr lang="en-US" dirty="0"/>
+              <a:t>‹nº›</a:t>
             </a:fld>
-            <a:endParaRPr lang="en-US"/>
+            <a:endParaRPr lang="en-US" dirty="0"/>
           </a:p>
         </p:txBody>
       </p:sp>
     </p:spTree>
     <p:extLst>
       <p:ext uri="{BB962C8B-B14F-4D97-AF65-F5344CB8AC3E}">
-        <p14:creationId xmlns:p14="http://schemas.microsoft.com/office/powerpoint/2010/main" val="1212999818"/>
+        <p14:creationId xmlns:p14="http://schemas.microsoft.com/office/powerpoint/2010/main" val="1899354645"/>
       </p:ext>
     </p:extLst>
   </p:cSld>
@@ -2062,9 +3006,113 @@
           <a:chExt cx="0" cy="0"/>
         </a:xfrm>
       </p:grpSpPr>
-      <p:sp>
-        <p:nvSpPr>
-          <p:cNvPr id="2" name="Title 1"/>
+      <p:sp useBgFill="1">
+        <p:nvSpPr>
+          <p:cNvPr id="9" name="Rectangle 8">
+            <a:extLst>
+              <a:ext uri="{FF2B5EF4-FFF2-40B4-BE49-F238E27FC236}">
+                <a16:creationId xmlns:a16="http://schemas.microsoft.com/office/drawing/2014/main" id="{1FA417FE-CD1A-486F-A4AC-E4000A2FB18E}"/>
+              </a:ext>
+            </a:extLst>
+          </p:cNvPr>
+          <p:cNvSpPr/>
+          <p:nvPr/>
+        </p:nvSpPr>
+        <p:spPr>
+          <a:xfrm>
+            <a:off x="418658" y="1162033"/>
+            <a:ext cx="2805555" cy="4643344"/>
+          </a:xfrm>
+          <a:prstGeom prst="rect">
+            <a:avLst/>
+          </a:prstGeom>
+          <a:ln w="12700">
+            <a:solidFill>
+              <a:schemeClr val="tx2">
+                <a:lumMod val="10000"/>
+                <a:lumOff val="90000"/>
+              </a:schemeClr>
+            </a:solidFill>
+          </a:ln>
+          <a:effectLst>
+            <a:outerShdw blurRad="50800" dist="38100" dir="2700000" algn="tl" rotWithShape="0">
+              <a:schemeClr val="bg1">
+                <a:lumMod val="85000"/>
+                <a:alpha val="30000"/>
+              </a:schemeClr>
+            </a:outerShdw>
+          </a:effectLst>
+        </p:spPr>
+        <p:style>
+          <a:lnRef idx="2">
+            <a:schemeClr val="accent1">
+              <a:shade val="50000"/>
+            </a:schemeClr>
+          </a:lnRef>
+          <a:fillRef idx="1">
+            <a:schemeClr val="accent1"/>
+          </a:fillRef>
+          <a:effectRef idx="0">
+            <a:schemeClr val="accent1"/>
+          </a:effectRef>
+          <a:fontRef idx="minor">
+            <a:schemeClr val="lt1"/>
+          </a:fontRef>
+        </p:style>
+      </p:sp>
+      <p:sp>
+        <p:nvSpPr>
+          <p:cNvPr id="11" name="Rectangle 10">
+            <a:extLst>
+              <a:ext uri="{FF2B5EF4-FFF2-40B4-BE49-F238E27FC236}">
+                <a16:creationId xmlns:a16="http://schemas.microsoft.com/office/drawing/2014/main" id="{1318F0F5-812B-472C-9408-B80F2553F5E0}"/>
+              </a:ext>
+            </a:extLst>
+          </p:cNvPr>
+          <p:cNvSpPr/>
+          <p:nvPr/>
+        </p:nvSpPr>
+        <p:spPr>
+          <a:xfrm>
+            <a:off x="374126" y="1618375"/>
+            <a:ext cx="109728" cy="822960"/>
+          </a:xfrm>
+          <a:prstGeom prst="rect">
+            <a:avLst/>
+          </a:prstGeom>
+          <a:solidFill>
+            <a:schemeClr val="accent1"/>
+          </a:solidFill>
+          <a:ln>
+            <a:noFill/>
+          </a:ln>
+        </p:spPr>
+        <p:style>
+          <a:lnRef idx="2">
+            <a:schemeClr val="accent1">
+              <a:shade val="50000"/>
+            </a:schemeClr>
+          </a:lnRef>
+          <a:fillRef idx="1">
+            <a:schemeClr val="accent1"/>
+          </a:fillRef>
+          <a:effectRef idx="0">
+            <a:schemeClr val="accent1"/>
+          </a:effectRef>
+          <a:fontRef idx="minor">
+            <a:schemeClr val="lt1"/>
+          </a:fontRef>
+        </p:style>
+      </p:sp>
+      <p:sp>
+        <p:nvSpPr>
+          <p:cNvPr id="2" name="Title 1">
+            <a:extLst>
+              <a:ext uri="{FF2B5EF4-FFF2-40B4-BE49-F238E27FC236}">
+                <a16:creationId xmlns:a16="http://schemas.microsoft.com/office/drawing/2014/main" id="{47F7751B-CD8F-4F5B-A903-1DCE5D1E8306}"/>
+              </a:ext>
+            </a:extLst>
+          </p:cNvPr>
           <p:cNvSpPr>
             <a:spLocks noGrp="1"/>
           </p:cNvSpPr>
@@ -2074,29 +3122,39 @@
         </p:nvSpPr>
         <p:spPr>
           <a:xfrm>
-            <a:off x="457200" y="273050"/>
-            <a:ext cx="3008313" cy="1162050"/>
-          </a:xfrm>
-        </p:spPr>
-        <p:txBody>
-          <a:bodyPr anchor="b"/>
+            <a:off x="651510" y="1709928"/>
+            <a:ext cx="2324862" cy="1709928"/>
+          </a:xfrm>
+        </p:spPr>
+        <p:txBody>
+          <a:bodyPr tIns="45720" anchor="t">
+            <a:normAutofit/>
+          </a:bodyPr>
           <a:lstStyle>
-            <a:lvl1pPr algn="l">
-              <a:defRPr sz="2000" b="1"/>
+            <a:lvl1pPr>
+              <a:lnSpc>
+                <a:spcPct val="100000"/>
+              </a:lnSpc>
+              <a:defRPr sz="4533"/>
             </a:lvl1pPr>
           </a:lstStyle>
           <a:p>
             <a:r>
-              <a:rPr lang="en-US" smtClean="0"/>
+              <a:rPr lang="en-US" dirty="0"/>
               <a:t>Click to edit Master title style</a:t>
             </a:r>
-            <a:endParaRPr lang="en-US"/>
-          </a:p>
-        </p:txBody>
-      </p:sp>
-      <p:sp>
-        <p:nvSpPr>
-          <p:cNvPr id="3" name="Content Placeholder 2"/>
+          </a:p>
+        </p:txBody>
+      </p:sp>
+      <p:sp>
+        <p:nvSpPr>
+          <p:cNvPr id="3" name="Content Placeholder 2">
+            <a:extLst>
+              <a:ext uri="{FF2B5EF4-FFF2-40B4-BE49-F238E27FC236}">
+                <a16:creationId xmlns:a16="http://schemas.microsoft.com/office/drawing/2014/main" id="{EFA55C8A-A0BB-441D-976F-EB56D4382DB6}"/>
+              </a:ext>
+            </a:extLst>
+          </p:cNvPr>
           <p:cNvSpPr>
             <a:spLocks noGrp="1"/>
           </p:cNvSpPr>
@@ -2106,82 +3164,87 @@
         </p:nvSpPr>
         <p:spPr>
           <a:xfrm>
-            <a:off x="3575050" y="273050"/>
-            <a:ext cx="5111750" cy="5853113"/>
+            <a:off x="3723894" y="1709928"/>
+            <a:ext cx="5047488" cy="4096512"/>
           </a:xfrm>
         </p:spPr>
         <p:txBody>
           <a:bodyPr/>
           <a:lstStyle>
             <a:lvl1pPr>
-              <a:defRPr sz="3200"/>
+              <a:defRPr sz="3733"/>
             </a:lvl1pPr>
             <a:lvl2pPr>
-              <a:defRPr sz="2800"/>
+              <a:defRPr sz="3200"/>
             </a:lvl2pPr>
             <a:lvl3pPr>
-              <a:defRPr sz="2400"/>
+              <a:defRPr sz="2667"/>
             </a:lvl3pPr>
             <a:lvl4pPr>
-              <a:defRPr sz="2000"/>
+              <a:defRPr sz="2667"/>
             </a:lvl4pPr>
             <a:lvl5pPr>
-              <a:defRPr sz="2000"/>
+              <a:defRPr sz="2667"/>
             </a:lvl5pPr>
             <a:lvl6pPr>
-              <a:defRPr sz="2000"/>
+              <a:defRPr sz="2667"/>
             </a:lvl6pPr>
             <a:lvl7pPr>
-              <a:defRPr sz="2000"/>
+              <a:defRPr sz="2667"/>
             </a:lvl7pPr>
             <a:lvl8pPr>
-              <a:defRPr sz="2000"/>
+              <a:defRPr sz="2667"/>
             </a:lvl8pPr>
             <a:lvl9pPr>
-              <a:defRPr sz="2000"/>
+              <a:defRPr sz="2667"/>
             </a:lvl9pPr>
           </a:lstStyle>
           <a:p>
             <a:pPr lvl="0"/>
             <a:r>
-              <a:rPr lang="en-US" smtClean="0"/>
+              <a:rPr lang="en-US" dirty="0"/>
               <a:t>Click to edit Master text styles</a:t>
             </a:r>
           </a:p>
           <a:p>
             <a:pPr lvl="1"/>
             <a:r>
-              <a:rPr lang="en-US" smtClean="0"/>
+              <a:rPr lang="en-US" dirty="0"/>
               <a:t>Second level</a:t>
             </a:r>
           </a:p>
           <a:p>
             <a:pPr lvl="2"/>
             <a:r>
-              <a:rPr lang="en-US" smtClean="0"/>
+              <a:rPr lang="en-US" dirty="0"/>
               <a:t>Third level</a:t>
             </a:r>
           </a:p>
           <a:p>
             <a:pPr lvl="3"/>
             <a:r>
-              <a:rPr lang="en-US" smtClean="0"/>
+              <a:rPr lang="en-US" dirty="0"/>
               <a:t>Fourth level</a:t>
             </a:r>
           </a:p>
           <a:p>
             <a:pPr lvl="4"/>
             <a:r>
-              <a:rPr lang="en-US" smtClean="0"/>
+              <a:rPr lang="en-US" dirty="0"/>
               <a:t>Fifth level</a:t>
             </a:r>
-            <a:endParaRPr lang="en-US"/>
-          </a:p>
-        </p:txBody>
-      </p:sp>
-      <p:sp>
-        <p:nvSpPr>
-          <p:cNvPr id="4" name="Text Placeholder 3"/>
+          </a:p>
+        </p:txBody>
+      </p:sp>
+      <p:sp>
+        <p:nvSpPr>
+          <p:cNvPr id="4" name="Text Placeholder 3">
+            <a:extLst>
+              <a:ext uri="{FF2B5EF4-FFF2-40B4-BE49-F238E27FC236}">
+                <a16:creationId xmlns:a16="http://schemas.microsoft.com/office/drawing/2014/main" id="{37DE6A51-A2E5-4BFA-B571-9FDFE1BBFB44}"/>
+              </a:ext>
+            </a:extLst>
+          </p:cNvPr>
           <p:cNvSpPr>
             <a:spLocks noGrp="1"/>
           </p:cNvSpPr>
@@ -2191,54 +3254,56 @@
         </p:nvSpPr>
         <p:spPr>
           <a:xfrm>
-            <a:off x="457200" y="1435100"/>
-            <a:ext cx="3008313" cy="4691063"/>
-          </a:xfrm>
-        </p:spPr>
-        <p:txBody>
-          <a:bodyPr/>
+            <a:off x="651510" y="3429000"/>
+            <a:ext cx="2324862" cy="2066544"/>
+          </a:xfrm>
+        </p:spPr>
+        <p:txBody>
+          <a:bodyPr>
+            <a:normAutofit/>
+          </a:bodyPr>
           <a:lstStyle>
             <a:lvl1pPr marL="0" indent="0">
               <a:buNone/>
-              <a:defRPr sz="1400"/>
+              <a:defRPr sz="2400"/>
             </a:lvl1pPr>
-            <a:lvl2pPr marL="457200" indent="0">
+            <a:lvl2pPr marL="609585" indent="0">
               <a:buNone/>
-              <a:defRPr sz="1200"/>
+              <a:defRPr sz="1867"/>
             </a:lvl2pPr>
-            <a:lvl3pPr marL="914400" indent="0">
+            <a:lvl3pPr marL="1219170" indent="0">
               <a:buNone/>
-              <a:defRPr sz="1000"/>
+              <a:defRPr sz="1600"/>
             </a:lvl3pPr>
-            <a:lvl4pPr marL="1371600" indent="0">
+            <a:lvl4pPr marL="1828754" indent="0">
               <a:buNone/>
-              <a:defRPr sz="900"/>
+              <a:defRPr sz="1333"/>
             </a:lvl4pPr>
-            <a:lvl5pPr marL="1828800" indent="0">
+            <a:lvl5pPr marL="2438339" indent="0">
               <a:buNone/>
-              <a:defRPr sz="900"/>
+              <a:defRPr sz="1333"/>
             </a:lvl5pPr>
-            <a:lvl6pPr marL="2286000" indent="0">
+            <a:lvl6pPr marL="3047924" indent="0">
               <a:buNone/>
-              <a:defRPr sz="900"/>
+              <a:defRPr sz="1333"/>
             </a:lvl6pPr>
-            <a:lvl7pPr marL="2743200" indent="0">
+            <a:lvl7pPr marL="3657509" indent="0">
               <a:buNone/>
-              <a:defRPr sz="900"/>
+              <a:defRPr sz="1333"/>
             </a:lvl7pPr>
-            <a:lvl8pPr marL="3200400" indent="0">
+            <a:lvl8pPr marL="4267093" indent="0">
               <a:buNone/>
-              <a:defRPr sz="900"/>
+              <a:defRPr sz="1333"/>
             </a:lvl8pPr>
-            <a:lvl9pPr marL="3657600" indent="0">
+            <a:lvl9pPr marL="4876678" indent="0">
               <a:buNone/>
-              <a:defRPr sz="900"/>
+              <a:defRPr sz="1333"/>
             </a:lvl9pPr>
           </a:lstStyle>
           <a:p>
             <a:pPr lvl="0"/>
             <a:r>
-              <a:rPr lang="en-US" smtClean="0"/>
+              <a:rPr lang="en-US" dirty="0"/>
               <a:t>Click to edit Master text styles</a:t>
             </a:r>
           </a:p>
@@ -2246,7 +3311,13 @@
       </p:sp>
       <p:sp>
         <p:nvSpPr>
-          <p:cNvPr id="5" name="Date Placeholder 4"/>
+          <p:cNvPr id="5" name="Date Placeholder 4">
+            <a:extLst>
+              <a:ext uri="{FF2B5EF4-FFF2-40B4-BE49-F238E27FC236}">
+                <a16:creationId xmlns:a16="http://schemas.microsoft.com/office/drawing/2014/main" id="{3D92778A-DD4C-4651-9C53-8B0C44CD8805}"/>
+              </a:ext>
+            </a:extLst>
+          </p:cNvPr>
           <p:cNvSpPr>
             <a:spLocks noGrp="1"/>
           </p:cNvSpPr>
@@ -2254,65 +3325,82 @@
             <p:ph type="dt" sz="half" idx="10"/>
           </p:nvPr>
         </p:nvSpPr>
+        <p:spPr>
+          <a:xfrm>
+            <a:off x="651510" y="6356351"/>
+            <a:ext cx="2057400" cy="365125"/>
+          </a:xfrm>
+        </p:spPr>
+        <p:txBody>
+          <a:bodyPr/>
+          <a:lstStyle/>
+          <a:p>
+            <a:fld id="{6E6483A1-31A8-47A2-AB0A-53A7803D5EBF}" type="datetimeFigureOut">
+              <a:rPr lang="en-US" dirty="0"/>
+              <a:t>10/10/2025</a:t>
+            </a:fld>
+            <a:endParaRPr lang="en-US" dirty="0"/>
+          </a:p>
+        </p:txBody>
+      </p:sp>
+      <p:sp>
+        <p:nvSpPr>
+          <p:cNvPr id="6" name="Footer Placeholder 5">
+            <a:extLst>
+              <a:ext uri="{FF2B5EF4-FFF2-40B4-BE49-F238E27FC236}">
+                <a16:creationId xmlns:a16="http://schemas.microsoft.com/office/drawing/2014/main" id="{9D6C7F66-2DFA-4146-BE1A-CE2890FE45E2}"/>
+              </a:ext>
+            </a:extLst>
+          </p:cNvPr>
+          <p:cNvSpPr>
+            <a:spLocks noGrp="1"/>
+          </p:cNvSpPr>
+          <p:nvPr>
+            <p:ph type="ftr" sz="quarter" idx="11"/>
+          </p:nvPr>
+        </p:nvSpPr>
         <p:spPr/>
         <p:txBody>
           <a:bodyPr/>
           <a:lstStyle/>
           <a:p>
-            <a:fld id="{5BCAD085-E8A6-8845-BD4E-CB4CCA059FC4}" type="datetimeFigureOut">
-              <a:rPr lang="en-US" smtClean="0"/>
-              <a:t>1/27/13</a:t>
+            <a:endParaRPr lang="en-US" dirty="0"/>
+          </a:p>
+        </p:txBody>
+      </p:sp>
+      <p:sp>
+        <p:nvSpPr>
+          <p:cNvPr id="7" name="Slide Number Placeholder 6">
+            <a:extLst>
+              <a:ext uri="{FF2B5EF4-FFF2-40B4-BE49-F238E27FC236}">
+                <a16:creationId xmlns:a16="http://schemas.microsoft.com/office/drawing/2014/main" id="{D285D185-B1B6-4D62-81BE-BE82C80ACA6C}"/>
+              </a:ext>
+            </a:extLst>
+          </p:cNvPr>
+          <p:cNvSpPr>
+            <a:spLocks noGrp="1"/>
+          </p:cNvSpPr>
+          <p:nvPr>
+            <p:ph type="sldNum" sz="quarter" idx="12"/>
+          </p:nvPr>
+        </p:nvSpPr>
+        <p:spPr/>
+        <p:txBody>
+          <a:bodyPr/>
+          <a:lstStyle/>
+          <a:p>
+            <a:fld id="{A65A5C87-DF58-40C8-B092-1DE63DB4547E}" type="slidenum">
+              <a:rPr lang="en-US" dirty="0"/>
+              <a:t>‹nº›</a:t>
             </a:fld>
-            <a:endParaRPr lang="en-US"/>
-          </a:p>
-        </p:txBody>
-      </p:sp>
-      <p:sp>
-        <p:nvSpPr>
-          <p:cNvPr id="6" name="Footer Placeholder 5"/>
-          <p:cNvSpPr>
-            <a:spLocks noGrp="1"/>
-          </p:cNvSpPr>
-          <p:nvPr>
-            <p:ph type="ftr" sz="quarter" idx="11"/>
-          </p:nvPr>
-        </p:nvSpPr>
-        <p:spPr/>
-        <p:txBody>
-          <a:bodyPr/>
-          <a:lstStyle/>
-          <a:p>
-            <a:endParaRPr lang="en-US"/>
-          </a:p>
-        </p:txBody>
-      </p:sp>
-      <p:sp>
-        <p:nvSpPr>
-          <p:cNvPr id="7" name="Slide Number Placeholder 6"/>
-          <p:cNvSpPr>
-            <a:spLocks noGrp="1"/>
-          </p:cNvSpPr>
-          <p:nvPr>
-            <p:ph type="sldNum" sz="quarter" idx="12"/>
-          </p:nvPr>
-        </p:nvSpPr>
-        <p:spPr/>
-        <p:txBody>
-          <a:bodyPr/>
-          <a:lstStyle/>
-          <a:p>
-            <a:fld id="{C1FF6DA9-008F-8B48-92A6-B652298478BF}" type="slidenum">
-              <a:rPr lang="en-US" smtClean="0"/>
-              <a:t>‹#›</a:t>
-            </a:fld>
-            <a:endParaRPr lang="en-US"/>
+            <a:endParaRPr lang="en-US" dirty="0"/>
           </a:p>
         </p:txBody>
       </p:sp>
     </p:spTree>
     <p:extLst>
       <p:ext uri="{BB962C8B-B14F-4D97-AF65-F5344CB8AC3E}">
-        <p14:creationId xmlns:p14="http://schemas.microsoft.com/office/powerpoint/2010/main" val="1840726560"/>
+        <p14:creationId xmlns:p14="http://schemas.microsoft.com/office/powerpoint/2010/main" val="3418162587"/>
       </p:ext>
     </p:extLst>
   </p:cSld>
@@ -2339,9 +3427,113 @@
           <a:chExt cx="0" cy="0"/>
         </a:xfrm>
       </p:grpSpPr>
-      <p:sp>
-        <p:nvSpPr>
-          <p:cNvPr id="2" name="Title 1"/>
+      <p:sp useBgFill="1">
+        <p:nvSpPr>
+          <p:cNvPr id="9" name="Rectangle 8">
+            <a:extLst>
+              <a:ext uri="{FF2B5EF4-FFF2-40B4-BE49-F238E27FC236}">
+                <a16:creationId xmlns:a16="http://schemas.microsoft.com/office/drawing/2014/main" id="{168B77B5-211C-456E-B79F-306CC3619347}"/>
+              </a:ext>
+            </a:extLst>
+          </p:cNvPr>
+          <p:cNvSpPr/>
+          <p:nvPr/>
+        </p:nvSpPr>
+        <p:spPr>
+          <a:xfrm>
+            <a:off x="418658" y="1162033"/>
+            <a:ext cx="2805555" cy="4643344"/>
+          </a:xfrm>
+          <a:prstGeom prst="rect">
+            <a:avLst/>
+          </a:prstGeom>
+          <a:ln w="12700">
+            <a:solidFill>
+              <a:schemeClr val="tx2">
+                <a:lumMod val="10000"/>
+                <a:lumOff val="90000"/>
+              </a:schemeClr>
+            </a:solidFill>
+          </a:ln>
+          <a:effectLst>
+            <a:outerShdw blurRad="50800" dist="38100" dir="2700000" algn="tl" rotWithShape="0">
+              <a:schemeClr val="bg1">
+                <a:lumMod val="85000"/>
+                <a:alpha val="30000"/>
+              </a:schemeClr>
+            </a:outerShdw>
+          </a:effectLst>
+        </p:spPr>
+        <p:style>
+          <a:lnRef idx="2">
+            <a:schemeClr val="accent1">
+              <a:shade val="50000"/>
+            </a:schemeClr>
+          </a:lnRef>
+          <a:fillRef idx="1">
+            <a:schemeClr val="accent1"/>
+          </a:fillRef>
+          <a:effectRef idx="0">
+            <a:schemeClr val="accent1"/>
+          </a:effectRef>
+          <a:fontRef idx="minor">
+            <a:schemeClr val="lt1"/>
+          </a:fontRef>
+        </p:style>
+      </p:sp>
+      <p:sp>
+        <p:nvSpPr>
+          <p:cNvPr id="11" name="Rectangle 10">
+            <a:extLst>
+              <a:ext uri="{FF2B5EF4-FFF2-40B4-BE49-F238E27FC236}">
+                <a16:creationId xmlns:a16="http://schemas.microsoft.com/office/drawing/2014/main" id="{3B63C338-194D-4F23-ABEC-60A7EA96F302}"/>
+              </a:ext>
+            </a:extLst>
+          </p:cNvPr>
+          <p:cNvSpPr/>
+          <p:nvPr/>
+        </p:nvSpPr>
+        <p:spPr>
+          <a:xfrm>
+            <a:off x="374126" y="1618375"/>
+            <a:ext cx="109728" cy="822960"/>
+          </a:xfrm>
+          <a:prstGeom prst="rect">
+            <a:avLst/>
+          </a:prstGeom>
+          <a:solidFill>
+            <a:schemeClr val="accent1"/>
+          </a:solidFill>
+          <a:ln>
+            <a:noFill/>
+          </a:ln>
+        </p:spPr>
+        <p:style>
+          <a:lnRef idx="2">
+            <a:schemeClr val="accent1">
+              <a:shade val="50000"/>
+            </a:schemeClr>
+          </a:lnRef>
+          <a:fillRef idx="1">
+            <a:schemeClr val="accent1"/>
+          </a:fillRef>
+          <a:effectRef idx="0">
+            <a:schemeClr val="accent1"/>
+          </a:effectRef>
+          <a:fontRef idx="minor">
+            <a:schemeClr val="lt1"/>
+          </a:fontRef>
+        </p:style>
+      </p:sp>
+      <p:sp>
+        <p:nvSpPr>
+          <p:cNvPr id="2" name="Title 1">
+            <a:extLst>
+              <a:ext uri="{FF2B5EF4-FFF2-40B4-BE49-F238E27FC236}">
+                <a16:creationId xmlns:a16="http://schemas.microsoft.com/office/drawing/2014/main" id="{A0C04DCC-0E3E-4F05-9FAC-9FA6CA4B2BAE}"/>
+              </a:ext>
+            </a:extLst>
+          </p:cNvPr>
           <p:cNvSpPr>
             <a:spLocks noGrp="1"/>
           </p:cNvSpPr>
@@ -2351,31 +3543,41 @@
         </p:nvSpPr>
         <p:spPr>
           <a:xfrm>
-            <a:off x="1792288" y="4800600"/>
-            <a:ext cx="5486400" cy="566738"/>
-          </a:xfrm>
-        </p:spPr>
-        <p:txBody>
-          <a:bodyPr anchor="b"/>
+            <a:off x="651510" y="1709928"/>
+            <a:ext cx="2324862" cy="1709928"/>
+          </a:xfrm>
+        </p:spPr>
+        <p:txBody>
+          <a:bodyPr tIns="45720" anchor="t">
+            <a:normAutofit/>
+          </a:bodyPr>
           <a:lstStyle>
-            <a:lvl1pPr algn="l">
-              <a:defRPr sz="2000" b="1"/>
+            <a:lvl1pPr>
+              <a:lnSpc>
+                <a:spcPct val="100000"/>
+              </a:lnSpc>
+              <a:defRPr sz="4533"/>
             </a:lvl1pPr>
           </a:lstStyle>
           <a:p>
             <a:r>
-              <a:rPr lang="en-US" smtClean="0"/>
+              <a:rPr lang="en-US" dirty="0"/>
               <a:t>Click to edit Master title style</a:t>
             </a:r>
-            <a:endParaRPr lang="en-US"/>
-          </a:p>
-        </p:txBody>
-      </p:sp>
-      <p:sp>
-        <p:nvSpPr>
-          <p:cNvPr id="3" name="Picture Placeholder 2"/>
-          <p:cNvSpPr>
-            <a:spLocks noGrp="1"/>
+          </a:p>
+        </p:txBody>
+      </p:sp>
+      <p:sp>
+        <p:nvSpPr>
+          <p:cNvPr id="3" name="Picture Placeholder 2">
+            <a:extLst>
+              <a:ext uri="{FF2B5EF4-FFF2-40B4-BE49-F238E27FC236}">
+                <a16:creationId xmlns:a16="http://schemas.microsoft.com/office/drawing/2014/main" id="{EBA29649-B19F-499E-8E9A-3577EAC8F031}"/>
+              </a:ext>
+            </a:extLst>
+          </p:cNvPr>
+          <p:cNvSpPr>
+            <a:spLocks noGrp="1" noChangeAspect="1"/>
           </p:cNvSpPr>
           <p:nvPr>
             <p:ph type="pic" idx="1"/>
@@ -2383,58 +3585,66 @@
         </p:nvSpPr>
         <p:spPr>
           <a:xfrm>
-            <a:off x="1792288" y="612775"/>
-            <a:ext cx="5486400" cy="4114800"/>
-          </a:xfrm>
-        </p:spPr>
-        <p:txBody>
-          <a:bodyPr/>
+            <a:off x="3723894" y="1161288"/>
+            <a:ext cx="5047488" cy="4645152"/>
+          </a:xfrm>
+        </p:spPr>
+        <p:txBody>
+          <a:bodyPr anchor="t">
+            <a:normAutofit/>
+          </a:bodyPr>
           <a:lstStyle>
             <a:lvl1pPr marL="0" indent="0">
               <a:buNone/>
+              <a:defRPr sz="3733"/>
+            </a:lvl1pPr>
+            <a:lvl2pPr marL="609585" indent="0">
+              <a:buNone/>
+              <a:defRPr sz="3733"/>
+            </a:lvl2pPr>
+            <a:lvl3pPr marL="1219170" indent="0">
+              <a:buNone/>
               <a:defRPr sz="3200"/>
-            </a:lvl1pPr>
-            <a:lvl2pPr marL="457200" indent="0">
+            </a:lvl3pPr>
+            <a:lvl4pPr marL="1828754" indent="0">
               <a:buNone/>
-              <a:defRPr sz="2800"/>
-            </a:lvl2pPr>
-            <a:lvl3pPr marL="914400" indent="0">
+              <a:defRPr sz="2667"/>
+            </a:lvl4pPr>
+            <a:lvl5pPr marL="2438339" indent="0">
               <a:buNone/>
-              <a:defRPr sz="2400"/>
-            </a:lvl3pPr>
-            <a:lvl4pPr marL="1371600" indent="0">
+              <a:defRPr sz="2667"/>
+            </a:lvl5pPr>
+            <a:lvl6pPr marL="3047924" indent="0">
               <a:buNone/>
-              <a:defRPr sz="2000"/>
-            </a:lvl4pPr>
-            <a:lvl5pPr marL="1828800" indent="0">
+              <a:defRPr sz="2667"/>
+            </a:lvl6pPr>
+            <a:lvl7pPr marL="3657509" indent="0">
               <a:buNone/>
-              <a:defRPr sz="2000"/>
-            </a:lvl5pPr>
-            <a:lvl6pPr marL="2286000" indent="0">
+              <a:defRPr sz="2667"/>
+            </a:lvl7pPr>
+            <a:lvl8pPr marL="4267093" indent="0">
               <a:buNone/>
-              <a:defRPr sz="2000"/>
-            </a:lvl6pPr>
-            <a:lvl7pPr marL="2743200" indent="0">
+              <a:defRPr sz="2667"/>
+            </a:lvl8pPr>
+            <a:lvl9pPr marL="4876678" indent="0">
               <a:buNone/>
-              <a:defRPr sz="2000"/>
-            </a:lvl7pPr>
-            <a:lvl8pPr marL="3200400" indent="0">
-              <a:buNone/>
-              <a:defRPr sz="2000"/>
-            </a:lvl8pPr>
-            <a:lvl9pPr marL="3657600" indent="0">
-              <a:buNone/>
-              <a:defRPr sz="2000"/>
+              <a:defRPr sz="2667"/>
             </a:lvl9pPr>
           </a:lstStyle>
           <a:p>
-            <a:endParaRPr lang="en-US"/>
-          </a:p>
-        </p:txBody>
-      </p:sp>
-      <p:sp>
-        <p:nvSpPr>
-          <p:cNvPr id="4" name="Text Placeholder 3"/>
+            <a:endParaRPr lang="en-US" dirty="0"/>
+          </a:p>
+        </p:txBody>
+      </p:sp>
+      <p:sp>
+        <p:nvSpPr>
+          <p:cNvPr id="4" name="Text Placeholder 3">
+            <a:extLst>
+              <a:ext uri="{FF2B5EF4-FFF2-40B4-BE49-F238E27FC236}">
+                <a16:creationId xmlns:a16="http://schemas.microsoft.com/office/drawing/2014/main" id="{1BC9EF2E-A8CD-41A1-B11A-0D8842797A98}"/>
+              </a:ext>
+            </a:extLst>
+          </p:cNvPr>
           <p:cNvSpPr>
             <a:spLocks noGrp="1"/>
           </p:cNvSpPr>
@@ -2444,54 +3654,56 @@
         </p:nvSpPr>
         <p:spPr>
           <a:xfrm>
-            <a:off x="1792288" y="5367338"/>
-            <a:ext cx="5486400" cy="804862"/>
-          </a:xfrm>
-        </p:spPr>
-        <p:txBody>
-          <a:bodyPr/>
+            <a:off x="651510" y="3438144"/>
+            <a:ext cx="2324862" cy="2057400"/>
+          </a:xfrm>
+        </p:spPr>
+        <p:txBody>
+          <a:bodyPr>
+            <a:normAutofit/>
+          </a:bodyPr>
           <a:lstStyle>
             <a:lvl1pPr marL="0" indent="0">
               <a:buNone/>
-              <a:defRPr sz="1400"/>
+              <a:defRPr sz="2400"/>
             </a:lvl1pPr>
-            <a:lvl2pPr marL="457200" indent="0">
+            <a:lvl2pPr marL="609585" indent="0">
               <a:buNone/>
-              <a:defRPr sz="1200"/>
+              <a:defRPr sz="1867"/>
             </a:lvl2pPr>
-            <a:lvl3pPr marL="914400" indent="0">
+            <a:lvl3pPr marL="1219170" indent="0">
               <a:buNone/>
-              <a:defRPr sz="1000"/>
+              <a:defRPr sz="1600"/>
             </a:lvl3pPr>
-            <a:lvl4pPr marL="1371600" indent="0">
+            <a:lvl4pPr marL="1828754" indent="0">
               <a:buNone/>
-              <a:defRPr sz="900"/>
+              <a:defRPr sz="1333"/>
             </a:lvl4pPr>
-            <a:lvl5pPr marL="1828800" indent="0">
+            <a:lvl5pPr marL="2438339" indent="0">
               <a:buNone/>
-              <a:defRPr sz="900"/>
+              <a:defRPr sz="1333"/>
             </a:lvl5pPr>
-            <a:lvl6pPr marL="2286000" indent="0">
+            <a:lvl6pPr marL="3047924" indent="0">
               <a:buNone/>
-              <a:defRPr sz="900"/>
+              <a:defRPr sz="1333"/>
             </a:lvl6pPr>
-            <a:lvl7pPr marL="2743200" indent="0">
+            <a:lvl7pPr marL="3657509" indent="0">
               <a:buNone/>
-              <a:defRPr sz="900"/>
+              <a:defRPr sz="1333"/>
             </a:lvl7pPr>
-            <a:lvl8pPr marL="3200400" indent="0">
+            <a:lvl8pPr marL="4267093" indent="0">
               <a:buNone/>
-              <a:defRPr sz="900"/>
+              <a:defRPr sz="1333"/>
             </a:lvl8pPr>
-            <a:lvl9pPr marL="3657600" indent="0">
+            <a:lvl9pPr marL="4876678" indent="0">
               <a:buNone/>
-              <a:defRPr sz="900"/>
+              <a:defRPr sz="1333"/>
             </a:lvl9pPr>
           </a:lstStyle>
           <a:p>
             <a:pPr lvl="0"/>
             <a:r>
-              <a:rPr lang="en-US" smtClean="0"/>
+              <a:rPr lang="en-US" dirty="0"/>
               <a:t>Click to edit Master text styles</a:t>
             </a:r>
           </a:p>
@@ -2499,7 +3711,13 @@
       </p:sp>
       <p:sp>
         <p:nvSpPr>
-          <p:cNvPr id="5" name="Date Placeholder 4"/>
+          <p:cNvPr id="5" name="Date Placeholder 4">
+            <a:extLst>
+              <a:ext uri="{FF2B5EF4-FFF2-40B4-BE49-F238E27FC236}">
+                <a16:creationId xmlns:a16="http://schemas.microsoft.com/office/drawing/2014/main" id="{B44257B5-0DE0-401F-9171-E8687A97DBA7}"/>
+              </a:ext>
+            </a:extLst>
+          </p:cNvPr>
           <p:cNvSpPr>
             <a:spLocks noGrp="1"/>
           </p:cNvSpPr>
@@ -2507,65 +3725,82 @@
             <p:ph type="dt" sz="half" idx="10"/>
           </p:nvPr>
         </p:nvSpPr>
+        <p:spPr>
+          <a:xfrm>
+            <a:off x="651510" y="6356351"/>
+            <a:ext cx="2057400" cy="365125"/>
+          </a:xfrm>
+        </p:spPr>
+        <p:txBody>
+          <a:bodyPr/>
+          <a:lstStyle/>
+          <a:p>
+            <a:fld id="{6D8810B9-2C7C-4CAF-99E2-617AE20BA331}" type="datetimeFigureOut">
+              <a:rPr lang="en-US" dirty="0"/>
+              <a:t>10/10/2025</a:t>
+            </a:fld>
+            <a:endParaRPr lang="en-US" dirty="0"/>
+          </a:p>
+        </p:txBody>
+      </p:sp>
+      <p:sp>
+        <p:nvSpPr>
+          <p:cNvPr id="6" name="Footer Placeholder 5">
+            <a:extLst>
+              <a:ext uri="{FF2B5EF4-FFF2-40B4-BE49-F238E27FC236}">
+                <a16:creationId xmlns:a16="http://schemas.microsoft.com/office/drawing/2014/main" id="{788CD9AD-D667-4FD4-AA34-428AA0BCD09E}"/>
+              </a:ext>
+            </a:extLst>
+          </p:cNvPr>
+          <p:cNvSpPr>
+            <a:spLocks noGrp="1"/>
+          </p:cNvSpPr>
+          <p:nvPr>
+            <p:ph type="ftr" sz="quarter" idx="11"/>
+          </p:nvPr>
+        </p:nvSpPr>
         <p:spPr/>
         <p:txBody>
           <a:bodyPr/>
           <a:lstStyle/>
           <a:p>
-            <a:fld id="{5BCAD085-E8A6-8845-BD4E-CB4CCA059FC4}" type="datetimeFigureOut">
-              <a:rPr lang="en-US" smtClean="0"/>
-              <a:t>1/27/13</a:t>
+            <a:endParaRPr lang="en-US" dirty="0"/>
+          </a:p>
+        </p:txBody>
+      </p:sp>
+      <p:sp>
+        <p:nvSpPr>
+          <p:cNvPr id="7" name="Slide Number Placeholder 6">
+            <a:extLst>
+              <a:ext uri="{FF2B5EF4-FFF2-40B4-BE49-F238E27FC236}">
+                <a16:creationId xmlns:a16="http://schemas.microsoft.com/office/drawing/2014/main" id="{18770FB6-F273-4BA6-8B97-9835AC537871}"/>
+              </a:ext>
+            </a:extLst>
+          </p:cNvPr>
+          <p:cNvSpPr>
+            <a:spLocks noGrp="1"/>
+          </p:cNvSpPr>
+          <p:nvPr>
+            <p:ph type="sldNum" sz="quarter" idx="12"/>
+          </p:nvPr>
+        </p:nvSpPr>
+        <p:spPr/>
+        <p:txBody>
+          <a:bodyPr/>
+          <a:lstStyle/>
+          <a:p>
+            <a:fld id="{A65A5C87-DF58-40C8-B092-1DE63DB4547E}" type="slidenum">
+              <a:rPr lang="en-US" dirty="0"/>
+              <a:t>‹nº›</a:t>
             </a:fld>
-            <a:endParaRPr lang="en-US"/>
-          </a:p>
-        </p:txBody>
-      </p:sp>
-      <p:sp>
-        <p:nvSpPr>
-          <p:cNvPr id="6" name="Footer Placeholder 5"/>
-          <p:cNvSpPr>
-            <a:spLocks noGrp="1"/>
-          </p:cNvSpPr>
-          <p:nvPr>
-            <p:ph type="ftr" sz="quarter" idx="11"/>
-          </p:nvPr>
-        </p:nvSpPr>
-        <p:spPr/>
-        <p:txBody>
-          <a:bodyPr/>
-          <a:lstStyle/>
-          <a:p>
-            <a:endParaRPr lang="en-US"/>
-          </a:p>
-        </p:txBody>
-      </p:sp>
-      <p:sp>
-        <p:nvSpPr>
-          <p:cNvPr id="7" name="Slide Number Placeholder 6"/>
-          <p:cNvSpPr>
-            <a:spLocks noGrp="1"/>
-          </p:cNvSpPr>
-          <p:nvPr>
-            <p:ph type="sldNum" sz="quarter" idx="12"/>
-          </p:nvPr>
-        </p:nvSpPr>
-        <p:spPr/>
-        <p:txBody>
-          <a:bodyPr/>
-          <a:lstStyle/>
-          <a:p>
-            <a:fld id="{C1FF6DA9-008F-8B48-92A6-B652298478BF}" type="slidenum">
-              <a:rPr lang="en-US" smtClean="0"/>
-              <a:t>‹#›</a:t>
-            </a:fld>
-            <a:endParaRPr lang="en-US"/>
+            <a:endParaRPr lang="en-US" dirty="0"/>
           </a:p>
         </p:txBody>
       </p:sp>
     </p:spTree>
     <p:extLst>
       <p:ext uri="{BB962C8B-B14F-4D97-AF65-F5344CB8AC3E}">
-        <p14:creationId xmlns:p14="http://schemas.microsoft.com/office/powerpoint/2010/main" val="3889236939"/>
+        <p14:creationId xmlns:p14="http://schemas.microsoft.com/office/powerpoint/2010/main" val="767989287"/>
       </p:ext>
     </p:extLst>
   </p:cSld>
@@ -2579,9 +3814,12 @@
 <p:sldMaster xmlns:a="http://schemas.openxmlformats.org/drawingml/2006/main" xmlns:r="http://schemas.openxmlformats.org/officeDocument/2006/relationships" xmlns:p="http://schemas.openxmlformats.org/presentationml/2006/main">
   <p:cSld>
     <p:bg>
-      <p:bgRef idx="1001">
-        <a:schemeClr val="bg1"/>
-      </p:bgRef>
+      <p:bgPr>
+        <a:solidFill>
+          <a:schemeClr val="accent3"/>
+        </a:solidFill>
+        <a:effectLst/>
+      </p:bgPr>
     </p:bg>
     <p:spTree>
       <p:nvGrpSpPr>
@@ -2599,7 +3837,13 @@
       </p:grpSpPr>
       <p:sp>
         <p:nvSpPr>
-          <p:cNvPr id="2" name="Title Placeholder 1"/>
+          <p:cNvPr id="2" name="Title Placeholder 1">
+            <a:extLst>
+              <a:ext uri="{FF2B5EF4-FFF2-40B4-BE49-F238E27FC236}">
+                <a16:creationId xmlns:a16="http://schemas.microsoft.com/office/drawing/2014/main" id="{BB325BDE-35A4-4AAD-960B-C1415864ADD9}"/>
+              </a:ext>
+            </a:extLst>
+          </p:cNvPr>
           <p:cNvSpPr>
             <a:spLocks noGrp="1"/>
           </p:cNvSpPr>
@@ -2609,8 +3853,8 @@
         </p:nvSpPr>
         <p:spPr>
           <a:xfrm>
-            <a:off x="457200" y="274638"/>
-            <a:ext cx="8229600" cy="1143000"/>
+            <a:off x="628650" y="365126"/>
+            <a:ext cx="7886700" cy="1325563"/>
           </a:xfrm>
           <a:prstGeom prst="rect">
             <a:avLst/>
@@ -2623,16 +3867,21 @@
           <a:lstStyle/>
           <a:p>
             <a:r>
-              <a:rPr lang="en-US" smtClean="0"/>
+              <a:rPr lang="en-US" dirty="0"/>
               <a:t>Click to edit Master title style</a:t>
             </a:r>
-            <a:endParaRPr lang="en-US"/>
-          </a:p>
-        </p:txBody>
-      </p:sp>
-      <p:sp>
-        <p:nvSpPr>
-          <p:cNvPr id="3" name="Text Placeholder 2"/>
+          </a:p>
+        </p:txBody>
+      </p:sp>
+      <p:sp>
+        <p:nvSpPr>
+          <p:cNvPr id="3" name="Text Placeholder 2">
+            <a:extLst>
+              <a:ext uri="{FF2B5EF4-FFF2-40B4-BE49-F238E27FC236}">
+                <a16:creationId xmlns:a16="http://schemas.microsoft.com/office/drawing/2014/main" id="{BE459C78-0CC4-4552-93DD-49B4194D005D}"/>
+              </a:ext>
+            </a:extLst>
+          </p:cNvPr>
           <p:cNvSpPr>
             <a:spLocks noGrp="1"/>
           </p:cNvSpPr>
@@ -2642,8 +3891,8 @@
         </p:nvSpPr>
         <p:spPr>
           <a:xfrm>
-            <a:off x="457200" y="1600200"/>
-            <a:ext cx="8229600" cy="4525963"/>
+            <a:off x="628650" y="1825625"/>
+            <a:ext cx="7886700" cy="4351338"/>
           </a:xfrm>
           <a:prstGeom prst="rect">
             <a:avLst/>
@@ -2657,44 +3906,49 @@
           <a:p>
             <a:pPr lvl="0"/>
             <a:r>
-              <a:rPr lang="en-US" smtClean="0"/>
+              <a:rPr lang="en-US" dirty="0"/>
               <a:t>Click to edit Master text styles</a:t>
             </a:r>
           </a:p>
           <a:p>
             <a:pPr lvl="1"/>
             <a:r>
-              <a:rPr lang="en-US" smtClean="0"/>
+              <a:rPr lang="en-US" dirty="0"/>
               <a:t>Second level</a:t>
             </a:r>
           </a:p>
           <a:p>
             <a:pPr lvl="2"/>
             <a:r>
-              <a:rPr lang="en-US" smtClean="0"/>
+              <a:rPr lang="en-US" dirty="0"/>
               <a:t>Third level</a:t>
             </a:r>
           </a:p>
           <a:p>
             <a:pPr lvl="3"/>
             <a:r>
-              <a:rPr lang="en-US" smtClean="0"/>
+              <a:rPr lang="en-US" dirty="0"/>
               <a:t>Fourth level</a:t>
             </a:r>
           </a:p>
           <a:p>
             <a:pPr lvl="4"/>
             <a:r>
-              <a:rPr lang="en-US" smtClean="0"/>
+              <a:rPr lang="en-US" dirty="0"/>
               <a:t>Fifth level</a:t>
             </a:r>
-            <a:endParaRPr lang="en-US"/>
-          </a:p>
-        </p:txBody>
-      </p:sp>
-      <p:sp>
-        <p:nvSpPr>
-          <p:cNvPr id="4" name="Date Placeholder 3"/>
+          </a:p>
+        </p:txBody>
+      </p:sp>
+      <p:sp>
+        <p:nvSpPr>
+          <p:cNvPr id="4" name="Date Placeholder 3">
+            <a:extLst>
+              <a:ext uri="{FF2B5EF4-FFF2-40B4-BE49-F238E27FC236}">
+                <a16:creationId xmlns:a16="http://schemas.microsoft.com/office/drawing/2014/main" id="{06744A3C-9C54-46A6-B3EF-5B36362423EB}"/>
+              </a:ext>
+            </a:extLst>
+          </p:cNvPr>
           <p:cNvSpPr>
             <a:spLocks noGrp="1"/>
           </p:cNvSpPr>
@@ -2704,8 +3958,8 @@
         </p:nvSpPr>
         <p:spPr>
           <a:xfrm>
-            <a:off x="457200" y="6356350"/>
-            <a:ext cx="2133600" cy="365125"/>
+            <a:off x="628650" y="6356351"/>
+            <a:ext cx="2057400" cy="365125"/>
           </a:xfrm>
           <a:prstGeom prst="rect">
             <a:avLst/>
@@ -2715,7 +3969,7 @@
           <a:bodyPr vert="horz" lIns="91440" tIns="45720" rIns="91440" bIns="45720" rtlCol="0" anchor="ctr"/>
           <a:lstStyle>
             <a:lvl1pPr algn="l">
-              <a:defRPr sz="1200">
+              <a:defRPr sz="1600">
                 <a:solidFill>
                   <a:schemeClr val="tx1">
                     <a:tint val="75000"/>
@@ -2725,17 +3979,23 @@
             </a:lvl1pPr>
           </a:lstStyle>
           <a:p>
-            <a:fld id="{5BCAD085-E8A6-8845-BD4E-CB4CCA059FC4}" type="datetimeFigureOut">
-              <a:rPr lang="en-US" smtClean="0"/>
-              <a:t>1/27/13</a:t>
+            <a:fld id="{37E93E0A-5177-400C-87C9-C93AF466EC49}" type="datetimeFigureOut">
+              <a:rPr lang="en-US" dirty="0"/>
+              <a:t>10/10/2025</a:t>
             </a:fld>
-            <a:endParaRPr lang="en-US"/>
-          </a:p>
-        </p:txBody>
-      </p:sp>
-      <p:sp>
-        <p:nvSpPr>
-          <p:cNvPr id="5" name="Footer Placeholder 4"/>
+            <a:endParaRPr lang="en-US" dirty="0"/>
+          </a:p>
+        </p:txBody>
+      </p:sp>
+      <p:sp>
+        <p:nvSpPr>
+          <p:cNvPr id="5" name="Footer Placeholder 4">
+            <a:extLst>
+              <a:ext uri="{FF2B5EF4-FFF2-40B4-BE49-F238E27FC236}">
+                <a16:creationId xmlns:a16="http://schemas.microsoft.com/office/drawing/2014/main" id="{07D5A696-7B4B-4181-A961-7D66556D507F}"/>
+              </a:ext>
+            </a:extLst>
+          </p:cNvPr>
           <p:cNvSpPr>
             <a:spLocks noGrp="1"/>
           </p:cNvSpPr>
@@ -2745,8 +4005,8 @@
         </p:nvSpPr>
         <p:spPr>
           <a:xfrm>
-            <a:off x="3124200" y="6356350"/>
-            <a:ext cx="2895600" cy="365125"/>
+            <a:off x="3028950" y="6356351"/>
+            <a:ext cx="3086100" cy="365125"/>
           </a:xfrm>
           <a:prstGeom prst="rect">
             <a:avLst/>
@@ -2756,7 +4016,7 @@
           <a:bodyPr vert="horz" lIns="91440" tIns="45720" rIns="91440" bIns="45720" rtlCol="0" anchor="ctr"/>
           <a:lstStyle>
             <a:lvl1pPr algn="ctr">
-              <a:defRPr sz="1200">
+              <a:defRPr sz="1600">
                 <a:solidFill>
                   <a:schemeClr val="tx1">
                     <a:tint val="75000"/>
@@ -2766,13 +4026,19 @@
             </a:lvl1pPr>
           </a:lstStyle>
           <a:p>
-            <a:endParaRPr lang="en-US"/>
-          </a:p>
-        </p:txBody>
-      </p:sp>
-      <p:sp>
-        <p:nvSpPr>
-          <p:cNvPr id="6" name="Slide Number Placeholder 5"/>
+            <a:endParaRPr lang="en-US" dirty="0"/>
+          </a:p>
+        </p:txBody>
+      </p:sp>
+      <p:sp>
+        <p:nvSpPr>
+          <p:cNvPr id="6" name="Slide Number Placeholder 5">
+            <a:extLst>
+              <a:ext uri="{FF2B5EF4-FFF2-40B4-BE49-F238E27FC236}">
+                <a16:creationId xmlns:a16="http://schemas.microsoft.com/office/drawing/2014/main" id="{23038CB5-8F4A-401D-A3A9-B27DC15B7A81}"/>
+              </a:ext>
+            </a:extLst>
+          </p:cNvPr>
           <p:cNvSpPr>
             <a:spLocks noGrp="1"/>
           </p:cNvSpPr>
@@ -2782,8 +4048,8 @@
         </p:nvSpPr>
         <p:spPr>
           <a:xfrm>
-            <a:off x="6553200" y="6356350"/>
-            <a:ext cx="2133600" cy="365125"/>
+            <a:off x="6457950" y="6356351"/>
+            <a:ext cx="2057400" cy="365125"/>
           </a:xfrm>
           <a:prstGeom prst="rect">
             <a:avLst/>
@@ -2793,7 +4059,7 @@
           <a:bodyPr vert="horz" lIns="91440" tIns="45720" rIns="91440" bIns="45720" rtlCol="0" anchor="ctr"/>
           <a:lstStyle>
             <a:lvl1pPr algn="r">
-              <a:defRPr sz="1200">
+              <a:defRPr sz="1600">
                 <a:solidFill>
                   <a:schemeClr val="tx1">
                     <a:tint val="75000"/>
@@ -2803,38 +4069,42 @@
             </a:lvl1pPr>
           </a:lstStyle>
           <a:p>
-            <a:fld id="{C1FF6DA9-008F-8B48-92A6-B652298478BF}" type="slidenum">
-              <a:rPr lang="en-US" smtClean="0"/>
-              <a:t>‹#›</a:t>
+            <a:fld id="{94917615-2DB4-4DAA-9DE3-B2B689A846E0}" type="slidenum">
+              <a:rPr lang="en-US" dirty="0"/>
+              <a:t>‹nº›</a:t>
             </a:fld>
-            <a:endParaRPr lang="en-US"/>
+            <a:endParaRPr lang="en-US" dirty="0"/>
           </a:p>
         </p:txBody>
       </p:sp>
     </p:spTree>
     <p:extLst>
       <p:ext uri="{BB962C8B-B14F-4D97-AF65-F5344CB8AC3E}">
-        <p14:creationId xmlns:p14="http://schemas.microsoft.com/office/powerpoint/2010/main" val="2209977519"/>
+        <p14:creationId xmlns:p14="http://schemas.microsoft.com/office/powerpoint/2010/main" val="3570607529"/>
       </p:ext>
     </p:extLst>
   </p:cSld>
   <p:clrMap bg1="lt1" tx1="dk1" bg2="lt2" tx2="dk2" accent1="accent1" accent2="accent2" accent3="accent3" accent4="accent4" accent5="accent5" accent6="accent6" hlink="hlink" folHlink="folHlink"/>
   <p:sldLayoutIdLst>
-    <p:sldLayoutId id="2147483649" r:id="rId1"/>
-    <p:sldLayoutId id="2147483650" r:id="rId2"/>
-    <p:sldLayoutId id="2147483651" r:id="rId3"/>
-    <p:sldLayoutId id="2147483652" r:id="rId4"/>
-    <p:sldLayoutId id="2147483653" r:id="rId5"/>
-    <p:sldLayoutId id="2147483654" r:id="rId6"/>
-    <p:sldLayoutId id="2147483655" r:id="rId7"/>
-    <p:sldLayoutId id="2147483656" r:id="rId8"/>
-    <p:sldLayoutId id="2147483657" r:id="rId9"/>
-    <p:sldLayoutId id="2147483658" r:id="rId10"/>
-    <p:sldLayoutId id="2147483659" r:id="rId11"/>
+    <p:sldLayoutId id="2147483661" r:id="rId1"/>
+    <p:sldLayoutId id="2147483662" r:id="rId2"/>
+    <p:sldLayoutId id="2147483663" r:id="rId3"/>
+    <p:sldLayoutId id="2147483664" r:id="rId4"/>
+    <p:sldLayoutId id="2147483665" r:id="rId5"/>
+    <p:sldLayoutId id="2147483666" r:id="rId6"/>
+    <p:sldLayoutId id="2147483667" r:id="rId7"/>
+    <p:sldLayoutId id="2147483668" r:id="rId8"/>
+    <p:sldLayoutId id="2147483669" r:id="rId9"/>
+    <p:sldLayoutId id="2147483670" r:id="rId10"/>
+    <p:sldLayoutId id="2147483671" r:id="rId11"/>
   </p:sldLayoutIdLst>
+  <p:hf hdr="0"/>
   <p:txStyles>
     <p:titleStyle>
-      <a:lvl1pPr algn="ctr" defTabSz="457200" rtl="0" eaLnBrk="1" latinLnBrk="0" hangingPunct="1">
+      <a:lvl1pPr algn="l" defTabSz="914400" rtl="0" eaLnBrk="1" latinLnBrk="0" hangingPunct="1">
+        <a:lnSpc>
+          <a:spcPct val="90000"/>
+        </a:lnSpc>
         <a:spcBef>
           <a:spcPct val="0"/>
         </a:spcBef>
@@ -2850,13 +4120,16 @@
       </a:lvl1pPr>
     </p:titleStyle>
     <p:bodyStyle>
-      <a:lvl1pPr marL="342900" indent="-342900" algn="l" defTabSz="457200" rtl="0" eaLnBrk="1" latinLnBrk="0" hangingPunct="1">
+      <a:lvl1pPr marL="228600" indent="-228600" algn="l" defTabSz="914400" rtl="0" eaLnBrk="1" latinLnBrk="0" hangingPunct="1">
+        <a:lnSpc>
+          <a:spcPct val="110000"/>
+        </a:lnSpc>
         <a:spcBef>
-          <a:spcPct val="20000"/>
+          <a:spcPts val="1000"/>
         </a:spcBef>
-        <a:buFont typeface="Arial"/>
+        <a:buFont typeface="Arial" panose="020B0604020202020204" pitchFamily="34" charset="0"/>
         <a:buChar char="•"/>
-        <a:defRPr sz="3200" kern="1200">
+        <a:defRPr sz="2800" kern="1200">
           <a:solidFill>
             <a:schemeClr val="tx1"/>
           </a:solidFill>
@@ -2865,26 +4138,14 @@
           <a:cs typeface="+mn-cs"/>
         </a:defRPr>
       </a:lvl1pPr>
-      <a:lvl2pPr marL="742950" indent="-285750" algn="l" defTabSz="457200" rtl="0" eaLnBrk="1" latinLnBrk="0" hangingPunct="1">
+      <a:lvl2pPr marL="685800" indent="-228600" algn="l" defTabSz="914400" rtl="0" eaLnBrk="1" latinLnBrk="0" hangingPunct="1">
+        <a:lnSpc>
+          <a:spcPct val="110000"/>
+        </a:lnSpc>
         <a:spcBef>
-          <a:spcPct val="20000"/>
+          <a:spcPts val="500"/>
         </a:spcBef>
-        <a:buFont typeface="Arial"/>
-        <a:buChar char="–"/>
-        <a:defRPr sz="2800" kern="1200">
-          <a:solidFill>
-            <a:schemeClr val="tx1"/>
-          </a:solidFill>
-          <a:latin typeface="+mn-lt"/>
-          <a:ea typeface="+mn-ea"/>
-          <a:cs typeface="+mn-cs"/>
-        </a:defRPr>
-      </a:lvl2pPr>
-      <a:lvl3pPr marL="1143000" indent="-228600" algn="l" defTabSz="457200" rtl="0" eaLnBrk="1" latinLnBrk="0" hangingPunct="1">
-        <a:spcBef>
-          <a:spcPct val="20000"/>
-        </a:spcBef>
-        <a:buFont typeface="Arial"/>
+        <a:buFont typeface="Arial" panose="020B0604020202020204" pitchFamily="34" charset="0"/>
         <a:buChar char="•"/>
         <a:defRPr sz="2400" kern="1200">
           <a:solidFill>
@@ -2894,42 +4155,15 @@
           <a:ea typeface="+mn-ea"/>
           <a:cs typeface="+mn-cs"/>
         </a:defRPr>
-      </a:lvl3pPr>
-      <a:lvl4pPr marL="1600200" indent="-228600" algn="l" defTabSz="457200" rtl="0" eaLnBrk="1" latinLnBrk="0" hangingPunct="1">
+      </a:lvl2pPr>
+      <a:lvl3pPr marL="1143000" indent="-228600" algn="l" defTabSz="914400" rtl="0" eaLnBrk="1" latinLnBrk="0" hangingPunct="1">
+        <a:lnSpc>
+          <a:spcPct val="110000"/>
+        </a:lnSpc>
         <a:spcBef>
-          <a:spcPct val="20000"/>
+          <a:spcPts val="500"/>
         </a:spcBef>
-        <a:buFont typeface="Arial"/>
-        <a:buChar char="–"/>
-        <a:defRPr sz="2000" kern="1200">
-          <a:solidFill>
-            <a:schemeClr val="tx1"/>
-          </a:solidFill>
-          <a:latin typeface="+mn-lt"/>
-          <a:ea typeface="+mn-ea"/>
-          <a:cs typeface="+mn-cs"/>
-        </a:defRPr>
-      </a:lvl4pPr>
-      <a:lvl5pPr marL="2057400" indent="-228600" algn="l" defTabSz="457200" rtl="0" eaLnBrk="1" latinLnBrk="0" hangingPunct="1">
-        <a:spcBef>
-          <a:spcPct val="20000"/>
-        </a:spcBef>
-        <a:buFont typeface="Arial"/>
-        <a:buChar char="»"/>
-        <a:defRPr sz="2000" kern="1200">
-          <a:solidFill>
-            <a:schemeClr val="tx1"/>
-          </a:solidFill>
-          <a:latin typeface="+mn-lt"/>
-          <a:ea typeface="+mn-ea"/>
-          <a:cs typeface="+mn-cs"/>
-        </a:defRPr>
-      </a:lvl5pPr>
-      <a:lvl6pPr marL="2514600" indent="-228600" algn="l" defTabSz="457200" rtl="0" eaLnBrk="1" latinLnBrk="0" hangingPunct="1">
-        <a:spcBef>
-          <a:spcPct val="20000"/>
-        </a:spcBef>
-        <a:buFont typeface="Arial"/>
+        <a:buFont typeface="Arial" panose="020B0604020202020204" pitchFamily="34" charset="0"/>
         <a:buChar char="•"/>
         <a:defRPr sz="2000" kern="1200">
           <a:solidFill>
@@ -2939,14 +4173,71 @@
           <a:ea typeface="+mn-ea"/>
           <a:cs typeface="+mn-cs"/>
         </a:defRPr>
+      </a:lvl3pPr>
+      <a:lvl4pPr marL="1600200" indent="-228600" algn="l" defTabSz="914400" rtl="0" eaLnBrk="1" latinLnBrk="0" hangingPunct="1">
+        <a:lnSpc>
+          <a:spcPct val="110000"/>
+        </a:lnSpc>
+        <a:spcBef>
+          <a:spcPts val="500"/>
+        </a:spcBef>
+        <a:buFont typeface="Arial" panose="020B0604020202020204" pitchFamily="34" charset="0"/>
+        <a:buChar char="•"/>
+        <a:defRPr sz="1800" kern="1200">
+          <a:solidFill>
+            <a:schemeClr val="tx1"/>
+          </a:solidFill>
+          <a:latin typeface="+mn-lt"/>
+          <a:ea typeface="+mn-ea"/>
+          <a:cs typeface="+mn-cs"/>
+        </a:defRPr>
+      </a:lvl4pPr>
+      <a:lvl5pPr marL="2057400" indent="-228600" algn="l" defTabSz="914400" rtl="0" eaLnBrk="1" latinLnBrk="0" hangingPunct="1">
+        <a:lnSpc>
+          <a:spcPct val="110000"/>
+        </a:lnSpc>
+        <a:spcBef>
+          <a:spcPts val="500"/>
+        </a:spcBef>
+        <a:buFont typeface="Arial" panose="020B0604020202020204" pitchFamily="34" charset="0"/>
+        <a:buChar char="•"/>
+        <a:defRPr sz="1800" kern="1200">
+          <a:solidFill>
+            <a:schemeClr val="tx1"/>
+          </a:solidFill>
+          <a:latin typeface="+mn-lt"/>
+          <a:ea typeface="+mn-ea"/>
+          <a:cs typeface="+mn-cs"/>
+        </a:defRPr>
+      </a:lvl5pPr>
+      <a:lvl6pPr marL="2514600" indent="-228600" algn="l" defTabSz="914400" rtl="0" eaLnBrk="1" latinLnBrk="0" hangingPunct="1">
+        <a:lnSpc>
+          <a:spcPct val="90000"/>
+        </a:lnSpc>
+        <a:spcBef>
+          <a:spcPts val="500"/>
+        </a:spcBef>
+        <a:buFont typeface="Arial" panose="020B0604020202020204" pitchFamily="34" charset="0"/>
+        <a:buChar char="•"/>
+        <a:defRPr sz="1800" kern="1200">
+          <a:solidFill>
+            <a:schemeClr val="tx1"/>
+          </a:solidFill>
+          <a:latin typeface="+mn-lt"/>
+          <a:ea typeface="+mn-ea"/>
+          <a:cs typeface="+mn-cs"/>
+        </a:defRPr>
       </a:lvl6pPr>
-      <a:lvl7pPr marL="2971800" indent="-228600" algn="l" defTabSz="457200" rtl="0" eaLnBrk="1" latinLnBrk="0" hangingPunct="1">
+      <a:lvl7pPr marL="2971800" indent="-228600" algn="l" defTabSz="914400" rtl="0" eaLnBrk="1" latinLnBrk="0" hangingPunct="1">
+        <a:lnSpc>
+          <a:spcPct val="90000"/>
+        </a:lnSpc>
         <a:spcBef>
-          <a:spcPct val="20000"/>
+          <a:spcPts val="500"/>
         </a:spcBef>
-        <a:buFont typeface="Arial"/>
+        <a:buFont typeface="Arial" panose="020B0604020202020204" pitchFamily="34" charset="0"/>
         <a:buChar char="•"/>
-        <a:defRPr sz="2000" kern="1200">
+        <a:defRPr sz="1800" kern="1200">
           <a:solidFill>
             <a:schemeClr val="tx1"/>
           </a:solidFill>
@@ -2955,13 +4246,16 @@
           <a:cs typeface="+mn-cs"/>
         </a:defRPr>
       </a:lvl7pPr>
-      <a:lvl8pPr marL="3429000" indent="-228600" algn="l" defTabSz="457200" rtl="0" eaLnBrk="1" latinLnBrk="0" hangingPunct="1">
+      <a:lvl8pPr marL="3429000" indent="-228600" algn="l" defTabSz="914400" rtl="0" eaLnBrk="1" latinLnBrk="0" hangingPunct="1">
+        <a:lnSpc>
+          <a:spcPct val="90000"/>
+        </a:lnSpc>
         <a:spcBef>
-          <a:spcPct val="20000"/>
+          <a:spcPts val="500"/>
         </a:spcBef>
-        <a:buFont typeface="Arial"/>
+        <a:buFont typeface="Arial" panose="020B0604020202020204" pitchFamily="34" charset="0"/>
         <a:buChar char="•"/>
-        <a:defRPr sz="2000" kern="1200">
+        <a:defRPr sz="1800" kern="1200">
           <a:solidFill>
             <a:schemeClr val="tx1"/>
           </a:solidFill>
@@ -2970,13 +4264,16 @@
           <a:cs typeface="+mn-cs"/>
         </a:defRPr>
       </a:lvl8pPr>
-      <a:lvl9pPr marL="3886200" indent="-228600" algn="l" defTabSz="457200" rtl="0" eaLnBrk="1" latinLnBrk="0" hangingPunct="1">
+      <a:lvl9pPr marL="3886200" indent="-228600" algn="l" defTabSz="914400" rtl="0" eaLnBrk="1" latinLnBrk="0" hangingPunct="1">
+        <a:lnSpc>
+          <a:spcPct val="90000"/>
+        </a:lnSpc>
         <a:spcBef>
-          <a:spcPct val="20000"/>
+          <a:spcPts val="500"/>
         </a:spcBef>
-        <a:buFont typeface="Arial"/>
+        <a:buFont typeface="Arial" panose="020B0604020202020204" pitchFamily="34" charset="0"/>
         <a:buChar char="•"/>
-        <a:defRPr sz="2000" kern="1200">
+        <a:defRPr sz="1800" kern="1200">
           <a:solidFill>
             <a:schemeClr val="tx1"/>
           </a:solidFill>
@@ -2990,7 +4287,7 @@
       <a:defPPr>
         <a:defRPr lang="en-US"/>
       </a:defPPr>
-      <a:lvl1pPr marL="0" algn="l" defTabSz="457200" rtl="0" eaLnBrk="1" latinLnBrk="0" hangingPunct="1">
+      <a:lvl1pPr marL="0" algn="l" defTabSz="914400" rtl="0" eaLnBrk="1" latinLnBrk="0" hangingPunct="1">
         <a:defRPr sz="1800" kern="1200">
           <a:solidFill>
             <a:schemeClr val="tx1"/>
@@ -3000,7 +4297,7 @@
           <a:cs typeface="+mn-cs"/>
         </a:defRPr>
       </a:lvl1pPr>
-      <a:lvl2pPr marL="457200" algn="l" defTabSz="457200" rtl="0" eaLnBrk="1" latinLnBrk="0" hangingPunct="1">
+      <a:lvl2pPr marL="457200" algn="l" defTabSz="914400" rtl="0" eaLnBrk="1" latinLnBrk="0" hangingPunct="1">
         <a:defRPr sz="1800" kern="1200">
           <a:solidFill>
             <a:schemeClr val="tx1"/>
@@ -3010,7 +4307,7 @@
           <a:cs typeface="+mn-cs"/>
         </a:defRPr>
       </a:lvl2pPr>
-      <a:lvl3pPr marL="914400" algn="l" defTabSz="457200" rtl="0" eaLnBrk="1" latinLnBrk="0" hangingPunct="1">
+      <a:lvl3pPr marL="914400" algn="l" defTabSz="914400" rtl="0" eaLnBrk="1" latinLnBrk="0" hangingPunct="1">
         <a:defRPr sz="1800" kern="1200">
           <a:solidFill>
             <a:schemeClr val="tx1"/>
@@ -3020,7 +4317,7 @@
           <a:cs typeface="+mn-cs"/>
         </a:defRPr>
       </a:lvl3pPr>
-      <a:lvl4pPr marL="1371600" algn="l" defTabSz="457200" rtl="0" eaLnBrk="1" latinLnBrk="0" hangingPunct="1">
+      <a:lvl4pPr marL="1371600" algn="l" defTabSz="914400" rtl="0" eaLnBrk="1" latinLnBrk="0" hangingPunct="1">
         <a:defRPr sz="1800" kern="1200">
           <a:solidFill>
             <a:schemeClr val="tx1"/>
@@ -3030,7 +4327,7 @@
           <a:cs typeface="+mn-cs"/>
         </a:defRPr>
       </a:lvl4pPr>
-      <a:lvl5pPr marL="1828800" algn="l" defTabSz="457200" rtl="0" eaLnBrk="1" latinLnBrk="0" hangingPunct="1">
+      <a:lvl5pPr marL="1828800" algn="l" defTabSz="914400" rtl="0" eaLnBrk="1" latinLnBrk="0" hangingPunct="1">
         <a:defRPr sz="1800" kern="1200">
           <a:solidFill>
             <a:schemeClr val="tx1"/>
@@ -3040,7 +4337,7 @@
           <a:cs typeface="+mn-cs"/>
         </a:defRPr>
       </a:lvl5pPr>
-      <a:lvl6pPr marL="2286000" algn="l" defTabSz="457200" rtl="0" eaLnBrk="1" latinLnBrk="0" hangingPunct="1">
+      <a:lvl6pPr marL="2286000" algn="l" defTabSz="914400" rtl="0" eaLnBrk="1" latinLnBrk="0" hangingPunct="1">
         <a:defRPr sz="1800" kern="1200">
           <a:solidFill>
             <a:schemeClr val="tx1"/>
@@ -3050,7 +4347,7 @@
           <a:cs typeface="+mn-cs"/>
         </a:defRPr>
       </a:lvl6pPr>
-      <a:lvl7pPr marL="2743200" algn="l" defTabSz="457200" rtl="0" eaLnBrk="1" latinLnBrk="0" hangingPunct="1">
+      <a:lvl7pPr marL="2743200" algn="l" defTabSz="914400" rtl="0" eaLnBrk="1" latinLnBrk="0" hangingPunct="1">
         <a:defRPr sz="1800" kern="1200">
           <a:solidFill>
             <a:schemeClr val="tx1"/>
@@ -3060,7 +4357,7 @@
           <a:cs typeface="+mn-cs"/>
         </a:defRPr>
       </a:lvl7pPr>
-      <a:lvl8pPr marL="3200400" algn="l" defTabSz="457200" rtl="0" eaLnBrk="1" latinLnBrk="0" hangingPunct="1">
+      <a:lvl8pPr marL="3200400" algn="l" defTabSz="914400" rtl="0" eaLnBrk="1" latinLnBrk="0" hangingPunct="1">
         <a:defRPr sz="1800" kern="1200">
           <a:solidFill>
             <a:schemeClr val="tx1"/>
@@ -3070,7 +4367,7 @@
           <a:cs typeface="+mn-cs"/>
         </a:defRPr>
       </a:lvl8pPr>
-      <a:lvl9pPr marL="3657600" algn="l" defTabSz="457200" rtl="0" eaLnBrk="1" latinLnBrk="0" hangingPunct="1">
+      <a:lvl9pPr marL="3657600" algn="l" defTabSz="914400" rtl="0" eaLnBrk="1" latinLnBrk="0" hangingPunct="1">
         <a:defRPr sz="1800" kern="1200">
           <a:solidFill>
             <a:schemeClr val="tx1"/>
@@ -3086,7 +4383,7 @@
 </file>
 
 <file path=ppt/slides/slide1.xml><?xml version="1.0" encoding="utf-8"?>
-<p:sld xmlns:a="http://schemas.openxmlformats.org/drawingml/2006/main" xmlns:p="http://schemas.openxmlformats.org/presentationml/2006/main" xmlns:r="http://schemas.openxmlformats.org/officeDocument/2006/relationships">
+<p:sld xmlns:a="http://schemas.openxmlformats.org/drawingml/2006/main" xmlns:r="http://schemas.openxmlformats.org/officeDocument/2006/relationships" xmlns:p="http://schemas.openxmlformats.org/presentationml/2006/main">
   <p:cSld>
     <p:spTree>
       <p:nvGrpSpPr>
@@ -3094,7 +4391,14 @@
         <p:cNvGrpSpPr/>
         <p:nvPr/>
       </p:nvGrpSpPr>
-      <p:grpSpPr/>
+      <p:grpSpPr>
+        <a:xfrm>
+          <a:off x="0" y="0"/>
+          <a:ext cx="0" cy="0"/>
+          <a:chOff x="0" y="0"/>
+          <a:chExt cx="0" cy="0"/>
+        </a:xfrm>
+      </p:grpSpPr>
       <p:sp>
         <p:nvSpPr>
           <p:cNvPr id="2" name="Title 1"/>
@@ -3107,12 +4411,140 @@
         </p:nvSpPr>
         <p:spPr/>
         <p:txBody>
-          <a:bodyPr/>
-          <a:lstStyle/>
-          <a:p>
-            <a:r>
-              <a:t>Seminário Interativo — A ciência nas artes</a:t>
-            </a:r>
+          <a:bodyPr>
+            <a:normAutofit fontScale="90000"/>
+          </a:bodyPr>
+          <a:lstStyle/>
+          <a:p>
+            <a:pPr algn="ctr"/>
+            <a:r>
+              <a:rPr lang="pt-BR" sz="2600" dirty="0">
+                <a:solidFill>
+                  <a:srgbClr val="36F805"/>
+                </a:solidFill>
+                <a:latin typeface="Segoe UI"/>
+                <a:cs typeface="Segoe UI"/>
+              </a:rPr>
+              <a:t>Instituto Federal de Educação, Ciência e Tecnologia do Rio Grande do Norte</a:t>
+            </a:r>
+            <a:endParaRPr lang="pt-BR" dirty="0"/>
+          </a:p>
+          <a:p>
+            <a:pPr algn="ctr"/>
+            <a:r>
+              <a:rPr lang="pt-BR" sz="2600" dirty="0">
+                <a:solidFill>
+                  <a:srgbClr val="36F805"/>
+                </a:solidFill>
+                <a:latin typeface="Segoe UI"/>
+                <a:cs typeface="Segoe UI"/>
+              </a:rPr>
+              <a:t>Campus Natal-Central</a:t>
+            </a:r>
+            <a:br>
+              <a:rPr lang="pt-BR" sz="2600" dirty="0">
+                <a:solidFill>
+                  <a:srgbClr val="36F805"/>
+                </a:solidFill>
+                <a:latin typeface="Segoe UI"/>
+                <a:cs typeface="Segoe UI"/>
+              </a:rPr>
+            </a:br>
+            <a:endParaRPr lang="pt-BR" sz="2600">
+              <a:latin typeface="Segoe UI"/>
+              <a:cs typeface="Segoe UI"/>
+            </a:endParaRPr>
+          </a:p>
+          <a:p>
+            <a:pPr algn="ctr"/>
+            <a:r>
+              <a:rPr lang="pt-BR" sz="2600" dirty="0">
+                <a:solidFill>
+                  <a:srgbClr val="FFFF00"/>
+                </a:solidFill>
+              </a:rPr>
+              <a:t>Disciplina: Práticas educativas</a:t>
+            </a:r>
+            <a:br>
+              <a:rPr lang="pt-BR" sz="2600" dirty="0">
+                <a:solidFill>
+                  <a:srgbClr val="FFFF00"/>
+                </a:solidFill>
+              </a:rPr>
+            </a:br>
+            <a:endParaRPr lang="pt-BR" sz="2600" dirty="0"/>
+          </a:p>
+          <a:p>
+            <a:pPr algn="ctr"/>
+            <a:r>
+              <a:rPr lang="pt-BR" sz="2400" dirty="0">
+                <a:solidFill>
+                  <a:srgbClr val="FFC0CB"/>
+                </a:solidFill>
+                <a:latin typeface="Segoe UI"/>
+                <a:cs typeface="Segoe UI"/>
+              </a:rPr>
+              <a:t>Prof.a </a:t>
+            </a:r>
+            <a:r>
+              <a:rPr lang="pt-BR" sz="2400" err="1">
+                <a:solidFill>
+                  <a:srgbClr val="FFC0CB"/>
+                </a:solidFill>
+                <a:latin typeface="Segoe UI"/>
+                <a:cs typeface="Segoe UI"/>
+              </a:rPr>
+              <a:t>DR.a</a:t>
+            </a:r>
+            <a:r>
+              <a:rPr lang="pt-BR" sz="2400" dirty="0">
+                <a:solidFill>
+                  <a:srgbClr val="FFC0CB"/>
+                </a:solidFill>
+                <a:latin typeface="Segoe UI"/>
+                <a:cs typeface="Segoe UI"/>
+              </a:rPr>
+              <a:t> Viviane Souza De Oliveira</a:t>
+            </a:r>
+            <a:endParaRPr lang="pt-BR" sz="2400"/>
+          </a:p>
+          <a:p>
+            <a:pPr algn="ctr"/>
+            <a:r>
+              <a:rPr lang="pt-BR" sz="2800" dirty="0">
+                <a:solidFill>
+                  <a:srgbClr val="10B981"/>
+                </a:solidFill>
+                <a:latin typeface="Segoe UI"/>
+                <a:cs typeface="Segoe UI"/>
+              </a:rPr>
+              <a:t>Aluno: Rafael Bruno da Silva</a:t>
+            </a:r>
+            <a:br>
+              <a:rPr lang="pt-BR" sz="2800" dirty="0">
+                <a:solidFill>
+                  <a:srgbClr val="10B981"/>
+                </a:solidFill>
+                <a:latin typeface="Segoe UI"/>
+                <a:cs typeface="Segoe UI"/>
+              </a:rPr>
+            </a:br>
+            <a:endParaRPr lang="pt-BR" sz="2800" dirty="0"/>
+          </a:p>
+          <a:p>
+            <a:pPr algn="ctr"/>
+            <a:r>
+              <a:rPr lang="pt-BR" sz="3600" dirty="0">
+                <a:solidFill>
+                  <a:srgbClr val="FFFF00"/>
+                </a:solidFill>
+              </a:rPr>
+              <a:t>Seminário interativo — A ciência nas artes</a:t>
+            </a:r>
+            <a:endParaRPr lang="pt-BR" sz="3600" dirty="0"/>
+          </a:p>
+          <a:p>
+            <a:endParaRPr lang="pt-BR" sz="3600" dirty="0"/>
           </a:p>
         </p:txBody>
       </p:sp>
@@ -3128,22 +4560,40 @@
         </p:nvSpPr>
         <p:spPr/>
         <p:txBody>
-          <a:bodyPr/>
-          <a:lstStyle/>
-          <a:p>
-            <a:r>
-              <a:t>Aluno: Rafael Bruno da Silva</a:t>
-            </a:r>
-          </a:p>
-          <a:p>
-            <a:r>
-              <a:t>Prof.a Dr.a Viviane Souza de Oliveira</a:t>
-            </a:r>
-          </a:p>
-          <a:p>
-            <a:r>
-              <a:t>Instituto Federal do Rio Grande do Norte — Campus Natal-Central</a:t>
-            </a:r>
+          <a:bodyPr vert="horz" lIns="91440" tIns="45720" rIns="91440" bIns="45720" rtlCol="0" anchor="t">
+            <a:normAutofit fontScale="55000" lnSpcReduction="20000"/>
+          </a:bodyPr>
+          <a:lstStyle/>
+          <a:p>
+            <a:pPr algn="ctr"/>
+            <a:r>
+              <a:rPr lang="pt-BR" sz="3800" dirty="0">
+                <a:solidFill>
+                  <a:srgbClr val="1F2937"/>
+                </a:solidFill>
+                <a:latin typeface="Impact"/>
+              </a:rPr>
+              <a:t>Luís da Câmara Cascudo</a:t>
+            </a:r>
+            <a:endParaRPr lang="pt-BR" dirty="0"/>
+          </a:p>
+          <a:p>
+            <a:pPr algn="ctr"/>
+            <a:r>
+              <a:rPr lang="pt-BR" sz="3700" dirty="0">
+                <a:solidFill>
+                  <a:srgbClr val="002060"/>
+                </a:solidFill>
+                <a:latin typeface="Segoe UI"/>
+                <a:cs typeface="Segoe UI"/>
+              </a:rPr>
+              <a:t>Historiador, sociólogo, musicólogo, antropólogo, etnógrafo, folclorista, poeta, cronista, professor, advogado, jornalista e escritor brasileiro</a:t>
+            </a:r>
+            <a:endParaRPr lang="pt-BR" sz="3700">
+              <a:solidFill>
+                <a:srgbClr val="002060"/>
+              </a:solidFill>
+            </a:endParaRPr>
           </a:p>
         </p:txBody>
       </p:sp>
@@ -3155,8 +4605,8 @@
 </p:sld>
 </file>
 
-<file path=ppt/slides/slide2.xml><?xml version="1.0" encoding="utf-8"?>
-<p:sld xmlns:a="http://schemas.openxmlformats.org/drawingml/2006/main" xmlns:p="http://schemas.openxmlformats.org/presentationml/2006/main" xmlns:r="http://schemas.openxmlformats.org/officeDocument/2006/relationships">
+<file path=ppt/slides/slide10.xml><?xml version="1.0" encoding="utf-8"?>
+<p:sld xmlns:a="http://schemas.openxmlformats.org/drawingml/2006/main" xmlns:r="http://schemas.openxmlformats.org/officeDocument/2006/relationships" xmlns:p="http://schemas.openxmlformats.org/presentationml/2006/main">
   <p:cSld>
     <p:spTree>
       <p:nvGrpSpPr>
@@ -3164,7 +4614,504 @@
         <p:cNvGrpSpPr/>
         <p:nvPr/>
       </p:nvGrpSpPr>
-      <p:grpSpPr/>
+      <p:grpSpPr>
+        <a:xfrm>
+          <a:off x="0" y="0"/>
+          <a:ext cx="0" cy="0"/>
+          <a:chOff x="0" y="0"/>
+          <a:chExt cx="0" cy="0"/>
+        </a:xfrm>
+      </p:grpSpPr>
+      <p:sp>
+        <p:nvSpPr>
+          <p:cNvPr id="2" name="Título 1">
+            <a:extLst>
+              <a:ext uri="{FF2B5EF4-FFF2-40B4-BE49-F238E27FC236}">
+                <a16:creationId xmlns:a16="http://schemas.microsoft.com/office/drawing/2014/main" id="{A0D96291-4013-39AC-0952-C048641B56FE}"/>
+              </a:ext>
+            </a:extLst>
+          </p:cNvPr>
+          <p:cNvSpPr>
+            <a:spLocks noGrp="1"/>
+          </p:cNvSpPr>
+          <p:nvPr>
+            <p:ph type="title"/>
+          </p:nvPr>
+        </p:nvSpPr>
+        <p:spPr/>
+        <p:txBody>
+          <a:bodyPr/>
+          <a:lstStyle/>
+          <a:p>
+            <a:r>
+              <a:rPr lang="pt-BR" sz="3800" b="1" dirty="0">
+                <a:solidFill>
+                  <a:srgbClr val="1F2937"/>
+                </a:solidFill>
+                <a:latin typeface="Impact"/>
+                <a:cs typeface="Segoe UI"/>
+              </a:rPr>
+              <a:t>Obras Literárias e Legado Eterno</a:t>
+            </a:r>
+            <a:endParaRPr lang="pt-BR" dirty="0"/>
+          </a:p>
+          <a:p>
+            <a:endParaRPr lang="pt-BR" sz="3800" dirty="0">
+              <a:solidFill>
+                <a:srgbClr val="002060"/>
+              </a:solidFill>
+              <a:latin typeface="Segoe UI"/>
+              <a:cs typeface="Segoe UI"/>
+            </a:endParaRPr>
+          </a:p>
+        </p:txBody>
+      </p:sp>
+      <p:sp>
+        <p:nvSpPr>
+          <p:cNvPr id="3" name="Espaço Reservado para Conteúdo 2">
+            <a:extLst>
+              <a:ext uri="{FF2B5EF4-FFF2-40B4-BE49-F238E27FC236}">
+                <a16:creationId xmlns:a16="http://schemas.microsoft.com/office/drawing/2014/main" id="{1DB9FBF4-D18C-842F-0064-233E924581E8}"/>
+              </a:ext>
+            </a:extLst>
+          </p:cNvPr>
+          <p:cNvSpPr>
+            <a:spLocks noGrp="1"/>
+          </p:cNvSpPr>
+          <p:nvPr>
+            <p:ph idx="1"/>
+          </p:nvPr>
+        </p:nvSpPr>
+        <p:spPr/>
+        <p:txBody>
+          <a:bodyPr vert="horz" lIns="91440" tIns="45720" rIns="91440" bIns="45720" rtlCol="0" anchor="t">
+            <a:normAutofit fontScale="55000" lnSpcReduction="20000"/>
+          </a:bodyPr>
+          <a:lstStyle/>
+          <a:p>
+            <a:r>
+              <a:rPr lang="pt-BR" b="1" dirty="0">
+                <a:solidFill>
+                  <a:srgbClr val="1F2937"/>
+                </a:solidFill>
+                <a:latin typeface="Segoe UI"/>
+                <a:cs typeface="Segoe UI"/>
+              </a:rPr>
+              <a:t>Dicionário do Folclore Brasileiro (1979)</a:t>
+            </a:r>
+            <a:r>
+              <a:rPr lang="pt-BR" dirty="0">
+                <a:solidFill>
+                  <a:srgbClr val="1F2937"/>
+                </a:solidFill>
+                <a:latin typeface="Segoe UI"/>
+                <a:cs typeface="Segoe UI"/>
+              </a:rPr>
+              <a:t>: Enciclopédia de 1.100 páginas com mitos, lendas e tradições orais, essencial para estudos culturais.</a:t>
+            </a:r>
+            <a:endParaRPr lang="pt-BR" dirty="0"/>
+          </a:p>
+          <a:p>
+            <a:r>
+              <a:rPr lang="pt-BR" b="1" dirty="0">
+                <a:solidFill>
+                  <a:srgbClr val="1F2937"/>
+                </a:solidFill>
+                <a:latin typeface="Segoe UI"/>
+                <a:cs typeface="Segoe UI"/>
+              </a:rPr>
+              <a:t>História da Alimentação no Brasil (1967)</a:t>
+            </a:r>
+            <a:r>
+              <a:rPr lang="pt-BR" dirty="0">
+                <a:solidFill>
+                  <a:srgbClr val="1F2937"/>
+                </a:solidFill>
+                <a:latin typeface="Segoe UI"/>
+                <a:cs typeface="Segoe UI"/>
+              </a:rPr>
+              <a:t>: Explora a antropologia da comida, conectando história, folclore e identidade nacional.</a:t>
+            </a:r>
+            <a:endParaRPr lang="pt-BR" dirty="0"/>
+          </a:p>
+          <a:p>
+            <a:r>
+              <a:rPr lang="pt-BR" b="1" dirty="0">
+                <a:solidFill>
+                  <a:srgbClr val="1F2937"/>
+                </a:solidFill>
+                <a:latin typeface="Segoe UI"/>
+                <a:cs typeface="Segoe UI"/>
+              </a:rPr>
+              <a:t>Contos Tradicionais do Brasil (1944)</a:t>
+            </a:r>
+            <a:r>
+              <a:rPr lang="pt-BR" dirty="0">
+                <a:solidFill>
+                  <a:srgbClr val="1F2937"/>
+                </a:solidFill>
+                <a:latin typeface="Segoe UI"/>
+                <a:cs typeface="Segoe UI"/>
+              </a:rPr>
+              <a:t>: Coletânea de narrativas populares, perfeita para aulas interativas sobre oralidade e arte narrativa.</a:t>
+            </a:r>
+            <a:endParaRPr lang="pt-BR" dirty="0"/>
+          </a:p>
+          <a:p>
+            <a:r>
+              <a:rPr lang="pt-BR" b="1" dirty="0">
+                <a:solidFill>
+                  <a:srgbClr val="1F2937"/>
+                </a:solidFill>
+                <a:latin typeface="Segoe UI"/>
+                <a:cs typeface="Segoe UI"/>
+              </a:rPr>
+              <a:t>Antologia do Folclore Brasileiro (2 vols., 1939)</a:t>
+            </a:r>
+            <a:r>
+              <a:rPr lang="pt-BR" dirty="0">
+                <a:solidFill>
+                  <a:srgbClr val="1F2937"/>
+                </a:solidFill>
+                <a:latin typeface="Segoe UI"/>
+                <a:cs typeface="Segoe UI"/>
+              </a:rPr>
+              <a:t>: Primeira compilação sistemática de lendas e superstições, "primeiros passos na floresta das tradições".</a:t>
+            </a:r>
+            <a:endParaRPr lang="pt-BR" dirty="0"/>
+          </a:p>
+          <a:p>
+            <a:r>
+              <a:rPr lang="pt-BR" b="1" dirty="0">
+                <a:solidFill>
+                  <a:srgbClr val="1F2937"/>
+                </a:solidFill>
+                <a:latin typeface="Segoe UI"/>
+                <a:cs typeface="Segoe UI"/>
+              </a:rPr>
+              <a:t>Vaqueiros e Cantadores (1939)</a:t>
+            </a:r>
+            <a:r>
+              <a:rPr lang="pt-BR" dirty="0">
+                <a:solidFill>
+                  <a:srgbClr val="1F2937"/>
+                </a:solidFill>
+                <a:latin typeface="Segoe UI"/>
+                <a:cs typeface="Segoe UI"/>
+              </a:rPr>
+              <a:t>: Poesia folclórica do sertão, destacando música e literatura como expressões culturais.</a:t>
+            </a:r>
+            <a:endParaRPr lang="pt-BR" dirty="0"/>
+          </a:p>
+          <a:p>
+            <a:endParaRPr lang="pt-BR" dirty="0"/>
+          </a:p>
+        </p:txBody>
+      </p:sp>
+      <p:sp>
+        <p:nvSpPr>
+          <p:cNvPr id="4" name="Espaço Reservado para Data 3">
+            <a:extLst>
+              <a:ext uri="{FF2B5EF4-FFF2-40B4-BE49-F238E27FC236}">
+                <a16:creationId xmlns:a16="http://schemas.microsoft.com/office/drawing/2014/main" id="{39ACA6C2-3CDC-3488-E1B4-08B192902108}"/>
+              </a:ext>
+            </a:extLst>
+          </p:cNvPr>
+          <p:cNvSpPr>
+            <a:spLocks noGrp="1"/>
+          </p:cNvSpPr>
+          <p:nvPr>
+            <p:ph type="dt" sz="half" idx="10"/>
+          </p:nvPr>
+        </p:nvSpPr>
+        <p:spPr/>
+        <p:txBody>
+          <a:bodyPr/>
+          <a:lstStyle/>
+          <a:p>
+            <a:fld id="{44588446-DBC2-4673-AB10-3D27A62F353F}" type="datetime1">
+              <a:t>10/10/2025</a:t>
+            </a:fld>
+            <a:endParaRPr lang="en-US" dirty="0"/>
+          </a:p>
+        </p:txBody>
+      </p:sp>
+      <p:sp>
+        <p:nvSpPr>
+          <p:cNvPr id="5" name="Espaço Reservado para Rodapé 4">
+            <a:extLst>
+              <a:ext uri="{FF2B5EF4-FFF2-40B4-BE49-F238E27FC236}">
+                <a16:creationId xmlns:a16="http://schemas.microsoft.com/office/drawing/2014/main" id="{095C2401-9610-3481-E2C8-A798D7480225}"/>
+              </a:ext>
+            </a:extLst>
+          </p:cNvPr>
+          <p:cNvSpPr>
+            <a:spLocks noGrp="1"/>
+          </p:cNvSpPr>
+          <p:nvPr>
+            <p:ph type="ftr" sz="quarter" idx="11"/>
+          </p:nvPr>
+        </p:nvSpPr>
+        <p:spPr/>
+        <p:txBody>
+          <a:bodyPr/>
+          <a:lstStyle/>
+          <a:p>
+            <a:endParaRPr lang="en-US" dirty="0"/>
+          </a:p>
+        </p:txBody>
+      </p:sp>
+      <p:sp>
+        <p:nvSpPr>
+          <p:cNvPr id="6" name="Espaço Reservado para Número de Slide 5">
+            <a:extLst>
+              <a:ext uri="{FF2B5EF4-FFF2-40B4-BE49-F238E27FC236}">
+                <a16:creationId xmlns:a16="http://schemas.microsoft.com/office/drawing/2014/main" id="{02438C82-B297-12C7-B280-C5F2EC6E233B}"/>
+              </a:ext>
+            </a:extLst>
+          </p:cNvPr>
+          <p:cNvSpPr>
+            <a:spLocks noGrp="1"/>
+          </p:cNvSpPr>
+          <p:nvPr>
+            <p:ph type="sldNum" sz="quarter" idx="12"/>
+          </p:nvPr>
+        </p:nvSpPr>
+        <p:spPr/>
+        <p:txBody>
+          <a:bodyPr/>
+          <a:lstStyle/>
+          <a:p>
+            <a:fld id="{A65A5C87-DF58-40C8-B092-1DE63DB4547E}" type="slidenum">
+              <a:rPr lang="en-US" dirty="0"/>
+              <a:t>10</a:t>
+            </a:fld>
+            <a:endParaRPr lang="en-US" dirty="0"/>
+          </a:p>
+        </p:txBody>
+      </p:sp>
+    </p:spTree>
+    <p:extLst>
+      <p:ext uri="{BB962C8B-B14F-4D97-AF65-F5344CB8AC3E}">
+        <p14:creationId xmlns:p14="http://schemas.microsoft.com/office/powerpoint/2010/main" val="3116583697"/>
+      </p:ext>
+    </p:extLst>
+  </p:cSld>
+  <p:clrMapOvr>
+    <a:masterClrMapping/>
+  </p:clrMapOvr>
+</p:sld>
+</file>
+
+<file path=ppt/slides/slide11.xml><?xml version="1.0" encoding="utf-8"?>
+<p:sld xmlns:a="http://schemas.openxmlformats.org/drawingml/2006/main" xmlns:r="http://schemas.openxmlformats.org/officeDocument/2006/relationships" xmlns:p="http://schemas.openxmlformats.org/presentationml/2006/main">
+  <p:cSld>
+    <p:spTree>
+      <p:nvGrpSpPr>
+        <p:cNvPr id="1" name=""/>
+        <p:cNvGrpSpPr/>
+        <p:nvPr/>
+      </p:nvGrpSpPr>
+      <p:grpSpPr>
+        <a:xfrm>
+          <a:off x="0" y="0"/>
+          <a:ext cx="0" cy="0"/>
+          <a:chOff x="0" y="0"/>
+          <a:chExt cx="0" cy="0"/>
+        </a:xfrm>
+      </p:grpSpPr>
+      <p:sp>
+        <p:nvSpPr>
+          <p:cNvPr id="2" name="Título 1">
+            <a:extLst>
+              <a:ext uri="{FF2B5EF4-FFF2-40B4-BE49-F238E27FC236}">
+                <a16:creationId xmlns:a16="http://schemas.microsoft.com/office/drawing/2014/main" id="{4EC7E404-5E0B-FAB1-3C55-0045FFF8CC33}"/>
+              </a:ext>
+            </a:extLst>
+          </p:cNvPr>
+          <p:cNvSpPr>
+            <a:spLocks noGrp="1"/>
+          </p:cNvSpPr>
+          <p:nvPr>
+            <p:ph type="title"/>
+          </p:nvPr>
+        </p:nvSpPr>
+        <p:spPr>
+          <a:xfrm rot="10800000" flipV="1">
+            <a:off x="1536177" y="-1098"/>
+            <a:ext cx="4064991" cy="1990957"/>
+          </a:xfrm>
+          <a:ln>
+            <a:solidFill>
+              <a:schemeClr val="accent3"/>
+            </a:solidFill>
+          </a:ln>
+        </p:spPr>
+        <p:txBody>
+          <a:bodyPr>
+            <a:normAutofit/>
+          </a:bodyPr>
+          <a:lstStyle/>
+          <a:p>
+            <a:endParaRPr lang="pt-BR" sz="5300" dirty="0">
+              <a:solidFill>
+                <a:schemeClr val="accent3"/>
+              </a:solidFill>
+            </a:endParaRPr>
+          </a:p>
+        </p:txBody>
+      </p:sp>
+      <p:sp>
+        <p:nvSpPr>
+          <p:cNvPr id="3" name="Espaço Reservado para Conteúdo 2">
+            <a:extLst>
+              <a:ext uri="{FF2B5EF4-FFF2-40B4-BE49-F238E27FC236}">
+                <a16:creationId xmlns:a16="http://schemas.microsoft.com/office/drawing/2014/main" id="{AD416F5F-A674-A1D3-804E-21727222FA95}"/>
+              </a:ext>
+            </a:extLst>
+          </p:cNvPr>
+          <p:cNvSpPr>
+            <a:spLocks noGrp="1"/>
+          </p:cNvSpPr>
+          <p:nvPr>
+            <p:ph idx="1"/>
+          </p:nvPr>
+        </p:nvSpPr>
+        <p:spPr>
+          <a:xfrm>
+            <a:off x="951550" y="3431481"/>
+            <a:ext cx="7626096" cy="1178428"/>
+          </a:xfrm>
+        </p:spPr>
+        <p:txBody>
+          <a:bodyPr vert="horz" lIns="91440" tIns="45720" rIns="91440" bIns="45720" rtlCol="0" anchor="t">
+            <a:normAutofit/>
+          </a:bodyPr>
+          <a:lstStyle/>
+          <a:p>
+            <a:r>
+              <a:rPr lang="pt-BR" sz="4400" dirty="0">
+                <a:solidFill>
+                  <a:schemeClr val="bg1"/>
+                </a:solidFill>
+              </a:rPr>
+              <a:t>Obrigado pela atenção!</a:t>
+            </a:r>
+          </a:p>
+        </p:txBody>
+      </p:sp>
+      <p:sp>
+        <p:nvSpPr>
+          <p:cNvPr id="4" name="Espaço Reservado para Data 3">
+            <a:extLst>
+              <a:ext uri="{FF2B5EF4-FFF2-40B4-BE49-F238E27FC236}">
+                <a16:creationId xmlns:a16="http://schemas.microsoft.com/office/drawing/2014/main" id="{B8F4224D-8F79-AEF4-0533-C592530A860F}"/>
+              </a:ext>
+            </a:extLst>
+          </p:cNvPr>
+          <p:cNvSpPr>
+            <a:spLocks noGrp="1"/>
+          </p:cNvSpPr>
+          <p:nvPr>
+            <p:ph type="dt" sz="half" idx="10"/>
+          </p:nvPr>
+        </p:nvSpPr>
+        <p:spPr/>
+        <p:txBody>
+          <a:bodyPr/>
+          <a:lstStyle/>
+          <a:p>
+            <a:fld id="{39DD8659-4264-4D25-9E1A-682D27A712F4}" type="datetime1">
+              <a:t>10/10/2025</a:t>
+            </a:fld>
+            <a:endParaRPr lang="en-US" dirty="0"/>
+          </a:p>
+        </p:txBody>
+      </p:sp>
+      <p:sp>
+        <p:nvSpPr>
+          <p:cNvPr id="5" name="Espaço Reservado para Rodapé 4">
+            <a:extLst>
+              <a:ext uri="{FF2B5EF4-FFF2-40B4-BE49-F238E27FC236}">
+                <a16:creationId xmlns:a16="http://schemas.microsoft.com/office/drawing/2014/main" id="{B38CB311-A5EF-A43D-BFA7-4A860AFF612A}"/>
+              </a:ext>
+            </a:extLst>
+          </p:cNvPr>
+          <p:cNvSpPr>
+            <a:spLocks noGrp="1"/>
+          </p:cNvSpPr>
+          <p:nvPr>
+            <p:ph type="ftr" sz="quarter" idx="11"/>
+          </p:nvPr>
+        </p:nvSpPr>
+        <p:spPr/>
+        <p:txBody>
+          <a:bodyPr/>
+          <a:lstStyle/>
+          <a:p>
+            <a:endParaRPr lang="en-US" dirty="0"/>
+          </a:p>
+        </p:txBody>
+      </p:sp>
+      <p:sp>
+        <p:nvSpPr>
+          <p:cNvPr id="6" name="Espaço Reservado para Número de Slide 5">
+            <a:extLst>
+              <a:ext uri="{FF2B5EF4-FFF2-40B4-BE49-F238E27FC236}">
+                <a16:creationId xmlns:a16="http://schemas.microsoft.com/office/drawing/2014/main" id="{3412ECBF-2297-681A-A5E6-5E1DF153EEA5}"/>
+              </a:ext>
+            </a:extLst>
+          </p:cNvPr>
+          <p:cNvSpPr>
+            <a:spLocks noGrp="1"/>
+          </p:cNvSpPr>
+          <p:nvPr>
+            <p:ph type="sldNum" sz="quarter" idx="12"/>
+          </p:nvPr>
+        </p:nvSpPr>
+        <p:spPr/>
+        <p:txBody>
+          <a:bodyPr/>
+          <a:lstStyle/>
+          <a:p>
+            <a:fld id="{A65A5C87-DF58-40C8-B092-1DE63DB4547E}" type="slidenum">
+              <a:rPr lang="en-US" dirty="0"/>
+              <a:t>11</a:t>
+            </a:fld>
+            <a:endParaRPr lang="en-US" dirty="0"/>
+          </a:p>
+        </p:txBody>
+      </p:sp>
+    </p:spTree>
+    <p:extLst>
+      <p:ext uri="{BB962C8B-B14F-4D97-AF65-F5344CB8AC3E}">
+        <p14:creationId xmlns:p14="http://schemas.microsoft.com/office/powerpoint/2010/main" val="856709607"/>
+      </p:ext>
+    </p:extLst>
+  </p:cSld>
+  <p:clrMapOvr>
+    <a:masterClrMapping/>
+  </p:clrMapOvr>
+</p:sld>
+</file>
+
+<file path=ppt/slides/slide2.xml><?xml version="1.0" encoding="utf-8"?>
+<p:sld xmlns:a="http://schemas.openxmlformats.org/drawingml/2006/main" xmlns:r="http://schemas.openxmlformats.org/officeDocument/2006/relationships" xmlns:p="http://schemas.openxmlformats.org/presentationml/2006/main">
+  <p:cSld>
+    <p:spTree>
+      <p:nvGrpSpPr>
+        <p:cNvPr id="1" name=""/>
+        <p:cNvGrpSpPr/>
+        <p:nvPr/>
+      </p:nvGrpSpPr>
+      <p:grpSpPr>
+        <a:xfrm>
+          <a:off x="0" y="0"/>
+          <a:ext cx="0" cy="0"/>
+          <a:chOff x="0" y="0"/>
+          <a:chExt cx="0" cy="0"/>
+        </a:xfrm>
+      </p:grpSpPr>
       <p:sp>
         <p:nvSpPr>
           <p:cNvPr id="2" name="Title 1"/>
@@ -3175,14 +5122,33 @@
             <p:ph type="title"/>
           </p:nvPr>
         </p:nvSpPr>
-        <p:spPr/>
-        <p:txBody>
-          <a:bodyPr/>
-          <a:lstStyle/>
-          <a:p>
-            <a:r>
-              <a:t>Resumo Rápido</a:t>
-            </a:r>
+        <p:spPr>
+          <a:xfrm>
+            <a:off x="1197623" y="417387"/>
+            <a:ext cx="7472967" cy="938944"/>
+          </a:xfrm>
+        </p:spPr>
+        <p:txBody>
+          <a:bodyPr>
+            <a:normAutofit/>
+          </a:bodyPr>
+          <a:lstStyle/>
+          <a:p>
+            <a:r>
+              <a:rPr lang="pt-BR" sz="3200" dirty="0">
+                <a:solidFill>
+                  <a:srgbClr val="002060"/>
+                </a:solidFill>
+                <a:latin typeface="Segoe UI"/>
+                <a:cs typeface="Segoe UI"/>
+              </a:rPr>
+              <a:t>Quem foi Luís da Câmara Cascudo?</a:t>
+            </a:r>
+            <a:endParaRPr lang="pt-BR" dirty="0">
+              <a:solidFill>
+                <a:srgbClr val="002060"/>
+              </a:solidFill>
+            </a:endParaRPr>
           </a:p>
         </p:txBody>
       </p:sp>
@@ -3196,40 +5162,32 @@
             <p:ph idx="1"/>
           </p:nvPr>
         </p:nvSpPr>
-        <p:spPr/>
-        <p:txBody>
-          <a:bodyPr/>
-          <a:lstStyle/>
-          <a:p>
-            <a:r>
-              <a:t>Apresente com liberdade: avance por seções, permita aos participantes escolher downloads e registre interesses para um follow-up posterior.</a:t>
-            </a:r>
-          </a:p>
-          <a:p/>
-          <a:p>
-            <a:r>
-              <a:t>Tópicos abordados:</a:t>
-            </a:r>
-          </a:p>
-          <a:p>
-            <a:r>
-              <a:t>• Animações CSS</a:t>
-            </a:r>
-          </a:p>
-          <a:p>
-            <a:r>
-              <a:t>• Interação em tempo real</a:t>
-            </a:r>
-          </a:p>
-          <a:p>
-            <a:r>
-              <a:t>• Download individual</a:t>
-            </a:r>
-          </a:p>
-          <a:p>
-            <a:r>
-              <a:t>• Coleta de interesse</a:t>
-            </a:r>
+        <p:spPr>
+          <a:xfrm>
+            <a:off x="541356" y="2510838"/>
+            <a:ext cx="8063607" cy="3694176"/>
+          </a:xfrm>
+        </p:spPr>
+        <p:txBody>
+          <a:bodyPr vert="horz" lIns="91440" tIns="45720" rIns="91440" bIns="45720" rtlCol="0" anchor="t">
+            <a:normAutofit fontScale="92500" lnSpcReduction="10000"/>
+          </a:bodyPr>
+          <a:lstStyle/>
+          <a:p>
+            <a:pPr marL="0" indent="0" algn="just">
+              <a:buNone/>
+            </a:pPr>
+            <a:r>
+              <a:rPr lang="pt-BR" sz="3000" dirty="0">
+                <a:solidFill>
+                  <a:srgbClr val="1F2937"/>
+                </a:solidFill>
+                <a:latin typeface="Impact"/>
+                <a:cs typeface="Segoe UI"/>
+              </a:rPr>
+              <a:t> Luís da Câmara Cascudo (1898-1986) foi um renomado folclorista, jornalista, professor e historiador brasileiro, considerado um dos maiores estudiosos da cultura popular do Brasil. Nascido e falecido em Natal, Rio Grande do Norte, ele dedicou sua vida a registrar e analisar as tradições, costumes e a sabedoria do povo brasileiro, deixando um vasto legado cultural.</a:t>
+            </a:r>
+            <a:endParaRPr lang="pt-BR" dirty="0"/>
           </a:p>
         </p:txBody>
       </p:sp>
@@ -3242,7 +5200,7 @@
 </file>
 
 <file path=ppt/slides/slide3.xml><?xml version="1.0" encoding="utf-8"?>
-<p:sld xmlns:a="http://schemas.openxmlformats.org/drawingml/2006/main" xmlns:p="http://schemas.openxmlformats.org/presentationml/2006/main" xmlns:r="http://schemas.openxmlformats.org/officeDocument/2006/relationships">
+<p:sld xmlns:a="http://schemas.openxmlformats.org/drawingml/2006/main" xmlns:r="http://schemas.openxmlformats.org/officeDocument/2006/relationships" xmlns:p="http://schemas.openxmlformats.org/presentationml/2006/main">
   <p:cSld>
     <p:spTree>
       <p:nvGrpSpPr>
@@ -3250,7 +5208,14 @@
         <p:cNvGrpSpPr/>
         <p:nvPr/>
       </p:nvGrpSpPr>
-      <p:grpSpPr/>
+      <p:grpSpPr>
+        <a:xfrm>
+          <a:off x="0" y="0"/>
+          <a:ext cx="0" cy="0"/>
+          <a:chOff x="0" y="0"/>
+          <a:chExt cx="0" cy="0"/>
+        </a:xfrm>
+      </p:grpSpPr>
       <p:sp>
         <p:nvSpPr>
           <p:cNvPr id="2" name="Title 1"/>
@@ -3267,8 +5232,20 @@
           <a:lstStyle/>
           <a:p>
             <a:r>
-              <a:t>Agenda</a:t>
-            </a:r>
+              <a:rPr lang="pt-BR" sz="3800" dirty="0">
+                <a:solidFill>
+                  <a:srgbClr val="002060"/>
+                </a:solidFill>
+                <a:latin typeface="Segoe UI"/>
+                <a:cs typeface="Segoe UI"/>
+              </a:rPr>
+              <a:t>Câmara Cascudo como professor</a:t>
+            </a:r>
+            <a:endParaRPr lang="pt-BR" dirty="0">
+              <a:solidFill>
+                <a:srgbClr val="002060"/>
+              </a:solidFill>
+            </a:endParaRPr>
           </a:p>
         </p:txBody>
       </p:sp>
@@ -3282,29 +5259,29 @@
             <p:ph idx="1"/>
           </p:nvPr>
         </p:nvSpPr>
-        <p:spPr/>
-        <p:txBody>
-          <a:bodyPr/>
-          <a:lstStyle/>
-          <a:p>
-            <a:r>
-              <a:t>1. Introdução e objetivos</a:t>
-            </a:r>
-          </a:p>
-          <a:p>
-            <a:r>
-              <a:t>2. Contexto e demonstração (interativa)</a:t>
-            </a:r>
-          </a:p>
-          <a:p>
-            <a:r>
-              <a:t>3. Recursos e downloads</a:t>
-            </a:r>
-          </a:p>
-          <a:p>
-            <a:r>
-              <a:t>4. Q&amp;A e coleta de interesse</a:t>
-            </a:r>
+        <p:spPr>
+          <a:xfrm>
+            <a:off x="563231" y="3003038"/>
+            <a:ext cx="7626096" cy="3694176"/>
+          </a:xfrm>
+        </p:spPr>
+        <p:txBody>
+          <a:bodyPr vert="horz" lIns="91440" tIns="45720" rIns="91440" bIns="45720" rtlCol="0" anchor="t">
+            <a:normAutofit/>
+          </a:bodyPr>
+          <a:lstStyle/>
+          <a:p>
+            <a:pPr algn="just"/>
+            <a:r>
+              <a:rPr lang="pt-BR" sz="3000">
+                <a:solidFill>
+                  <a:srgbClr val="1F2937"/>
+                </a:solidFill>
+                <a:latin typeface="Impact"/>
+              </a:rPr>
+              <a:t>Câmara Cascudo foi professor de várias disciplinas e em diferentes instituições, incluindo História do Brasil e História da Civilização e Direito Internacional Público.</a:t>
+            </a:r>
+            <a:endParaRPr lang="pt-BR" dirty="0"/>
           </a:p>
         </p:txBody>
       </p:sp>
@@ -3317,7 +5294,7 @@
 </file>
 
 <file path=ppt/slides/slide4.xml><?xml version="1.0" encoding="utf-8"?>
-<p:sld xmlns:a="http://schemas.openxmlformats.org/drawingml/2006/main" xmlns:p="http://schemas.openxmlformats.org/presentationml/2006/main" xmlns:r="http://schemas.openxmlformats.org/officeDocument/2006/relationships">
+<p:sld xmlns:a="http://schemas.openxmlformats.org/drawingml/2006/main" xmlns:r="http://schemas.openxmlformats.org/officeDocument/2006/relationships" xmlns:p="http://schemas.openxmlformats.org/presentationml/2006/main">
   <p:cSld>
     <p:spTree>
       <p:nvGrpSpPr>
@@ -3325,7 +5302,14 @@
         <p:cNvGrpSpPr/>
         <p:nvPr/>
       </p:nvGrpSpPr>
-      <p:grpSpPr/>
+      <p:grpSpPr>
+        <a:xfrm>
+          <a:off x="0" y="0"/>
+          <a:ext cx="0" cy="0"/>
+          <a:chOff x="0" y="0"/>
+          <a:chExt cx="0" cy="0"/>
+        </a:xfrm>
+      </p:grpSpPr>
       <p:sp>
         <p:nvSpPr>
           <p:cNvPr id="2" name="Title 1"/>
@@ -3342,8 +5326,20 @@
           <a:lstStyle/>
           <a:p>
             <a:r>
-              <a:t>Interação — Escolha seu interesse</a:t>
-            </a:r>
+              <a:rPr lang="pt-BR" sz="3800" dirty="0">
+                <a:solidFill>
+                  <a:srgbClr val="002060"/>
+                </a:solidFill>
+                <a:latin typeface="Segoe UI"/>
+                <a:cs typeface="Segoe UI"/>
+              </a:rPr>
+              <a:t>Em quais instituições ele ensinou?</a:t>
+            </a:r>
+            <a:endParaRPr lang="pt-BR" dirty="0">
+              <a:solidFill>
+                <a:srgbClr val="002060"/>
+              </a:solidFill>
+            </a:endParaRPr>
           </a:p>
         </p:txBody>
       </p:sp>
@@ -3359,32 +5355,51 @@
         </p:nvSpPr>
         <p:spPr/>
         <p:txBody>
-          <a:bodyPr/>
-          <a:lstStyle/>
-          <a:p>
-            <a:r>
-              <a:t>Os participantes podem escolher tópicos de interesse:</a:t>
-            </a:r>
-          </a:p>
-          <a:p>
-            <a:r>
-              <a:t>• Introdução</a:t>
-            </a:r>
-          </a:p>
-          <a:p>
-            <a:r>
-              <a:t>• Tutorial Prático</a:t>
-            </a:r>
-          </a:p>
-          <a:p>
-            <a:r>
-              <a:t>• Códigos e Projetos</a:t>
-            </a:r>
-          </a:p>
-          <a:p>
-            <a:r>
-              <a:t>• Leituras e Referências</a:t>
-            </a:r>
+          <a:bodyPr vert="horz" lIns="91440" tIns="45720" rIns="91440" bIns="45720" rtlCol="0" anchor="t">
+            <a:normAutofit fontScale="92500" lnSpcReduction="20000"/>
+          </a:bodyPr>
+          <a:lstStyle/>
+          <a:p>
+            <a:pPr algn="just"/>
+            <a:r>
+              <a:rPr lang="pt-BR" sz="3000" dirty="0">
+                <a:solidFill>
+                  <a:srgbClr val="1F2937"/>
+                </a:solidFill>
+                <a:latin typeface="Impact"/>
+              </a:rPr>
+              <a:t>&gt;&gt;&gt; Colégio Atheneu: Lecionou História do Brasil em 1928 e História da Civilização em 1934.</a:t>
+            </a:r>
+            <a:endParaRPr lang="pt-BR" dirty="0"/>
+          </a:p>
+          <a:p>
+            <a:pPr algn="just"/>
+            <a:r>
+              <a:rPr lang="pt-BR" sz="3000">
+                <a:solidFill>
+                  <a:srgbClr val="1F2937"/>
+                </a:solidFill>
+                <a:latin typeface="Impact"/>
+              </a:rPr>
+              <a:t>&gt;&gt;&gt; Instituto de Música de Natal: Foi um dos fundadores e professor de História da Música por muitos anos.</a:t>
+            </a:r>
+            <a:endParaRPr lang="pt-BR"/>
+          </a:p>
+          <a:p>
+            <a:pPr algn="just"/>
+            <a:r>
+              <a:rPr lang="pt-BR" sz="3000">
+                <a:solidFill>
+                  <a:srgbClr val="1F2937"/>
+                </a:solidFill>
+                <a:latin typeface="Impact"/>
+              </a:rPr>
+              <a:t>&gt;&gt;&gt; Universidade Federal do Rio Grande do Norte (UFRN): Tornou-se professor de Direito Internacional Público em 1951.</a:t>
+            </a:r>
+            <a:endParaRPr lang="pt-BR"/>
+          </a:p>
+          <a:p>
+            <a:endParaRPr lang="pt-BR" dirty="0"/>
           </a:p>
         </p:txBody>
       </p:sp>
@@ -3397,7 +5412,7 @@
 </file>
 
 <file path=ppt/slides/slide5.xml><?xml version="1.0" encoding="utf-8"?>
-<p:sld xmlns:a="http://schemas.openxmlformats.org/drawingml/2006/main" xmlns:p="http://schemas.openxmlformats.org/presentationml/2006/main" xmlns:r="http://schemas.openxmlformats.org/officeDocument/2006/relationships">
+<p:sld xmlns:a="http://schemas.openxmlformats.org/drawingml/2006/main" xmlns:r="http://schemas.openxmlformats.org/officeDocument/2006/relationships" xmlns:p="http://schemas.openxmlformats.org/presentationml/2006/main">
   <p:cSld>
     <p:spTree>
       <p:nvGrpSpPr>
@@ -3405,7 +5420,14 @@
         <p:cNvGrpSpPr/>
         <p:nvPr/>
       </p:nvGrpSpPr>
-      <p:grpSpPr/>
+      <p:grpSpPr>
+        <a:xfrm>
+          <a:off x="0" y="0"/>
+          <a:ext cx="0" cy="0"/>
+          <a:chOff x="0" y="0"/>
+          <a:chExt cx="0" cy="0"/>
+        </a:xfrm>
+      </p:grpSpPr>
       <p:sp>
         <p:nvSpPr>
           <p:cNvPr id="2" name="Title 1"/>
@@ -3416,14 +5438,33 @@
             <p:ph type="title"/>
           </p:nvPr>
         </p:nvSpPr>
-        <p:spPr/>
-        <p:txBody>
-          <a:bodyPr/>
-          <a:lstStyle/>
-          <a:p>
-            <a:r>
-              <a:t>Quiz rápido</a:t>
-            </a:r>
+        <p:spPr>
+          <a:xfrm>
+            <a:off x="1350753" y="537702"/>
+            <a:ext cx="7626096" cy="1179576"/>
+          </a:xfrm>
+        </p:spPr>
+        <p:txBody>
+          <a:bodyPr>
+            <a:normAutofit/>
+          </a:bodyPr>
+          <a:lstStyle/>
+          <a:p>
+            <a:r>
+              <a:rPr lang="pt-BR" sz="2800" dirty="0">
+                <a:solidFill>
+                  <a:srgbClr val="002060"/>
+                </a:solidFill>
+                <a:latin typeface="Segoe UI"/>
+                <a:cs typeface="Segoe UI"/>
+              </a:rPr>
+              <a:t>Qual era a abordagem Pedagógica:</a:t>
+            </a:r>
+            <a:endParaRPr lang="pt-BR" sz="2800" dirty="0">
+              <a:solidFill>
+                <a:srgbClr val="002060"/>
+              </a:solidFill>
+            </a:endParaRPr>
           </a:p>
         </p:txBody>
       </p:sp>
@@ -3437,35 +5478,45 @@
             <p:ph idx="1"/>
           </p:nvPr>
         </p:nvSpPr>
-        <p:spPr/>
-        <p:txBody>
-          <a:bodyPr/>
-          <a:lstStyle/>
-          <a:p>
-            <a:r>
-              <a:t>Questão: Qual tema você considera mais útil hoje?</a:t>
-            </a:r>
-          </a:p>
-          <a:p/>
-          <a:p>
-            <a:r>
-              <a:t>Opções:</a:t>
-            </a:r>
-          </a:p>
-          <a:p>
-            <a:r>
-              <a:t>• Teoria</a:t>
-            </a:r>
-          </a:p>
-          <a:p>
-            <a:r>
-              <a:t>• Prática</a:t>
-            </a:r>
-          </a:p>
-          <a:p>
-            <a:r>
-              <a:t>• Ferramentas</a:t>
-            </a:r>
+        <p:spPr>
+          <a:xfrm>
+            <a:off x="574169" y="2499900"/>
+            <a:ext cx="7626096" cy="3694176"/>
+          </a:xfrm>
+        </p:spPr>
+        <p:txBody>
+          <a:bodyPr vert="horz" lIns="91440" tIns="45720" rIns="91440" bIns="45720" rtlCol="0" anchor="t">
+            <a:normAutofit fontScale="92500" lnSpcReduction="20000"/>
+          </a:bodyPr>
+          <a:lstStyle/>
+          <a:p>
+            <a:pPr algn="just"/>
+            <a:r>
+              <a:rPr lang="pt-BR" sz="3000" dirty="0">
+                <a:solidFill>
+                  <a:srgbClr val="1F2937"/>
+                </a:solidFill>
+                <a:latin typeface="Impact"/>
+              </a:rPr>
+              <a:t>Pesquisa de Campo: Cascudo gostava de vivenciar e observar diretamente o que estudava, o que conferia autenticidade à sua obra, como sua participação em sessões de catimbó.</a:t>
+            </a:r>
+            <a:endParaRPr lang="pt-BR" dirty="0"/>
+          </a:p>
+          <a:p>
+            <a:pPr algn="just"/>
+            <a:r>
+              <a:rPr lang="pt-BR" sz="3000">
+                <a:solidFill>
+                  <a:srgbClr val="1F2937"/>
+                </a:solidFill>
+                <a:latin typeface="Impact"/>
+              </a:rPr>
+              <a:t>Valorização da Cultura Popular: Sua atuação como professor foi marcada pela valorização do saber popular e da diversidade cultural brasileira, tornando-o um dos maiores "descobridores do Brasil"</a:t>
+            </a:r>
+            <a:endParaRPr lang="pt-BR"/>
+          </a:p>
+          <a:p>
+            <a:endParaRPr lang="pt-BR" dirty="0"/>
           </a:p>
         </p:txBody>
       </p:sp>
@@ -3478,7 +5529,7 @@
 </file>
 
 <file path=ppt/slides/slide6.xml><?xml version="1.0" encoding="utf-8"?>
-<p:sld xmlns:a="http://schemas.openxmlformats.org/drawingml/2006/main" xmlns:p="http://schemas.openxmlformats.org/presentationml/2006/main" xmlns:r="http://schemas.openxmlformats.org/officeDocument/2006/relationships">
+<p:sld xmlns:a="http://schemas.openxmlformats.org/drawingml/2006/main" xmlns:r="http://schemas.openxmlformats.org/officeDocument/2006/relationships" xmlns:p="http://schemas.openxmlformats.org/presentationml/2006/main">
   <p:cSld>
     <p:spTree>
       <p:nvGrpSpPr>
@@ -3486,7 +5537,14 @@
         <p:cNvGrpSpPr/>
         <p:nvPr/>
       </p:nvGrpSpPr>
-      <p:grpSpPr/>
+      <p:grpSpPr>
+        <a:xfrm>
+          <a:off x="0" y="0"/>
+          <a:ext cx="0" cy="0"/>
+          <a:chOff x="0" y="0"/>
+          <a:chExt cx="0" cy="0"/>
+        </a:xfrm>
+      </p:grpSpPr>
       <p:sp>
         <p:nvSpPr>
           <p:cNvPr id="2" name="Title 1"/>
@@ -3503,8 +5561,20 @@
           <a:lstStyle/>
           <a:p>
             <a:r>
-              <a:t>Recursos — Downloads</a:t>
-            </a:r>
+              <a:rPr lang="pt-BR" sz="3800" dirty="0">
+                <a:solidFill>
+                  <a:srgbClr val="002060"/>
+                </a:solidFill>
+                <a:latin typeface="Segoe UI"/>
+                <a:cs typeface="Segoe UI"/>
+              </a:rPr>
+              <a:t>Obras e Atuação como Professor</a:t>
+            </a:r>
+            <a:endParaRPr lang="pt-BR" dirty="0">
+              <a:solidFill>
+                <a:srgbClr val="002060"/>
+              </a:solidFill>
+            </a:endParaRPr>
           </a:p>
         </p:txBody>
       </p:sp>
@@ -3518,35 +5588,61 @@
             <p:ph idx="1"/>
           </p:nvPr>
         </p:nvSpPr>
-        <p:spPr/>
-        <p:txBody>
-          <a:bodyPr/>
-          <a:lstStyle/>
-          <a:p>
-            <a:r>
-              <a:t>Materiais disponíveis:</a:t>
-            </a:r>
-          </a:p>
-          <a:p>
-            <a:r>
-              <a:t>• Resumo.pdf (exemplo)</a:t>
-            </a:r>
-          </a:p>
-          <a:p>
-            <a:r>
-              <a:t>• Exercicios.zip</a:t>
-            </a:r>
-          </a:p>
-          <a:p>
-            <a:r>
-              <a:t>• Codigo-fonte.js</a:t>
-            </a:r>
-          </a:p>
-          <a:p/>
-          <a:p>
-            <a:r>
-              <a:t>Os arquivos são gerados localmente para uso offline.</a:t>
-            </a:r>
+        <p:spPr>
+          <a:xfrm>
+            <a:off x="563231" y="2478024"/>
+            <a:ext cx="7626096" cy="3694176"/>
+          </a:xfrm>
+        </p:spPr>
+        <p:txBody>
+          <a:bodyPr vert="horz" lIns="91440" tIns="45720" rIns="91440" bIns="45720" rtlCol="0" anchor="t">
+            <a:normAutofit fontScale="62500" lnSpcReduction="20000"/>
+          </a:bodyPr>
+          <a:lstStyle/>
+          <a:p>
+            <a:pPr algn="just"/>
+            <a:r>
+              <a:t>.</a:t>
+            </a:r>
+            <a:r>
+              <a:rPr lang="pt-BR" sz="3000">
+                <a:solidFill>
+                  <a:srgbClr val="1F2937"/>
+                </a:solidFill>
+                <a:latin typeface="Impact"/>
+              </a:rPr>
+              <a:t>Divulgação da Cultura Popular: Cascudo foi um incansável defensor da cultura popular, valorizando as tradições, os mitos e as expressões culturais do povo brasileiro. Seu trabalho como professor e pesquisador visava a ensinar e a transmitir esse conhecimento.</a:t>
+            </a:r>
+            <a:endParaRPr lang="pt-BR" dirty="0"/>
+          </a:p>
+          <a:p>
+            <a:pPr algn="just"/>
+            <a:r>
+              <a:rPr lang="pt-BR" sz="3000">
+                <a:solidFill>
+                  <a:srgbClr val="1F2937"/>
+                </a:solidFill>
+                <a:latin typeface="Impact"/>
+              </a:rPr>
+              <a:t>Criação da Universidade Popular: Em Natal, Cascudo foi um dos idealizadores da Universidade Popular, uma iniciativa que visava a promover a educação e a formação de conhecimento, especialmente para a população.</a:t>
+            </a:r>
+            <a:endParaRPr lang="pt-BR"/>
+          </a:p>
+          <a:p>
+            <a:pPr algn="just"/>
+            <a:r>
+              <a:rPr lang="pt-BR" sz="3000" dirty="0">
+                <a:solidFill>
+                  <a:srgbClr val="1F2937"/>
+                </a:solidFill>
+                <a:latin typeface="Impact"/>
+              </a:rPr>
+              <a:t>Coordenação de Departamentos e Eventos: Como parte de sua atuação no setor público, ele coordenou o Departamento de Educação do estado, patrocinando e participando de diversos eventos e congressos de caráter regional e nacional.</a:t>
+            </a:r>
+            <a:endParaRPr lang="pt-BR" dirty="0"/>
+          </a:p>
+          <a:p>
+            <a:endParaRPr lang="pt-BR" dirty="0"/>
           </a:p>
         </p:txBody>
       </p:sp>
@@ -3559,7 +5655,7 @@
 </file>
 
 <file path=ppt/slides/slide7.xml><?xml version="1.0" encoding="utf-8"?>
-<p:sld xmlns:a="http://schemas.openxmlformats.org/drawingml/2006/main" xmlns:p="http://schemas.openxmlformats.org/presentationml/2006/main" xmlns:r="http://schemas.openxmlformats.org/officeDocument/2006/relationships">
+<p:sld xmlns:a="http://schemas.openxmlformats.org/drawingml/2006/main" xmlns:r="http://schemas.openxmlformats.org/officeDocument/2006/relationships" xmlns:p="http://schemas.openxmlformats.org/presentationml/2006/main">
   <p:cSld>
     <p:spTree>
       <p:nvGrpSpPr>
@@ -3567,7 +5663,14 @@
         <p:cNvGrpSpPr/>
         <p:nvPr/>
       </p:nvGrpSpPr>
-      <p:grpSpPr/>
+      <p:grpSpPr>
+        <a:xfrm>
+          <a:off x="0" y="0"/>
+          <a:ext cx="0" cy="0"/>
+          <a:chOff x="0" y="0"/>
+          <a:chExt cx="0" cy="0"/>
+        </a:xfrm>
+      </p:grpSpPr>
       <p:sp>
         <p:nvSpPr>
           <p:cNvPr id="2" name="Title 1"/>
@@ -3578,14 +5681,19 @@
             <p:ph type="title"/>
           </p:nvPr>
         </p:nvSpPr>
-        <p:spPr/>
-        <p:txBody>
-          <a:bodyPr/>
-          <a:lstStyle/>
-          <a:p>
-            <a:r>
-              <a:t>Apresentador e Controles</a:t>
-            </a:r>
+        <p:spPr>
+          <a:xfrm>
+            <a:off x="836676" y="548640"/>
+            <a:ext cx="7626096" cy="118610"/>
+          </a:xfrm>
+        </p:spPr>
+        <p:txBody>
+          <a:bodyPr>
+            <a:normAutofit fontScale="90000"/>
+          </a:bodyPr>
+          <a:lstStyle/>
+          <a:p>
+            <a:endParaRPr lang="pt-BR" sz="5300" dirty="0"/>
           </a:p>
         </p:txBody>
       </p:sp>
@@ -3599,35 +5707,65 @@
             <p:ph idx="1"/>
           </p:nvPr>
         </p:nvSpPr>
-        <p:spPr/>
-        <p:txBody>
-          <a:bodyPr/>
-          <a:lstStyle/>
-          <a:p>
-            <a:r>
-              <a:t>Controles disponíveis:</a:t>
-            </a:r>
-          </a:p>
-          <a:p>
-            <a:r>
-              <a:t>• Navegação (◀ / ▶)</a:t>
-            </a:r>
-          </a:p>
-          <a:p>
-            <a:r>
-              <a:t>• Agenda</a:t>
-            </a:r>
-          </a:p>
-          <a:p>
-            <a:r>
-              <a:t>• Tela Cheia</a:t>
-            </a:r>
-          </a:p>
-          <a:p/>
-          <a:p>
-            <a:r>
-              <a:t>Notas do apresentador podem ser escritas e salvas localmente.</a:t>
-            </a:r>
+        <p:spPr>
+          <a:xfrm>
+            <a:off x="836676" y="804541"/>
+            <a:ext cx="7626096" cy="5542663"/>
+          </a:xfrm>
+        </p:spPr>
+        <p:txBody>
+          <a:bodyPr vert="horz" lIns="91440" tIns="45720" rIns="91440" bIns="45720" rtlCol="0" anchor="t">
+            <a:normAutofit fontScale="70000" lnSpcReduction="20000"/>
+          </a:bodyPr>
+          <a:lstStyle/>
+          <a:p>
+            <a:pPr algn="just"/>
+            <a:r>
+              <a:rPr lang="pt-BR" sz="3000" dirty="0">
+                <a:latin typeface="Impact"/>
+              </a:rPr>
+              <a:t>Pesquisa Etnográfica: Cascudo realizava pesquisas de campo, vivenciando a realidade do povo para coletar e registrar material para suas obras, como o catimbó.</a:t>
+            </a:r>
+            <a:endParaRPr lang="pt-BR" dirty="0"/>
+          </a:p>
+          <a:p>
+            <a:pPr algn="just"/>
+            <a:r>
+              <a:rPr lang="pt-BR" sz="3000">
+                <a:latin typeface="Impact"/>
+              </a:rPr>
+              <a:t>Publicação de Coletâneas: No período entre 1950 e 1960, organizou diversas coletâneas de textos históricos, etnográficos e sobre mitos folclóricos, disseminando o conhecimento e formando jovens e pesquisadores.</a:t>
+            </a:r>
+            <a:endParaRPr lang="pt-BR"/>
+          </a:p>
+          <a:p>
+            <a:pPr algn="just"/>
+            <a:r>
+              <a:rPr lang="pt-BR" sz="3000" dirty="0">
+                <a:latin typeface="Impact"/>
+              </a:rPr>
+              <a:t>Valorização da Tradição e da Comunicação: A atuação de Cascudo como professor ia além da sala de aula, englobando o incentivo à pesquisa e ao estudo do povo brasileiro, como o que ele desenvolveu no Portal Mutirão do Brasileirismo Comunicacional.</a:t>
+            </a:r>
+            <a:endParaRPr lang="pt-BR" dirty="0"/>
+          </a:p>
+          <a:p>
+            <a:pPr algn="just"/>
+            <a:r>
+              <a:rPr lang="pt-BR" sz="3000" dirty="0">
+                <a:latin typeface="Impact"/>
+              </a:rPr>
+              <a:t>Atuação na UFRN: Na Universidade Federal do Rio Grande do Norte, Cascudo atuou como professor de Direito Internacional Público e foi um dos responsáveis pela criação do Instituto de Antropologia e pelo Museu Câmara Cascudo.</a:t>
+            </a:r>
+            <a:endParaRPr lang="pt-BR" dirty="0"/>
+          </a:p>
+          <a:p>
+            <a:br>
+              <a:rPr lang="en-US" dirty="0"/>
+            </a:br>
+            <a:endParaRPr lang="en-US" dirty="0"/>
+          </a:p>
+          <a:p>
+            <a:endParaRPr lang="pt-BR" dirty="0"/>
           </a:p>
         </p:txBody>
       </p:sp>
@@ -3640,7 +5778,7 @@
 </file>
 
 <file path=ppt/slides/slide8.xml><?xml version="1.0" encoding="utf-8"?>
-<p:sld xmlns:a="http://schemas.openxmlformats.org/drawingml/2006/main" xmlns:p="http://schemas.openxmlformats.org/presentationml/2006/main" xmlns:r="http://schemas.openxmlformats.org/officeDocument/2006/relationships">
+<p:sld xmlns:a="http://schemas.openxmlformats.org/drawingml/2006/main" xmlns:r="http://schemas.openxmlformats.org/officeDocument/2006/relationships" xmlns:p="http://schemas.openxmlformats.org/presentationml/2006/main">
   <p:cSld>
     <p:spTree>
       <p:nvGrpSpPr>
@@ -3648,10 +5786,23 @@
         <p:cNvGrpSpPr/>
         <p:nvPr/>
       </p:nvGrpSpPr>
-      <p:grpSpPr/>
-      <p:sp>
-        <p:nvSpPr>
-          <p:cNvPr id="2" name="Title 1"/>
+      <p:grpSpPr>
+        <a:xfrm>
+          <a:off x="0" y="0"/>
+          <a:ext cx="0" cy="0"/>
+          <a:chOff x="0" y="0"/>
+          <a:chExt cx="0" cy="0"/>
+        </a:xfrm>
+      </p:grpSpPr>
+      <p:sp>
+        <p:nvSpPr>
+          <p:cNvPr id="2" name="Título 1">
+            <a:extLst>
+              <a:ext uri="{FF2B5EF4-FFF2-40B4-BE49-F238E27FC236}">
+                <a16:creationId xmlns:a16="http://schemas.microsoft.com/office/drawing/2014/main" id="{49E407A7-6BAE-6FD9-4AE8-F6996E4E390A}"/>
+              </a:ext>
+            </a:extLst>
+          </p:cNvPr>
           <p:cNvSpPr>
             <a:spLocks noGrp="1"/>
           </p:cNvSpPr>
@@ -3659,20 +5810,384 @@
             <p:ph type="title"/>
           </p:nvPr>
         </p:nvSpPr>
+        <p:spPr>
+          <a:xfrm>
+            <a:off x="836676" y="548640"/>
+            <a:ext cx="7626096" cy="536280"/>
+          </a:xfrm>
+        </p:spPr>
+        <p:txBody>
+          <a:bodyPr>
+            <a:normAutofit fontScale="90000"/>
+          </a:bodyPr>
+          <a:lstStyle/>
+          <a:p>
+            <a:r>
+              <a:rPr lang="pt-BR" sz="5300" b="1">
+                <a:solidFill>
+                  <a:srgbClr val="002060"/>
+                </a:solidFill>
+                <a:latin typeface="Segoe UI"/>
+                <a:cs typeface="Segoe UI"/>
+              </a:rPr>
+              <a:t>Homenagens Póstumas</a:t>
+            </a:r>
+            <a:endParaRPr lang="pt-BR" sz="5300">
+              <a:solidFill>
+                <a:srgbClr val="002060"/>
+              </a:solidFill>
+            </a:endParaRPr>
+          </a:p>
+          <a:p>
+            <a:endParaRPr lang="pt-BR" sz="5300" dirty="0"/>
+          </a:p>
+        </p:txBody>
+      </p:sp>
+      <p:sp>
+        <p:nvSpPr>
+          <p:cNvPr id="3" name="Espaço Reservado para Conteúdo 2">
+            <a:extLst>
+              <a:ext uri="{FF2B5EF4-FFF2-40B4-BE49-F238E27FC236}">
+                <a16:creationId xmlns:a16="http://schemas.microsoft.com/office/drawing/2014/main" id="{8A68EC47-C0BD-D5C1-2E97-72EEE4C0AC03}"/>
+              </a:ext>
+            </a:extLst>
+          </p:cNvPr>
+          <p:cNvSpPr>
+            <a:spLocks noGrp="1"/>
+          </p:cNvSpPr>
+          <p:nvPr>
+            <p:ph idx="1"/>
+          </p:nvPr>
+        </p:nvSpPr>
+        <p:spPr>
+          <a:xfrm>
+            <a:off x="836676" y="1099532"/>
+            <a:ext cx="7626096" cy="5072668"/>
+          </a:xfrm>
+        </p:spPr>
+        <p:txBody>
+          <a:bodyPr vert="horz" lIns="91440" tIns="45720" rIns="91440" bIns="45720" rtlCol="0" anchor="t">
+            <a:normAutofit fontScale="62500" lnSpcReduction="20000"/>
+          </a:bodyPr>
+          <a:lstStyle/>
+          <a:p>
+            <a:r>
+              <a:rPr lang="pt-BR" b="1" dirty="0">
+                <a:solidFill>
+                  <a:srgbClr val="1F2937"/>
+                </a:solidFill>
+                <a:latin typeface="Segoe UI"/>
+                <a:cs typeface="Segoe UI"/>
+              </a:rPr>
+              <a:t>Diploma de Honra ao Mérito (in memoriam, 2015)</a:t>
+            </a:r>
+            <a:r>
+              <a:rPr lang="pt-BR" dirty="0">
+                <a:solidFill>
+                  <a:srgbClr val="1F2937"/>
+                </a:solidFill>
+                <a:latin typeface="Segoe UI"/>
+                <a:cs typeface="Segoe UI"/>
+              </a:rPr>
+              <a:t>: Entregue pela Assembleia Legislativa do RN, reconhecendo seu legado cultural.</a:t>
+            </a:r>
+            <a:endParaRPr lang="pt-BR" dirty="0"/>
+          </a:p>
+          <a:p>
+            <a:r>
+              <a:rPr lang="pt-BR" b="1" dirty="0">
+                <a:solidFill>
+                  <a:srgbClr val="1F2937"/>
+                </a:solidFill>
+                <a:latin typeface="Segoe UI"/>
+                <a:cs typeface="Segoe UI"/>
+              </a:rPr>
+              <a:t>Sessão Solene no Senado Federal (2011)</a:t>
+            </a:r>
+            <a:r>
+              <a:rPr lang="pt-BR" dirty="0">
+                <a:solidFill>
+                  <a:srgbClr val="1F2937"/>
+                </a:solidFill>
+                <a:latin typeface="Segoe UI"/>
+                <a:cs typeface="Segoe UI"/>
+              </a:rPr>
+              <a:t>: Reverência aos 25 anos de falecimento, destacando-o como "símbolo da cultura potiguar".</a:t>
+            </a:r>
+            <a:endParaRPr lang="pt-BR" dirty="0"/>
+          </a:p>
+          <a:p>
+            <a:r>
+              <a:rPr lang="pt-BR" b="1" dirty="0">
+                <a:solidFill>
+                  <a:srgbClr val="1F2937"/>
+                </a:solidFill>
+                <a:latin typeface="Segoe UI"/>
+                <a:cs typeface="Segoe UI"/>
+              </a:rPr>
+              <a:t>Sessão na Assembleia Legislativa do RN (2011)</a:t>
+            </a:r>
+            <a:r>
+              <a:rPr lang="pt-BR" dirty="0">
+                <a:solidFill>
+                  <a:srgbClr val="1F2937"/>
+                </a:solidFill>
+                <a:latin typeface="Segoe UI"/>
+                <a:cs typeface="Segoe UI"/>
+              </a:rPr>
+              <a:t>: Homenagem coletiva por sua contribuição à educação e folclore.</a:t>
+            </a:r>
+            <a:endParaRPr lang="pt-BR" dirty="0"/>
+          </a:p>
+          <a:p>
+            <a:r>
+              <a:rPr lang="pt-BR" b="1" dirty="0">
+                <a:solidFill>
+                  <a:srgbClr val="1F2937"/>
+                </a:solidFill>
+                <a:latin typeface="Segoe UI"/>
+                <a:cs typeface="Segoe UI"/>
+              </a:rPr>
+              <a:t>Placa Comemorativa na ANL-RN</a:t>
+            </a:r>
+            <a:r>
+              <a:rPr lang="pt-BR" dirty="0">
+                <a:solidFill>
+                  <a:srgbClr val="1F2937"/>
+                </a:solidFill>
+                <a:latin typeface="Segoe UI"/>
+                <a:cs typeface="Segoe UI"/>
+              </a:rPr>
+              <a:t>: Instalada em sua memória, celebrando sua militância cultural.</a:t>
+            </a:r>
+            <a:endParaRPr lang="pt-BR" dirty="0"/>
+          </a:p>
+          <a:p>
+            <a:r>
+              <a:rPr lang="pt-BR" b="1" dirty="0">
+                <a:solidFill>
+                  <a:srgbClr val="FAFAFC"/>
+                </a:solidFill>
+                <a:latin typeface="Segoe UI"/>
+                <a:cs typeface="Segoe UI"/>
+              </a:rPr>
+              <a:t>Espaços de Pesquisa e Museus</a:t>
+            </a:r>
+            <a:endParaRPr lang="pt-BR" dirty="0"/>
+          </a:p>
+          <a:p>
+            <a:r>
+              <a:rPr lang="pt-BR" b="1" dirty="0">
+                <a:solidFill>
+                  <a:srgbClr val="1F2937"/>
+                </a:solidFill>
+                <a:latin typeface="Segoe UI"/>
+                <a:cs typeface="Segoe UI"/>
+              </a:rPr>
+              <a:t>Museu Câmara Cascudo (UFRN, Natal)</a:t>
+            </a:r>
+            <a:r>
+              <a:rPr lang="pt-BR" dirty="0">
+                <a:solidFill>
+                  <a:srgbClr val="1F2937"/>
+                </a:solidFill>
+                <a:latin typeface="Segoe UI"/>
+                <a:cs typeface="Segoe UI"/>
+              </a:rPr>
+              <a:t>: Maior museu do RN, com +162 mil peças em arqueologia, paleontologia e estudos culturais. Criado por ele em 1963, é um hub para pesquisas etnográficas.</a:t>
+            </a:r>
+            <a:endParaRPr lang="pt-BR" dirty="0"/>
+          </a:p>
+          <a:p>
+            <a:r>
+              <a:rPr lang="pt-BR" b="1" dirty="0">
+                <a:solidFill>
+                  <a:srgbClr val="1F2937"/>
+                </a:solidFill>
+                <a:latin typeface="Segoe UI"/>
+                <a:cs typeface="Segoe UI"/>
+              </a:rPr>
+              <a:t>Instituto Câmara Cascudo</a:t>
+            </a:r>
+            <a:r>
+              <a:rPr lang="pt-BR" dirty="0">
+                <a:solidFill>
+                  <a:srgbClr val="1F2937"/>
+                </a:solidFill>
+                <a:latin typeface="Segoe UI"/>
+                <a:cs typeface="Segoe UI"/>
+              </a:rPr>
+              <a:t>: Centro de documentação com biblioteca digital de suas obras, promovendo eventos e congressos sobre folclore.</a:t>
+            </a:r>
+            <a:endParaRPr lang="pt-BR" dirty="0"/>
+          </a:p>
+          <a:p>
+            <a:endParaRPr lang="pt-BR" dirty="0"/>
+          </a:p>
+        </p:txBody>
+      </p:sp>
+      <p:sp>
+        <p:nvSpPr>
+          <p:cNvPr id="4" name="Espaço Reservado para Data 3">
+            <a:extLst>
+              <a:ext uri="{FF2B5EF4-FFF2-40B4-BE49-F238E27FC236}">
+                <a16:creationId xmlns:a16="http://schemas.microsoft.com/office/drawing/2014/main" id="{1388DCD1-6A02-7774-7034-5FA91B9D8BA0}"/>
+              </a:ext>
+            </a:extLst>
+          </p:cNvPr>
+          <p:cNvSpPr>
+            <a:spLocks noGrp="1"/>
+          </p:cNvSpPr>
+          <p:nvPr>
+            <p:ph type="dt" sz="half" idx="10"/>
+          </p:nvPr>
+        </p:nvSpPr>
         <p:spPr/>
         <p:txBody>
           <a:bodyPr/>
           <a:lstStyle/>
           <a:p>
-            <a:r>
-              <a:t>Encerramento</a:t>
-            </a:r>
-          </a:p>
-        </p:txBody>
-      </p:sp>
-      <p:sp>
-        <p:nvSpPr>
-          <p:cNvPr id="3" name="Content Placeholder 2"/>
+            <a:fld id="{FD2A5927-EA76-4ADF-B95C-99AAB241A20D}" type="datetime1">
+              <a:t>10/10/2025</a:t>
+            </a:fld>
+            <a:endParaRPr lang="en-US" dirty="0"/>
+          </a:p>
+        </p:txBody>
+      </p:sp>
+      <p:sp>
+        <p:nvSpPr>
+          <p:cNvPr id="5" name="Espaço Reservado para Rodapé 4">
+            <a:extLst>
+              <a:ext uri="{FF2B5EF4-FFF2-40B4-BE49-F238E27FC236}">
+                <a16:creationId xmlns:a16="http://schemas.microsoft.com/office/drawing/2014/main" id="{C87126AC-DB4B-C759-CA78-12C3342F241B}"/>
+              </a:ext>
+            </a:extLst>
+          </p:cNvPr>
+          <p:cNvSpPr>
+            <a:spLocks noGrp="1"/>
+          </p:cNvSpPr>
+          <p:nvPr>
+            <p:ph type="ftr" sz="quarter" idx="11"/>
+          </p:nvPr>
+        </p:nvSpPr>
+        <p:spPr/>
+        <p:txBody>
+          <a:bodyPr/>
+          <a:lstStyle/>
+          <a:p>
+            <a:endParaRPr lang="en-US" dirty="0"/>
+          </a:p>
+        </p:txBody>
+      </p:sp>
+      <p:sp>
+        <p:nvSpPr>
+          <p:cNvPr id="6" name="Espaço Reservado para Número de Slide 5">
+            <a:extLst>
+              <a:ext uri="{FF2B5EF4-FFF2-40B4-BE49-F238E27FC236}">
+                <a16:creationId xmlns:a16="http://schemas.microsoft.com/office/drawing/2014/main" id="{A956749F-B772-9499-F4B0-2E186329D412}"/>
+              </a:ext>
+            </a:extLst>
+          </p:cNvPr>
+          <p:cNvSpPr>
+            <a:spLocks noGrp="1"/>
+          </p:cNvSpPr>
+          <p:nvPr>
+            <p:ph type="sldNum" sz="quarter" idx="12"/>
+          </p:nvPr>
+        </p:nvSpPr>
+        <p:spPr/>
+        <p:txBody>
+          <a:bodyPr/>
+          <a:lstStyle/>
+          <a:p>
+            <a:fld id="{A65A5C87-DF58-40C8-B092-1DE63DB4547E}" type="slidenum">
+              <a:rPr lang="en-US" dirty="0"/>
+              <a:t>8</a:t>
+            </a:fld>
+            <a:endParaRPr lang="en-US" dirty="0"/>
+          </a:p>
+        </p:txBody>
+      </p:sp>
+    </p:spTree>
+    <p:extLst>
+      <p:ext uri="{BB962C8B-B14F-4D97-AF65-F5344CB8AC3E}">
+        <p14:creationId xmlns:p14="http://schemas.microsoft.com/office/powerpoint/2010/main" val="3179980470"/>
+      </p:ext>
+    </p:extLst>
+  </p:cSld>
+  <p:clrMapOvr>
+    <a:masterClrMapping/>
+  </p:clrMapOvr>
+</p:sld>
+</file>
+
+<file path=ppt/slides/slide9.xml><?xml version="1.0" encoding="utf-8"?>
+<p:sld xmlns:a="http://schemas.openxmlformats.org/drawingml/2006/main" xmlns:r="http://schemas.openxmlformats.org/officeDocument/2006/relationships" xmlns:p="http://schemas.openxmlformats.org/presentationml/2006/main">
+  <p:cSld>
+    <p:spTree>
+      <p:nvGrpSpPr>
+        <p:cNvPr id="1" name=""/>
+        <p:cNvGrpSpPr/>
+        <p:nvPr/>
+      </p:nvGrpSpPr>
+      <p:grpSpPr>
+        <a:xfrm>
+          <a:off x="0" y="0"/>
+          <a:ext cx="0" cy="0"/>
+          <a:chOff x="0" y="0"/>
+          <a:chExt cx="0" cy="0"/>
+        </a:xfrm>
+      </p:grpSpPr>
+      <p:sp>
+        <p:nvSpPr>
+          <p:cNvPr id="2" name="Título 1">
+            <a:extLst>
+              <a:ext uri="{FF2B5EF4-FFF2-40B4-BE49-F238E27FC236}">
+                <a16:creationId xmlns:a16="http://schemas.microsoft.com/office/drawing/2014/main" id="{90CC02BA-474C-4C04-446A-3B3D2E21BF17}"/>
+              </a:ext>
+            </a:extLst>
+          </p:cNvPr>
+          <p:cNvSpPr>
+            <a:spLocks noGrp="1"/>
+          </p:cNvSpPr>
+          <p:nvPr>
+            <p:ph type="title"/>
+          </p:nvPr>
+        </p:nvSpPr>
+        <p:spPr/>
+        <p:txBody>
+          <a:bodyPr>
+            <a:normAutofit/>
+          </a:bodyPr>
+          <a:lstStyle/>
+          <a:p>
+            <a:r>
+              <a:rPr lang="pt-BR" sz="4000" dirty="0">
+                <a:solidFill>
+                  <a:srgbClr val="002060"/>
+                </a:solidFill>
+                <a:latin typeface="Segoe UI"/>
+                <a:cs typeface="Segoe UI"/>
+              </a:rPr>
+              <a:t>Bibliografia</a:t>
+            </a:r>
+            <a:endParaRPr lang="pt-BR" sz="4000" dirty="0">
+              <a:solidFill>
+                <a:srgbClr val="002060"/>
+              </a:solidFill>
+            </a:endParaRPr>
+          </a:p>
+        </p:txBody>
+      </p:sp>
+      <p:sp>
+        <p:nvSpPr>
+          <p:cNvPr id="3" name="Espaço Reservado para Conteúdo 2">
+            <a:extLst>
+              <a:ext uri="{FF2B5EF4-FFF2-40B4-BE49-F238E27FC236}">
+                <a16:creationId xmlns:a16="http://schemas.microsoft.com/office/drawing/2014/main" id="{E7321557-A3B5-41B2-1F84-61C7DF55E6BD}"/>
+              </a:ext>
+            </a:extLst>
+          </p:cNvPr>
           <p:cNvSpPr>
             <a:spLocks noGrp="1"/>
           </p:cNvSpPr>
@@ -3682,22 +6197,225 @@
         </p:nvSpPr>
         <p:spPr/>
         <p:txBody>
+          <a:bodyPr vert="horz" lIns="91440" tIns="45720" rIns="91440" bIns="45720" rtlCol="0" anchor="t">
+            <a:normAutofit/>
+          </a:bodyPr>
+          <a:lstStyle/>
+          <a:p>
+            <a:r>
+              <a:rPr lang="pt-BR" sz="1100" dirty="0">
+                <a:solidFill>
+                  <a:srgbClr val="2832F8"/>
+                </a:solidFill>
+                <a:latin typeface="Segoe UI"/>
+                <a:cs typeface="Segoe UI"/>
+                <a:hlinkClick r:id="rId2"/>
+              </a:rPr>
+              <a:t>https://www.cascudo.org.br</a:t>
+            </a:r>
+            <a:br>
+              <a:rPr lang="pt-BR" sz="1100" dirty="0">
+                <a:solidFill>
+                  <a:srgbClr val="2832F8"/>
+                </a:solidFill>
+                <a:latin typeface="Segoe UI"/>
+                <a:cs typeface="Segoe UI"/>
+              </a:rPr>
+            </a:br>
+            <a:r>
+              <a:rPr lang="pt-BR" sz="1100" dirty="0">
+                <a:solidFill>
+                  <a:srgbClr val="2832F8"/>
+                </a:solidFill>
+                <a:latin typeface="Segoe UI"/>
+                <a:cs typeface="Segoe UI"/>
+                <a:hlinkClick r:id="rId3"/>
+              </a:rPr>
+              <a:t>https://www.instagram.com/institutocascudo/</a:t>
+            </a:r>
+            <a:br>
+              <a:rPr lang="pt-BR" sz="1100" dirty="0">
+                <a:solidFill>
+                  <a:srgbClr val="2832F8"/>
+                </a:solidFill>
+                <a:latin typeface="Segoe UI"/>
+                <a:cs typeface="Segoe UI"/>
+              </a:rPr>
+            </a:br>
+            <a:r>
+              <a:rPr lang="pt-BR" sz="1100" dirty="0">
+                <a:solidFill>
+                  <a:srgbClr val="2832F8"/>
+                </a:solidFill>
+                <a:latin typeface="Segoe UI"/>
+                <a:cs typeface="Segoe UI"/>
+                <a:hlinkClick r:id="rId4"/>
+              </a:rPr>
+              <a:t>https://mcc.ufrn.br/</a:t>
+            </a:r>
+            <a:br>
+              <a:rPr lang="pt-BR" sz="1100" dirty="0">
+                <a:solidFill>
+                  <a:srgbClr val="2832F8"/>
+                </a:solidFill>
+                <a:latin typeface="Segoe UI"/>
+                <a:cs typeface="Segoe UI"/>
+              </a:rPr>
+            </a:br>
+            <a:r>
+              <a:rPr lang="pt-BR" sz="1100" dirty="0">
+                <a:solidFill>
+                  <a:srgbClr val="2832F8"/>
+                </a:solidFill>
+                <a:latin typeface="Segoe UI"/>
+                <a:cs typeface="Segoe UI"/>
+                <a:hlinkClick r:id="rId5"/>
+              </a:rPr>
+              <a:t>https://www.cascudo.org.br/biblioteca/</a:t>
+            </a:r>
+            <a:br>
+              <a:rPr lang="pt-BR" sz="1100" dirty="0">
+                <a:solidFill>
+                  <a:srgbClr val="2832F8"/>
+                </a:solidFill>
+                <a:latin typeface="Segoe UI"/>
+                <a:cs typeface="Segoe UI"/>
+              </a:rPr>
+            </a:br>
+            <a:r>
+              <a:rPr lang="pt-BR" sz="1100" dirty="0">
+                <a:solidFill>
+                  <a:srgbClr val="2832F8"/>
+                </a:solidFill>
+                <a:latin typeface="Segoe UI"/>
+                <a:cs typeface="Segoe UI"/>
+                <a:hlinkClick r:id="rId6"/>
+              </a:rPr>
+              <a:t>https://espacoculturalcamaracascudo.blogspot.com/</a:t>
+            </a:r>
+            <a:br>
+              <a:rPr lang="pt-BR" sz="1100" dirty="0">
+                <a:solidFill>
+                  <a:srgbClr val="2832F8"/>
+                </a:solidFill>
+                <a:latin typeface="Segoe UI"/>
+                <a:cs typeface="Segoe UI"/>
+              </a:rPr>
+            </a:br>
+            <a:r>
+              <a:rPr lang="pt-BR" sz="1100" dirty="0">
+                <a:solidFill>
+                  <a:srgbClr val="2832F8"/>
+                </a:solidFill>
+                <a:latin typeface="Segoe UI"/>
+                <a:cs typeface="Segoe UI"/>
+                <a:hlinkClick r:id="rId7"/>
+              </a:rPr>
+              <a:t>https://www.facebook.com/instcascudo?locale=pt_BR</a:t>
+            </a:r>
+            <a:endParaRPr lang="pt-BR" dirty="0"/>
+          </a:p>
+          <a:p>
+            <a:endParaRPr lang="pt-BR" sz="3800" b="1" dirty="0">
+              <a:solidFill>
+                <a:srgbClr val="1F2937"/>
+              </a:solidFill>
+              <a:latin typeface="Impact"/>
+            </a:endParaRPr>
+          </a:p>
+          <a:p>
+            <a:endParaRPr lang="pt-BR" dirty="0"/>
+          </a:p>
+        </p:txBody>
+      </p:sp>
+      <p:sp>
+        <p:nvSpPr>
+          <p:cNvPr id="4" name="Espaço Reservado para Data 3">
+            <a:extLst>
+              <a:ext uri="{FF2B5EF4-FFF2-40B4-BE49-F238E27FC236}">
+                <a16:creationId xmlns:a16="http://schemas.microsoft.com/office/drawing/2014/main" id="{76F46792-0CC9-726C-669E-8D330C77DEDC}"/>
+              </a:ext>
+            </a:extLst>
+          </p:cNvPr>
+          <p:cNvSpPr>
+            <a:spLocks noGrp="1"/>
+          </p:cNvSpPr>
+          <p:nvPr>
+            <p:ph type="dt" sz="half" idx="10"/>
+          </p:nvPr>
+        </p:nvSpPr>
+        <p:spPr/>
+        <p:txBody>
           <a:bodyPr/>
           <a:lstStyle/>
           <a:p>
-            <a:r>
-              <a:t>Dica: copie o arquivo HTML para um pendrive e abra em qualquer navegador moderno — funciona offline.</a:t>
-            </a:r>
-          </a:p>
-          <a:p/>
-          <a:p>
-            <a:r>
-              <a:t>Obrigado pela atenção!</a:t>
-            </a:r>
+            <a:fld id="{A42AAB22-D0A5-442D-83F8-7A94225D54FC}" type="datetime1">
+              <a:t>10/10/2025</a:t>
+            </a:fld>
+            <a:endParaRPr lang="en-US" dirty="0"/>
+          </a:p>
+        </p:txBody>
+      </p:sp>
+      <p:sp>
+        <p:nvSpPr>
+          <p:cNvPr id="5" name="Espaço Reservado para Rodapé 4">
+            <a:extLst>
+              <a:ext uri="{FF2B5EF4-FFF2-40B4-BE49-F238E27FC236}">
+                <a16:creationId xmlns:a16="http://schemas.microsoft.com/office/drawing/2014/main" id="{7EA6839D-7C36-49B8-05CC-66C9E42D95CA}"/>
+              </a:ext>
+            </a:extLst>
+          </p:cNvPr>
+          <p:cNvSpPr>
+            <a:spLocks noGrp="1"/>
+          </p:cNvSpPr>
+          <p:nvPr>
+            <p:ph type="ftr" sz="quarter" idx="11"/>
+          </p:nvPr>
+        </p:nvSpPr>
+        <p:spPr/>
+        <p:txBody>
+          <a:bodyPr/>
+          <a:lstStyle/>
+          <a:p>
+            <a:endParaRPr lang="en-US" dirty="0"/>
+          </a:p>
+        </p:txBody>
+      </p:sp>
+      <p:sp>
+        <p:nvSpPr>
+          <p:cNvPr id="6" name="Espaço Reservado para Número de Slide 5">
+            <a:extLst>
+              <a:ext uri="{FF2B5EF4-FFF2-40B4-BE49-F238E27FC236}">
+                <a16:creationId xmlns:a16="http://schemas.microsoft.com/office/drawing/2014/main" id="{9C670C90-CA53-AE83-7654-D7666E63A73A}"/>
+              </a:ext>
+            </a:extLst>
+          </p:cNvPr>
+          <p:cNvSpPr>
+            <a:spLocks noGrp="1"/>
+          </p:cNvSpPr>
+          <p:nvPr>
+            <p:ph type="sldNum" sz="quarter" idx="12"/>
+          </p:nvPr>
+        </p:nvSpPr>
+        <p:spPr/>
+        <p:txBody>
+          <a:bodyPr/>
+          <a:lstStyle/>
+          <a:p>
+            <a:fld id="{A65A5C87-DF58-40C8-B092-1DE63DB4547E}" type="slidenum">
+              <a:rPr lang="en-US" dirty="0"/>
+              <a:t>9</a:t>
+            </a:fld>
+            <a:endParaRPr lang="en-US" dirty="0"/>
           </a:p>
         </p:txBody>
       </p:sp>
     </p:spTree>
+    <p:extLst>
+      <p:ext uri="{BB962C8B-B14F-4D97-AF65-F5344CB8AC3E}">
+        <p14:creationId xmlns:p14="http://schemas.microsoft.com/office/powerpoint/2010/main" val="3031902958"/>
+      </p:ext>
+    </p:extLst>
   </p:cSld>
   <p:clrMapOvr>
     <a:masterClrMapping/>
@@ -3706,119 +6424,59 @@
 </file>
 
 <file path=ppt/theme/theme1.xml><?xml version="1.0" encoding="utf-8"?>
-<a:theme xmlns:a="http://schemas.openxmlformats.org/drawingml/2006/main" name="Office Theme">
+<a:theme xmlns:a="http://schemas.openxmlformats.org/drawingml/2006/main" name="AccentBoxVTI">
   <a:themeElements>
-    <a:clrScheme name="Office">
+    <a:clrScheme name="AccentBoxVTI">
       <a:dk1>
-        <a:sysClr val="windowText" lastClr="000000"/>
+        <a:srgbClr val="000000"/>
       </a:dk1>
       <a:lt1>
         <a:sysClr val="window" lastClr="FFFFFF"/>
       </a:lt1>
       <a:dk2>
-        <a:srgbClr val="1F497D"/>
+        <a:srgbClr val="262626"/>
       </a:dk2>
       <a:lt2>
-        <a:srgbClr val="EEECE1"/>
+        <a:srgbClr val="FFFFFF"/>
       </a:lt2>
       <a:accent1>
-        <a:srgbClr val="4F81BD"/>
+        <a:srgbClr val="F5A700"/>
       </a:accent1>
       <a:accent2>
-        <a:srgbClr val="C0504D"/>
+        <a:srgbClr val="00A5AB"/>
       </a:accent2>
       <a:accent3>
-        <a:srgbClr val="9BBB59"/>
+        <a:srgbClr val="09963B"/>
       </a:accent3>
       <a:accent4>
-        <a:srgbClr val="8064A2"/>
+        <a:srgbClr val="E64823"/>
       </a:accent4>
       <a:accent5>
-        <a:srgbClr val="4BACC6"/>
+        <a:srgbClr val="9C6A6A"/>
       </a:accent5>
       <a:accent6>
-        <a:srgbClr val="F79646"/>
+        <a:srgbClr val="824F8C"/>
       </a:accent6>
       <a:hlink>
-        <a:srgbClr val="0000FF"/>
+        <a:srgbClr val="2998E3"/>
       </a:hlink>
       <a:folHlink>
-        <a:srgbClr val="800080"/>
+        <a:srgbClr val="7F723D"/>
       </a:folHlink>
     </a:clrScheme>
-    <a:fontScheme name="Office">
+    <a:fontScheme name="AccentBoxVTI">
       <a:majorFont>
-        <a:latin typeface="Calibri"/>
+        <a:latin typeface="Avenir Next LT Pro"/>
         <a:ea typeface=""/>
         <a:cs typeface=""/>
-        <a:font script="Jpan" typeface="ＭＳ Ｐゴシック"/>
-        <a:font script="Hang" typeface="맑은 고딕"/>
-        <a:font script="Hans" typeface="宋体"/>
-        <a:font script="Hant" typeface="新細明體"/>
-        <a:font script="Arab" typeface="Times New Roman"/>
-        <a:font script="Hebr" typeface="Times New Roman"/>
-        <a:font script="Thai" typeface="Angsana New"/>
-        <a:font script="Ethi" typeface="Nyala"/>
-        <a:font script="Beng" typeface="Vrinda"/>
-        <a:font script="Gujr" typeface="Shruti"/>
-        <a:font script="Khmr" typeface="MoolBoran"/>
-        <a:font script="Knda" typeface="Tunga"/>
-        <a:font script="Guru" typeface="Raavi"/>
-        <a:font script="Cans" typeface="Euphemia"/>
-        <a:font script="Cher" typeface="Plantagenet Cherokee"/>
-        <a:font script="Yiii" typeface="Microsoft Yi Baiti"/>
-        <a:font script="Tibt" typeface="Microsoft Himalaya"/>
-        <a:font script="Thaa" typeface="MV Boli"/>
-        <a:font script="Deva" typeface="Mangal"/>
-        <a:font script="Telu" typeface="Gautami"/>
-        <a:font script="Taml" typeface="Latha"/>
-        <a:font script="Syrc" typeface="Estrangelo Edessa"/>
-        <a:font script="Orya" typeface="Kalinga"/>
-        <a:font script="Mlym" typeface="Kartika"/>
-        <a:font script="Laoo" typeface="DokChampa"/>
-        <a:font script="Sinh" typeface="Iskoola Pota"/>
-        <a:font script="Mong" typeface="Mongolian Baiti"/>
-        <a:font script="Viet" typeface="Times New Roman"/>
-        <a:font script="Uigh" typeface="Microsoft Uighur"/>
-        <a:font script="Geor" typeface="Sylfaen"/>
       </a:majorFont>
       <a:minorFont>
-        <a:latin typeface="Calibri"/>
+        <a:latin typeface="Avenir Next LT Pro"/>
         <a:ea typeface=""/>
         <a:cs typeface=""/>
-        <a:font script="Jpan" typeface="ＭＳ Ｐゴシック"/>
-        <a:font script="Hang" typeface="맑은 고딕"/>
-        <a:font script="Hans" typeface="宋体"/>
-        <a:font script="Hant" typeface="新細明體"/>
-        <a:font script="Arab" typeface="Arial"/>
-        <a:font script="Hebr" typeface="Arial"/>
-        <a:font script="Thai" typeface="Cordia New"/>
-        <a:font script="Ethi" typeface="Nyala"/>
-        <a:font script="Beng" typeface="Vrinda"/>
-        <a:font script="Gujr" typeface="Shruti"/>
-        <a:font script="Khmr" typeface="DaunPenh"/>
-        <a:font script="Knda" typeface="Tunga"/>
-        <a:font script="Guru" typeface="Raavi"/>
-        <a:font script="Cans" typeface="Euphemia"/>
-        <a:font script="Cher" typeface="Plantagenet Cherokee"/>
-        <a:font script="Yiii" typeface="Microsoft Yi Baiti"/>
-        <a:font script="Tibt" typeface="Microsoft Himalaya"/>
-        <a:font script="Thaa" typeface="MV Boli"/>
-        <a:font script="Deva" typeface="Mangal"/>
-        <a:font script="Telu" typeface="Gautami"/>
-        <a:font script="Taml" typeface="Latha"/>
-        <a:font script="Syrc" typeface="Estrangelo Edessa"/>
-        <a:font script="Orya" typeface="Kalinga"/>
-        <a:font script="Mlym" typeface="Kartika"/>
-        <a:font script="Laoo" typeface="DokChampa"/>
-        <a:font script="Sinh" typeface="Iskoola Pota"/>
-        <a:font script="Mong" typeface="Mongolian Baiti"/>
-        <a:font script="Viet" typeface="Arial"/>
-        <a:font script="Uigh" typeface="Microsoft Uighur"/>
-        <a:font script="Geor" typeface="Sylfaen"/>
       </a:minorFont>
     </a:fontScheme>
-    <a:fmtScheme name="Office">
+    <a:fmtScheme name="AccentBoxVTI">
       <a:fillStyleLst>
         <a:solidFill>
           <a:schemeClr val="phClr"/>
@@ -3827,200 +6485,141 @@
           <a:gsLst>
             <a:gs pos="0">
               <a:schemeClr val="phClr">
-                <a:tint val="50000"/>
-                <a:satMod val="300000"/>
+                <a:lumMod val="110000"/>
+                <a:satMod val="105000"/>
+                <a:tint val="67000"/>
               </a:schemeClr>
             </a:gs>
-            <a:gs pos="35000">
+            <a:gs pos="50000">
               <a:schemeClr val="phClr">
-                <a:tint val="37000"/>
-                <a:satMod val="300000"/>
+                <a:lumMod val="105000"/>
+                <a:satMod val="103000"/>
+                <a:tint val="73000"/>
               </a:schemeClr>
             </a:gs>
             <a:gs pos="100000">
               <a:schemeClr val="phClr">
-                <a:tint val="15000"/>
-                <a:satMod val="350000"/>
+                <a:lumMod val="105000"/>
+                <a:satMod val="109000"/>
+                <a:tint val="81000"/>
               </a:schemeClr>
             </a:gs>
           </a:gsLst>
-          <a:lin ang="16200000" scaled="1"/>
+          <a:lin ang="5400000" scaled="0"/>
         </a:gradFill>
         <a:gradFill rotWithShape="1">
           <a:gsLst>
             <a:gs pos="0">
               <a:schemeClr val="phClr">
-                <a:tint val="100000"/>
+                <a:satMod val="103000"/>
+                <a:lumMod val="102000"/>
+                <a:tint val="94000"/>
+              </a:schemeClr>
+            </a:gs>
+            <a:gs pos="50000">
+              <a:schemeClr val="phClr">
+                <a:satMod val="110000"/>
+                <a:lumMod val="100000"/>
                 <a:shade val="100000"/>
-                <a:satMod val="130000"/>
               </a:schemeClr>
             </a:gs>
             <a:gs pos="100000">
               <a:schemeClr val="phClr">
-                <a:tint val="50000"/>
-                <a:shade val="100000"/>
-                <a:satMod val="350000"/>
+                <a:lumMod val="99000"/>
+                <a:satMod val="120000"/>
+                <a:shade val="78000"/>
               </a:schemeClr>
             </a:gs>
           </a:gsLst>
-          <a:lin ang="16200000" scaled="0"/>
+          <a:lin ang="5400000" scaled="0"/>
         </a:gradFill>
       </a:fillStyleLst>
       <a:lnStyleLst>
-        <a:ln w="9525" cap="flat" cmpd="sng" algn="ctr">
-          <a:solidFill>
-            <a:schemeClr val="phClr">
-              <a:shade val="95000"/>
-              <a:satMod val="105000"/>
-            </a:schemeClr>
-          </a:solidFill>
-          <a:prstDash val="solid"/>
-        </a:ln>
-        <a:ln w="25400" cap="flat" cmpd="sng" algn="ctr">
+        <a:ln w="6350" cap="flat" cmpd="sng" algn="ctr">
           <a:solidFill>
             <a:schemeClr val="phClr"/>
           </a:solidFill>
           <a:prstDash val="solid"/>
+          <a:miter lim="800000"/>
         </a:ln>
-        <a:ln w="38100" cap="flat" cmpd="sng" algn="ctr">
+        <a:ln w="12700" cap="flat" cmpd="sng" algn="ctr">
           <a:solidFill>
             <a:schemeClr val="phClr"/>
           </a:solidFill>
           <a:prstDash val="solid"/>
+          <a:miter lim="800000"/>
+        </a:ln>
+        <a:ln w="19050" cap="flat" cmpd="sng" algn="ctr">
+          <a:solidFill>
+            <a:schemeClr val="phClr"/>
+          </a:solidFill>
+          <a:prstDash val="solid"/>
+          <a:miter lim="800000"/>
         </a:ln>
       </a:lnStyleLst>
       <a:effectStyleLst>
         <a:effectStyle>
+          <a:effectLst/>
+        </a:effectStyle>
+        <a:effectStyle>
+          <a:effectLst/>
+        </a:effectStyle>
+        <a:effectStyle>
           <a:effectLst>
-            <a:outerShdw blurRad="40000" dist="20000" dir="5400000" rotWithShape="0">
+            <a:outerShdw blurRad="57150" dist="19050" dir="5400000" algn="ctr" rotWithShape="0">
               <a:srgbClr val="000000">
-                <a:alpha val="38000"/>
+                <a:alpha val="63000"/>
               </a:srgbClr>
             </a:outerShdw>
           </a:effectLst>
-        </a:effectStyle>
-        <a:effectStyle>
-          <a:effectLst>
-            <a:outerShdw blurRad="40000" dist="23000" dir="5400000" rotWithShape="0">
-              <a:srgbClr val="000000">
-                <a:alpha val="35000"/>
-              </a:srgbClr>
-            </a:outerShdw>
-          </a:effectLst>
-        </a:effectStyle>
-        <a:effectStyle>
-          <a:effectLst>
-            <a:outerShdw blurRad="40000" dist="23000" dir="5400000" rotWithShape="0">
-              <a:srgbClr val="000000">
-                <a:alpha val="35000"/>
-              </a:srgbClr>
-            </a:outerShdw>
-          </a:effectLst>
-          <a:scene3d>
-            <a:camera prst="orthographicFront">
-              <a:rot lat="0" lon="0" rev="0"/>
-            </a:camera>
-            <a:lightRig rig="threePt" dir="t">
-              <a:rot lat="0" lon="0" rev="1200000"/>
-            </a:lightRig>
-          </a:scene3d>
-          <a:sp3d>
-            <a:bevelT w="63500" h="25400"/>
-          </a:sp3d>
         </a:effectStyle>
       </a:effectStyleLst>
       <a:bgFillStyleLst>
         <a:solidFill>
           <a:schemeClr val="phClr"/>
         </a:solidFill>
+        <a:solidFill>
+          <a:schemeClr val="phClr">
+            <a:tint val="95000"/>
+            <a:satMod val="170000"/>
+          </a:schemeClr>
+        </a:solidFill>
         <a:gradFill rotWithShape="1">
           <a:gsLst>
             <a:gs pos="0">
               <a:schemeClr val="phClr">
-                <a:tint val="40000"/>
-                <a:satMod val="350000"/>
+                <a:tint val="93000"/>
+                <a:satMod val="150000"/>
+                <a:shade val="98000"/>
+                <a:lumMod val="102000"/>
               </a:schemeClr>
             </a:gs>
-            <a:gs pos="40000">
+            <a:gs pos="50000">
               <a:schemeClr val="phClr">
-                <a:tint val="45000"/>
-                <a:shade val="99000"/>
-                <a:satMod val="350000"/>
+                <a:tint val="98000"/>
+                <a:satMod val="130000"/>
+                <a:shade val="90000"/>
+                <a:lumMod val="103000"/>
               </a:schemeClr>
             </a:gs>
             <a:gs pos="100000">
               <a:schemeClr val="phClr">
-                <a:shade val="20000"/>
-                <a:satMod val="255000"/>
+                <a:shade val="63000"/>
+                <a:satMod val="120000"/>
               </a:schemeClr>
             </a:gs>
           </a:gsLst>
-          <a:path path="circle">
-            <a:fillToRect l="50000" t="-80000" r="50000" b="180000"/>
-          </a:path>
-        </a:gradFill>
-        <a:gradFill rotWithShape="1">
-          <a:gsLst>
-            <a:gs pos="0">
-              <a:schemeClr val="phClr">
-                <a:tint val="80000"/>
-                <a:satMod val="300000"/>
-              </a:schemeClr>
-            </a:gs>
-            <a:gs pos="100000">
-              <a:schemeClr val="phClr">
-                <a:shade val="30000"/>
-                <a:satMod val="200000"/>
-              </a:schemeClr>
-            </a:gs>
-          </a:gsLst>
-          <a:path path="circle">
-            <a:fillToRect l="50000" t="50000" r="50000" b="50000"/>
-          </a:path>
+          <a:lin ang="5400000" scaled="0"/>
         </a:gradFill>
       </a:bgFillStyleLst>
     </a:fmtScheme>
   </a:themeElements>
-  <a:objectDefaults>
-    <a:spDef>
-      <a:spPr/>
-      <a:bodyPr/>
-      <a:lstStyle/>
-      <a:style>
-        <a:lnRef idx="1">
-          <a:schemeClr val="accent1"/>
-        </a:lnRef>
-        <a:fillRef idx="3">
-          <a:schemeClr val="accent1"/>
-        </a:fillRef>
-        <a:effectRef idx="2">
-          <a:schemeClr val="accent1"/>
-        </a:effectRef>
-        <a:fontRef idx="minor">
-          <a:schemeClr val="lt1"/>
-        </a:fontRef>
-      </a:style>
-    </a:spDef>
-    <a:lnDef>
-      <a:spPr/>
-      <a:bodyPr/>
-      <a:lstStyle/>
-      <a:style>
-        <a:lnRef idx="2">
-          <a:schemeClr val="accent1"/>
-        </a:lnRef>
-        <a:fillRef idx="0">
-          <a:schemeClr val="accent1"/>
-        </a:fillRef>
-        <a:effectRef idx="1">
-          <a:schemeClr val="accent1"/>
-        </a:effectRef>
-        <a:fontRef idx="minor">
-          <a:schemeClr val="tx1"/>
-        </a:fontRef>
-      </a:style>
-    </a:lnDef>
-  </a:objectDefaults>
+  <a:objectDefaults/>
   <a:extraClrSchemeLst/>
+  <a:extLst>
+    <a:ext uri="{05A4C25C-085E-4340-85A3-A5531E510DB2}">
+      <thm15:themeFamily xmlns:thm15="http://schemas.microsoft.com/office/thememl/2012/main" name="AccentBoxVTI" id="{F4FE582F-5DDE-4E50-A331-B77FB79D7361}" vid="{42624B42-66F4-4B9A-A3DB-EB561F16279A}"/>
+    </a:ext>
+  </a:extLst>
 </a:theme>
 </file>